--- a/sessoes/pptx/introducao.pptx
+++ b/sessoes/pptx/introducao.pptx
@@ -5,19 +5,20 @@
     <p:sldMasterId id="2147483648" r:id="rId1"/>
   </p:sldMasterIdLst>
   <p:notesMasterIdLst>
-    <p:notesMasterId r:id="rId12"/>
+    <p:notesMasterId r:id="rId13"/>
   </p:notesMasterIdLst>
   <p:sldIdLst>
     <p:sldId id="256" r:id="rId2"/>
     <p:sldId id="257" r:id="rId3"/>
     <p:sldId id="258" r:id="rId4"/>
     <p:sldId id="263" r:id="rId5"/>
-    <p:sldId id="264" r:id="rId6"/>
-    <p:sldId id="260" r:id="rId7"/>
-    <p:sldId id="261" r:id="rId8"/>
-    <p:sldId id="259" r:id="rId9"/>
-    <p:sldId id="262" r:id="rId10"/>
-    <p:sldId id="265" r:id="rId11"/>
+    <p:sldId id="265" r:id="rId6"/>
+    <p:sldId id="264" r:id="rId7"/>
+    <p:sldId id="260" r:id="rId8"/>
+    <p:sldId id="261" r:id="rId9"/>
+    <p:sldId id="259" r:id="rId10"/>
+    <p:sldId id="262" r:id="rId11"/>
+    <p:sldId id="266" r:id="rId12"/>
   </p:sldIdLst>
   <p:sldSz cx="12192000" cy="6858000"/>
   <p:notesSz cx="6858000" cy="9144000"/>
@@ -1640,7 +1641,7 @@
         <a:lstStyle/>
         <a:p>
           <a:r>
-            <a:rPr lang="pt-BR" sz="1600" noProof="0" dirty="0">
+            <a:rPr lang="pt-BR" sz="1800" noProof="0" dirty="0">
               <a:latin typeface="+mj-lt"/>
             </a:rPr>
             <a:t>Dia 1 - Introdução</a:t>
@@ -1678,13 +1679,13 @@
         <a:lstStyle/>
         <a:p>
           <a:r>
-            <a:rPr lang="pt-BR" sz="1600" noProof="0" dirty="0" err="1">
+            <a:rPr lang="pt-BR" sz="1800" noProof="0" dirty="0" err="1">
               <a:latin typeface="+mj-lt"/>
             </a:rPr>
             <a:t>Intro</a:t>
           </a:r>
           <a:r>
-            <a:rPr lang="pt-BR" sz="1600" noProof="0" dirty="0">
+            <a:rPr lang="pt-BR" sz="1800" noProof="0" dirty="0">
               <a:latin typeface="+mj-lt"/>
             </a:rPr>
             <a:t>. Curso (B+J)</a:t>
@@ -1722,7 +1723,7 @@
         <a:lstStyle/>
         <a:p>
           <a:r>
-            <a:rPr lang="pt-BR" sz="1600" noProof="0" dirty="0">
+            <a:rPr lang="pt-BR" sz="1700" noProof="0" dirty="0">
               <a:latin typeface="+mj-lt"/>
             </a:rPr>
             <a:t>Dia 2 - Teoria de nicho ecológico e modelos distribuição de espécies (J)</a:t>
@@ -1760,7 +1761,7 @@
         <a:lstStyle/>
         <a:p>
           <a:r>
-            <a:rPr lang="pt-BR" sz="1600" noProof="0" dirty="0">
+            <a:rPr lang="pt-BR" sz="1800" noProof="0" dirty="0">
               <a:latin typeface="+mj-lt"/>
             </a:rPr>
             <a:t>Distribuição de espécies</a:t>
@@ -1798,19 +1799,19 @@
         <a:lstStyle/>
         <a:p>
           <a:r>
-            <a:rPr lang="pt-BR" sz="1600" noProof="0" dirty="0">
+            <a:rPr lang="pt-BR" sz="1700" noProof="0" dirty="0">
               <a:latin typeface="+mj-lt"/>
             </a:rPr>
             <a:t>Dia 3 – Bases de dados disponíveis para biologia / ecologia (</a:t>
           </a:r>
           <a:r>
-            <a:rPr lang="pt-BR" sz="1600" noProof="0" dirty="0" err="1">
+            <a:rPr lang="pt-BR" sz="1700" noProof="0" dirty="0" err="1">
               <a:latin typeface="+mj-lt"/>
             </a:rPr>
             <a:t>B</a:t>
           </a:r>
           <a:r>
-            <a:rPr lang="pt-BR" sz="1600" noProof="0" dirty="0">
+            <a:rPr lang="pt-BR" sz="1700" noProof="0" dirty="0">
               <a:latin typeface="+mj-lt"/>
             </a:rPr>
             <a:t>)</a:t>
@@ -1848,7 +1849,7 @@
         <a:lstStyle/>
         <a:p>
           <a:r>
-            <a:rPr lang="pt-BR" sz="1600" noProof="0" dirty="0">
+            <a:rPr lang="pt-BR" sz="1800" noProof="0" dirty="0">
               <a:latin typeface="+mj-lt"/>
             </a:rPr>
             <a:t>Principais bases de dados de ocorrências</a:t>
@@ -1886,7 +1887,7 @@
         <a:lstStyle/>
         <a:p>
           <a:r>
-            <a:rPr lang="pt-BR" sz="1600" noProof="0" dirty="0">
+            <a:rPr lang="pt-BR" sz="1800" noProof="0" dirty="0">
               <a:latin typeface="+mj-lt"/>
             </a:rPr>
             <a:t>Dia 4 – Modelos de Distribuição de Espécies (J+B)</a:t>
@@ -1924,7 +1925,7 @@
         <a:lstStyle/>
         <a:p>
           <a:r>
-            <a:rPr lang="pt-BR" sz="1600" noProof="0" dirty="0">
+            <a:rPr lang="pt-BR" sz="1800" noProof="0" dirty="0">
               <a:latin typeface="+mj-lt"/>
             </a:rPr>
             <a:t>Dia 4 - Conclusão de curso</a:t>
@@ -1962,22 +1963,28 @@
         <a:lstStyle/>
         <a:p>
           <a:r>
-            <a:rPr lang="pt-BR" sz="1600" noProof="0" dirty="0">
+            <a:rPr lang="pt-BR" sz="1800" noProof="0" dirty="0" err="1">
               <a:latin typeface="+mj-lt"/>
             </a:rPr>
-            <a:t>Intro. </a:t>
+            <a:t>Intro</a:t>
           </a:r>
           <a:r>
-            <a:rPr lang="pt-BR" sz="1600" noProof="0" dirty="0" smtClean="0">
+            <a:rPr lang="pt-BR" sz="1800" noProof="0" dirty="0">
               <a:latin typeface="+mj-lt"/>
             </a:rPr>
-            <a:t>Modelagem de </a:t>
+            <a:t>. Analises de dados ecológicos (</a:t>
           </a:r>
           <a:r>
-            <a:rPr lang="pt-BR" sz="1600" noProof="0" dirty="0">
+            <a:rPr lang="pt-BR" sz="1800" noProof="0" dirty="0" err="1">
               <a:latin typeface="+mj-lt"/>
             </a:rPr>
-            <a:t>dados ecológicos (B)</a:t>
+            <a:t>B</a:t>
+          </a:r>
+          <a:r>
+            <a:rPr lang="pt-BR" sz="1800" noProof="0" dirty="0">
+              <a:latin typeface="+mj-lt"/>
+            </a:rPr>
+            <a:t>)</a:t>
           </a:r>
         </a:p>
       </dgm:t>
@@ -2012,12 +2019,12 @@
         <a:lstStyle/>
         <a:p>
           <a:r>
-            <a:rPr lang="pt-BR" sz="1600" b="0" i="0" noProof="0" dirty="0">
+            <a:rPr lang="pt-BR" sz="1800" b="0" i="0" noProof="0" dirty="0">
               <a:latin typeface="+mj-lt"/>
             </a:rPr>
             <a:t>Tipos de modelos</a:t>
           </a:r>
-          <a:endParaRPr lang="pt-BR" sz="1600" noProof="0" dirty="0">
+          <a:endParaRPr lang="pt-BR" sz="1800" noProof="0" dirty="0">
             <a:latin typeface="+mj-lt"/>
           </a:endParaRPr>
         </a:p>
@@ -2053,7 +2060,7 @@
         <a:lstStyle/>
         <a:p>
           <a:r>
-            <a:rPr lang="pt-BR" sz="1600" noProof="0" dirty="0">
+            <a:rPr lang="pt-BR" sz="1800" noProof="0" dirty="0">
               <a:latin typeface="+mj-lt"/>
             </a:rPr>
             <a:t>Boas praticas (J)</a:t>
@@ -2091,7 +2098,7 @@
         <a:lstStyle/>
         <a:p>
           <a:r>
-            <a:rPr lang="pt-BR" sz="1600" noProof="0" dirty="0">
+            <a:rPr lang="pt-BR" sz="1800" noProof="0" dirty="0">
               <a:latin typeface="+mj-lt"/>
             </a:rPr>
             <a:t>Principais bases de dados ambientais</a:t>
@@ -2129,22 +2136,22 @@
         <a:lstStyle/>
         <a:p>
           <a:r>
-            <a:rPr lang="pt-BR" sz="1600" noProof="0" dirty="0">
+            <a:rPr lang="pt-BR" sz="1800" noProof="0" dirty="0">
               <a:latin typeface="+mj-lt"/>
             </a:rPr>
-            <a:t>Introdução a Modelos de Distribuição de Espécies </a:t>
+            <a:t>Introdução a Modelos de Distribuição de Espécies em </a:t>
           </a:r>
           <a:r>
-            <a:rPr lang="pt-BR" sz="1600" noProof="0" dirty="0" smtClean="0">
+            <a:rPr lang="pt-BR" sz="1800" noProof="0" dirty="0" err="1">
               <a:latin typeface="+mj-lt"/>
             </a:rPr>
-            <a:t>(MDE) em </a:t>
+            <a:t>R</a:t>
           </a:r>
           <a:r>
-            <a:rPr lang="pt-BR" sz="1600" noProof="0" dirty="0">
+            <a:rPr lang="pt-BR" sz="1800" noProof="0" dirty="0">
               <a:latin typeface="+mj-lt"/>
             </a:rPr>
-            <a:t>R (J)</a:t>
+            <a:t> (J+B)</a:t>
           </a:r>
         </a:p>
       </dgm:t>
@@ -2179,7 +2186,7 @@
         <a:lstStyle/>
         <a:p>
           <a:r>
-            <a:rPr lang="pt-BR" sz="1600" noProof="0" dirty="0">
+            <a:rPr lang="pt-BR" sz="1800" noProof="0" dirty="0">
               <a:latin typeface="+mj-lt"/>
             </a:rPr>
             <a:t>Conclusão de curso</a:t>
@@ -2217,7 +2224,7 @@
         <a:lstStyle/>
         <a:p>
           <a:r>
-            <a:rPr lang="pt-BR" sz="1600" noProof="0" dirty="0">
+            <a:rPr lang="pt-BR" sz="1800" noProof="0" dirty="0">
               <a:latin typeface="+mj-lt"/>
             </a:rPr>
             <a:t>Nicho ecológico </a:t>
@@ -2247,47 +2254,6 @@
         </a:p>
       </dgm:t>
     </dgm:pt>
-    <dgm:pt modelId="{C0D9C315-5973-4195-8EEF-DDE0F00BCC1C}">
-      <dgm:prSet phldrT="[Text]" custT="1"/>
-      <dgm:spPr/>
-      <dgm:t>
-        <a:bodyPr/>
-        <a:lstStyle/>
-        <a:p>
-          <a:r>
-            <a:rPr lang="pt-BR" sz="1600" noProof="0" dirty="0" smtClean="0">
-              <a:latin typeface="+mj-lt"/>
-            </a:rPr>
-            <a:t>Download de dados</a:t>
-          </a:r>
-          <a:endParaRPr lang="pt-BR" sz="1600" noProof="0" dirty="0">
-            <a:latin typeface="+mj-lt"/>
-          </a:endParaRPr>
-        </a:p>
-      </dgm:t>
-    </dgm:pt>
-    <dgm:pt modelId="{E55B28F4-5AE8-4EE6-B4D9-AB2B2BC0BB08}" type="parTrans" cxnId="{4F11E17C-25CD-4221-8A86-FC623A10E416}">
-      <dgm:prSet/>
-      <dgm:spPr/>
-      <dgm:t>
-        <a:bodyPr/>
-        <a:lstStyle/>
-        <a:p>
-          <a:endParaRPr lang="fr-FR"/>
-        </a:p>
-      </dgm:t>
-    </dgm:pt>
-    <dgm:pt modelId="{E3D5F5E9-F5A2-4F3D-A6B3-6E3A7F9F5879}" type="sibTrans" cxnId="{4F11E17C-25CD-4221-8A86-FC623A10E416}">
-      <dgm:prSet/>
-      <dgm:spPr/>
-      <dgm:t>
-        <a:bodyPr/>
-        <a:lstStyle/>
-        <a:p>
-          <a:endParaRPr lang="fr-FR"/>
-        </a:p>
-      </dgm:t>
-    </dgm:pt>
     <dgm:pt modelId="{DCBBD6ED-E7E2-E641-94EA-3B38CC6CF4A5}" type="pres">
       <dgm:prSet presAssocID="{C8661A6B-810B-1E4B-B1CC-141DE757B849}" presName="Name0" presStyleCnt="0">
         <dgm:presLayoutVars>
@@ -2297,13 +2263,6 @@
         </dgm:presLayoutVars>
       </dgm:prSet>
       <dgm:spPr/>
-      <dgm:t>
-        <a:bodyPr/>
-        <a:lstStyle/>
-        <a:p>
-          <a:endParaRPr lang="fr-FR"/>
-        </a:p>
-      </dgm:t>
     </dgm:pt>
     <dgm:pt modelId="{9F03E44B-F21C-A74E-8366-EA8D85CC04EA}" type="pres">
       <dgm:prSet presAssocID="{2C0A458E-41E7-0749-B5F3-B87B657B2C46}" presName="composite" presStyleCnt="0"/>
@@ -2318,13 +2277,6 @@
         </dgm:presLayoutVars>
       </dgm:prSet>
       <dgm:spPr/>
-      <dgm:t>
-        <a:bodyPr/>
-        <a:lstStyle/>
-        <a:p>
-          <a:endParaRPr lang="fr-FR"/>
-        </a:p>
-      </dgm:t>
     </dgm:pt>
     <dgm:pt modelId="{A85479BA-39C3-B44C-8F28-84A809FAA5A1}" type="pres">
       <dgm:prSet presAssocID="{2C0A458E-41E7-0749-B5F3-B87B657B2C46}" presName="desTx" presStyleLbl="alignAccFollowNode1" presStyleIdx="0" presStyleCnt="5" custLinFactNeighborY="326">
@@ -2333,13 +2285,6 @@
         </dgm:presLayoutVars>
       </dgm:prSet>
       <dgm:spPr/>
-      <dgm:t>
-        <a:bodyPr/>
-        <a:lstStyle/>
-        <a:p>
-          <a:endParaRPr lang="fr-FR"/>
-        </a:p>
-      </dgm:t>
     </dgm:pt>
     <dgm:pt modelId="{B327CB47-6E17-5948-874C-31D0E69A2BEE}" type="pres">
       <dgm:prSet presAssocID="{B575B920-FFFA-344C-81D6-148E999212A2}" presName="space" presStyleCnt="0"/>
@@ -2358,13 +2303,6 @@
         </dgm:presLayoutVars>
       </dgm:prSet>
       <dgm:spPr/>
-      <dgm:t>
-        <a:bodyPr/>
-        <a:lstStyle/>
-        <a:p>
-          <a:endParaRPr lang="fr-FR"/>
-        </a:p>
-      </dgm:t>
     </dgm:pt>
     <dgm:pt modelId="{DD81468D-FAD2-994B-B911-D934DCB70CA1}" type="pres">
       <dgm:prSet presAssocID="{3DC5BF48-BA14-E94E-BE3F-8FB1C3CF1B90}" presName="desTx" presStyleLbl="alignAccFollowNode1" presStyleIdx="1" presStyleCnt="5">
@@ -2373,13 +2311,6 @@
         </dgm:presLayoutVars>
       </dgm:prSet>
       <dgm:spPr/>
-      <dgm:t>
-        <a:bodyPr/>
-        <a:lstStyle/>
-        <a:p>
-          <a:endParaRPr lang="fr-FR"/>
-        </a:p>
-      </dgm:t>
     </dgm:pt>
     <dgm:pt modelId="{B8F785C1-DBB7-B746-B4C6-AE6279F67232}" type="pres">
       <dgm:prSet presAssocID="{E2837041-A437-774B-A318-B655203B6D90}" presName="space" presStyleCnt="0"/>
@@ -2398,13 +2329,6 @@
         </dgm:presLayoutVars>
       </dgm:prSet>
       <dgm:spPr/>
-      <dgm:t>
-        <a:bodyPr/>
-        <a:lstStyle/>
-        <a:p>
-          <a:endParaRPr lang="fr-FR"/>
-        </a:p>
-      </dgm:t>
     </dgm:pt>
     <dgm:pt modelId="{20D095F7-62F7-7748-B677-217EAF898924}" type="pres">
       <dgm:prSet presAssocID="{8EB3D4DA-D392-624C-ACBA-01FCEF0039D1}" presName="desTx" presStyleLbl="alignAccFollowNode1" presStyleIdx="2" presStyleCnt="5">
@@ -2413,13 +2337,6 @@
         </dgm:presLayoutVars>
       </dgm:prSet>
       <dgm:spPr/>
-      <dgm:t>
-        <a:bodyPr/>
-        <a:lstStyle/>
-        <a:p>
-          <a:endParaRPr lang="fr-FR"/>
-        </a:p>
-      </dgm:t>
     </dgm:pt>
     <dgm:pt modelId="{285CB6E8-F646-3048-87C1-F07CFEEBEBDC}" type="pres">
       <dgm:prSet presAssocID="{FDBEC8E4-56A3-A844-B9B6-F6031FEBD7F8}" presName="space" presStyleCnt="0"/>
@@ -2438,13 +2355,6 @@
         </dgm:presLayoutVars>
       </dgm:prSet>
       <dgm:spPr/>
-      <dgm:t>
-        <a:bodyPr/>
-        <a:lstStyle/>
-        <a:p>
-          <a:endParaRPr lang="fr-FR"/>
-        </a:p>
-      </dgm:t>
     </dgm:pt>
     <dgm:pt modelId="{617F9704-C5B9-1648-98CF-94F97120C572}" type="pres">
       <dgm:prSet presAssocID="{0D594C62-8F0E-D547-B5C4-5454A990423E}" presName="desTx" presStyleLbl="alignAccFollowNode1" presStyleIdx="3" presStyleCnt="5">
@@ -2453,13 +2363,6 @@
         </dgm:presLayoutVars>
       </dgm:prSet>
       <dgm:spPr/>
-      <dgm:t>
-        <a:bodyPr/>
-        <a:lstStyle/>
-        <a:p>
-          <a:endParaRPr lang="fr-FR"/>
-        </a:p>
-      </dgm:t>
     </dgm:pt>
     <dgm:pt modelId="{60BC2F4A-0F98-314D-8F14-6A231276C546}" type="pres">
       <dgm:prSet presAssocID="{C6B30F07-7703-C24B-B99C-F227B6A1DD06}" presName="space" presStyleCnt="0"/>
@@ -2478,13 +2381,6 @@
         </dgm:presLayoutVars>
       </dgm:prSet>
       <dgm:spPr/>
-      <dgm:t>
-        <a:bodyPr/>
-        <a:lstStyle/>
-        <a:p>
-          <a:endParaRPr lang="fr-FR"/>
-        </a:p>
-      </dgm:t>
     </dgm:pt>
     <dgm:pt modelId="{5C72DD71-135D-9842-880A-888477FED38E}" type="pres">
       <dgm:prSet presAssocID="{726FAEE0-0671-6A47-992E-19C958FAA5C0}" presName="desTx" presStyleLbl="alignAccFollowNode1" presStyleIdx="4" presStyleCnt="5">
@@ -2493,49 +2389,40 @@
         </dgm:presLayoutVars>
       </dgm:prSet>
       <dgm:spPr/>
-      <dgm:t>
-        <a:bodyPr/>
-        <a:lstStyle/>
-        <a:p>
-          <a:endParaRPr lang="fr-FR"/>
-        </a:p>
-      </dgm:t>
     </dgm:pt>
   </dgm:ptLst>
   <dgm:cxnLst>
+    <dgm:cxn modelId="{0D42DA19-A0B1-5844-A3E3-808AD29B097B}" srcId="{C8661A6B-810B-1E4B-B1CC-141DE757B849}" destId="{8EB3D4DA-D392-624C-ACBA-01FCEF0039D1}" srcOrd="2" destOrd="0" parTransId="{10862054-81DB-8242-A4C6-06EAE50C713F}" sibTransId="{FDBEC8E4-56A3-A844-B9B6-F6031FEBD7F8}"/>
+    <dgm:cxn modelId="{B24B6C27-1328-D64D-82C4-A8ADB45E9BF7}" srcId="{8EB3D4DA-D392-624C-ACBA-01FCEF0039D1}" destId="{8A555377-C05A-8846-93A1-D11E746AD7A5}" srcOrd="0" destOrd="0" parTransId="{FA71FF4A-0D05-9046-8223-41581AEB7A56}" sibTransId="{A42AF4A5-12B9-9A47-87A1-A1080AFEF41D}"/>
+    <dgm:cxn modelId="{BD826E33-4F4A-424B-8A9A-18DEC9A5DA62}" srcId="{0D594C62-8F0E-D547-B5C4-5454A990423E}" destId="{ABAEC531-3B7E-8C43-947C-01941E1C3768}" srcOrd="0" destOrd="0" parTransId="{95B22694-E70F-BA40-A0AF-AA4F7A94BF92}" sibTransId="{F8A9044D-EDC9-1E4A-82B2-CA2EF10AEE85}"/>
+    <dgm:cxn modelId="{77D2A235-EBAF-6F4A-B52D-E4EFBB604EFE}" type="presOf" srcId="{3DC5BF48-BA14-E94E-BE3F-8FB1C3CF1B90}" destId="{ECE4CE78-598F-7349-8860-765FB74D8A57}" srcOrd="0" destOrd="0" presId="urn:microsoft.com/office/officeart/2005/8/layout/hList1"/>
+    <dgm:cxn modelId="{BC83073B-4613-0648-88AF-812CFA5098D4}" srcId="{2C0A458E-41E7-0749-B5F3-B87B657B2C46}" destId="{7D131D1C-F090-D04A-A63A-BBE136B185DA}" srcOrd="1" destOrd="0" parTransId="{6866C270-D1BB-114C-95FB-E9733E899357}" sibTransId="{9EB610D1-342B-B94E-AE57-D52C2F18278D}"/>
+    <dgm:cxn modelId="{2759DD43-1160-1044-A393-4DA743613C0C}" type="presOf" srcId="{8A555377-C05A-8846-93A1-D11E746AD7A5}" destId="{20D095F7-62F7-7748-B677-217EAF898924}" srcOrd="0" destOrd="0" presId="urn:microsoft.com/office/officeart/2005/8/layout/hList1"/>
+    <dgm:cxn modelId="{D838BC4F-8976-BD43-9465-5620F7EAB015}" type="presOf" srcId="{C8661A6B-810B-1E4B-B1CC-141DE757B849}" destId="{DCBBD6ED-E7E2-E641-94EA-3B38CC6CF4A5}" srcOrd="0" destOrd="0" presId="urn:microsoft.com/office/officeart/2005/8/layout/hList1"/>
+    <dgm:cxn modelId="{CB125556-6806-D04F-B199-FDC2D0D9AE6D}" srcId="{3DC5BF48-BA14-E94E-BE3F-8FB1C3CF1B90}" destId="{15AFFBE7-DAB1-FC45-9FC0-69BC8EFFD4BA}" srcOrd="0" destOrd="0" parTransId="{8BD24FEB-079D-DD4D-9ED0-A15F63FF9A47}" sibTransId="{133DDD6A-9990-B948-8B47-3948C694B1CD}"/>
+    <dgm:cxn modelId="{6D7E1459-596F-1E43-81B4-B1710AB5BCE8}" srcId="{3DC5BF48-BA14-E94E-BE3F-8FB1C3CF1B90}" destId="{969DF257-AE32-3940-821C-98D9DA62B596}" srcOrd="1" destOrd="0" parTransId="{899B722F-0208-884C-87B5-A4B5E83F6CA6}" sibTransId="{9C6A73F5-B390-6C48-94B3-31B88DAF5DBE}"/>
+    <dgm:cxn modelId="{20DE6B73-3698-9E41-BF10-05178F64D69D}" type="presOf" srcId="{9769F036-4C76-ED46-85A5-616220C10A05}" destId="{DD81468D-FAD2-994B-B911-D934DCB70CA1}" srcOrd="0" destOrd="2" presId="urn:microsoft.com/office/officeart/2005/8/layout/hList1"/>
     <dgm:cxn modelId="{05A24B7B-0A7A-D941-8899-E41721BD8E08}" type="presOf" srcId="{E2F99037-DD6C-444C-8200-8A7A20646B44}" destId="{A85479BA-39C3-B44C-8F28-84A809FAA5A1}" srcOrd="0" destOrd="0" presId="urn:microsoft.com/office/officeart/2005/8/layout/hList1"/>
+    <dgm:cxn modelId="{7604DC7D-D5E0-9C4D-8786-9C0215029E69}" srcId="{C8661A6B-810B-1E4B-B1CC-141DE757B849}" destId="{2C0A458E-41E7-0749-B5F3-B87B657B2C46}" srcOrd="0" destOrd="0" parTransId="{85DFE8F1-77A0-D149-A78B-A94463996F28}" sibTransId="{B575B920-FFFA-344C-81D6-148E999212A2}"/>
     <dgm:cxn modelId="{770DD680-9B9E-1448-ACAC-4AC00C5F8673}" type="presOf" srcId="{969DF257-AE32-3940-821C-98D9DA62B596}" destId="{DD81468D-FAD2-994B-B911-D934DCB70CA1}" srcOrd="0" destOrd="1" presId="urn:microsoft.com/office/officeart/2005/8/layout/hList1"/>
-    <dgm:cxn modelId="{BC83073B-4613-0648-88AF-812CFA5098D4}" srcId="{2C0A458E-41E7-0749-B5F3-B87B657B2C46}" destId="{7D131D1C-F090-D04A-A63A-BBE136B185DA}" srcOrd="1" destOrd="0" parTransId="{6866C270-D1BB-114C-95FB-E9733E899357}" sibTransId="{9EB610D1-342B-B94E-AE57-D52C2F18278D}"/>
-    <dgm:cxn modelId="{C882F2C5-E6E0-944D-B8F0-974B83B5B5D3}" srcId="{2C0A458E-41E7-0749-B5F3-B87B657B2C46}" destId="{8C8069CD-959D-9D4A-9ABD-5817462EEBF6}" srcOrd="2" destOrd="0" parTransId="{481DF761-3B74-B14E-B504-A2D81087B8DE}" sibTransId="{66F90A01-CE31-CF4D-A82B-776B9E72F357}"/>
-    <dgm:cxn modelId="{BD826E33-4F4A-424B-8A9A-18DEC9A5DA62}" srcId="{0D594C62-8F0E-D547-B5C4-5454A990423E}" destId="{ABAEC531-3B7E-8C43-947C-01941E1C3768}" srcOrd="0" destOrd="0" parTransId="{95B22694-E70F-BA40-A0AF-AA4F7A94BF92}" sibTransId="{F8A9044D-EDC9-1E4A-82B2-CA2EF10AEE85}"/>
+    <dgm:cxn modelId="{22F1BE8A-8087-D042-8942-508C1308CD06}" srcId="{2C0A458E-41E7-0749-B5F3-B87B657B2C46}" destId="{E2F99037-DD6C-444C-8200-8A7A20646B44}" srcOrd="0" destOrd="0" parTransId="{0E183783-E209-9F4F-A70E-F492EA7BD742}" sibTransId="{1BC8B3A4-FB01-764A-8BED-6E8EB8032305}"/>
     <dgm:cxn modelId="{9C499E8F-780B-D84A-A972-D83685A19282}" type="presOf" srcId="{15AFFBE7-DAB1-FC45-9FC0-69BC8EFFD4BA}" destId="{DD81468D-FAD2-994B-B911-D934DCB70CA1}" srcOrd="0" destOrd="0" presId="urn:microsoft.com/office/officeart/2005/8/layout/hList1"/>
-    <dgm:cxn modelId="{4F11E17C-25CD-4221-8A86-FC623A10E416}" srcId="{8EB3D4DA-D392-624C-ACBA-01FCEF0039D1}" destId="{C0D9C315-5973-4195-8EEF-DDE0F00BCC1C}" srcOrd="2" destOrd="0" parTransId="{E55B28F4-5AE8-4EE6-B4D9-AB2B2BC0BB08}" sibTransId="{E3D5F5E9-F5A2-4F3D-A6B3-6E3A7F9F5879}"/>
-    <dgm:cxn modelId="{4C9024EB-A0A4-D343-962F-84342230B98F}" type="presOf" srcId="{ABAEC531-3B7E-8C43-947C-01941E1C3768}" destId="{617F9704-C5B9-1648-98CF-94F97120C572}" srcOrd="0" destOrd="0" presId="urn:microsoft.com/office/officeart/2005/8/layout/hList1"/>
-    <dgm:cxn modelId="{CB125556-6806-D04F-B199-FDC2D0D9AE6D}" srcId="{3DC5BF48-BA14-E94E-BE3F-8FB1C3CF1B90}" destId="{15AFFBE7-DAB1-FC45-9FC0-69BC8EFFD4BA}" srcOrd="0" destOrd="0" parTransId="{8BD24FEB-079D-DD4D-9ED0-A15F63FF9A47}" sibTransId="{133DDD6A-9990-B948-8B47-3948C694B1CD}"/>
+    <dgm:cxn modelId="{E8165391-402A-7348-93C1-E044107B9AF2}" type="presOf" srcId="{0D594C62-8F0E-D547-B5C4-5454A990423E}" destId="{4B864F2B-A171-CA4C-8EC7-98380C9D7AAC}" srcOrd="0" destOrd="0" presId="urn:microsoft.com/office/officeart/2005/8/layout/hList1"/>
     <dgm:cxn modelId="{F76BE794-DF5B-8545-8128-F63DFB80AADD}" srcId="{3DC5BF48-BA14-E94E-BE3F-8FB1C3CF1B90}" destId="{9769F036-4C76-ED46-85A5-616220C10A05}" srcOrd="2" destOrd="0" parTransId="{157B4043-DCCF-804B-9AEB-31EE4499F0B8}" sibTransId="{CDC60C96-298E-FC43-B684-0C663FCE5785}"/>
-    <dgm:cxn modelId="{AB9249E6-EA10-9547-ABEB-157FFF007F8A}" srcId="{726FAEE0-0671-6A47-992E-19C958FAA5C0}" destId="{B104E1B0-0B7A-2D46-BBDC-0278907C22A0}" srcOrd="0" destOrd="0" parTransId="{3FC769AB-EBF6-DB47-AE23-6A9F1B819A57}" sibTransId="{4EC74BF3-5D61-FE45-AF6F-E01E9EE4F832}"/>
-    <dgm:cxn modelId="{B308C8BD-5034-E74C-8CFA-FD678506FAEA}" srcId="{C8661A6B-810B-1E4B-B1CC-141DE757B849}" destId="{0D594C62-8F0E-D547-B5C4-5454A990423E}" srcOrd="3" destOrd="0" parTransId="{FE0DCDF9-B2F9-D24B-BA5F-F37FD6FA0851}" sibTransId="{C6B30F07-7703-C24B-B99C-F227B6A1DD06}"/>
-    <dgm:cxn modelId="{2759DD43-1160-1044-A393-4DA743613C0C}" type="presOf" srcId="{8A555377-C05A-8846-93A1-D11E746AD7A5}" destId="{20D095F7-62F7-7748-B677-217EAF898924}" srcOrd="0" destOrd="0" presId="urn:microsoft.com/office/officeart/2005/8/layout/hList1"/>
+    <dgm:cxn modelId="{EB007095-A9B2-5445-A1F5-5A90AE429483}" type="presOf" srcId="{7D131D1C-F090-D04A-A63A-BBE136B185DA}" destId="{A85479BA-39C3-B44C-8F28-84A809FAA5A1}" srcOrd="0" destOrd="1" presId="urn:microsoft.com/office/officeart/2005/8/layout/hList1"/>
+    <dgm:cxn modelId="{EF28A899-EE90-804D-A835-5E18D8C75057}" srcId="{C8661A6B-810B-1E4B-B1CC-141DE757B849}" destId="{726FAEE0-0671-6A47-992E-19C958FAA5C0}" srcOrd="4" destOrd="0" parTransId="{2F18166A-B3FC-6142-9EE6-69B7FBBE776A}" sibTransId="{5E8048C6-AB64-C744-BC71-8297C7F11082}"/>
+    <dgm:cxn modelId="{ECAF81A3-ACA0-3649-9D30-242B00837DB5}" type="presOf" srcId="{8EB3D4DA-D392-624C-ACBA-01FCEF0039D1}" destId="{ADACA0E1-9830-504A-819D-FA1ACF8A190B}" srcOrd="0" destOrd="0" presId="urn:microsoft.com/office/officeart/2005/8/layout/hList1"/>
+    <dgm:cxn modelId="{970470AD-6AA5-8344-9FD1-1772C3893C52}" type="presOf" srcId="{8C8069CD-959D-9D4A-9ABD-5817462EEBF6}" destId="{A85479BA-39C3-B44C-8F28-84A809FAA5A1}" srcOrd="0" destOrd="2" presId="urn:microsoft.com/office/officeart/2005/8/layout/hList1"/>
     <dgm:cxn modelId="{481898B3-7418-894E-A791-4F84721C1A3C}" type="presOf" srcId="{2C0A458E-41E7-0749-B5F3-B87B657B2C46}" destId="{25F78C9F-B521-2441-8888-89EBACCB579C}" srcOrd="0" destOrd="0" presId="urn:microsoft.com/office/officeart/2005/8/layout/hList1"/>
     <dgm:cxn modelId="{834412BB-BB26-C04C-A7F4-415DA9A5AB3E}" type="presOf" srcId="{D0F5AB6F-AA61-1842-ADBB-8A8C76FD68DD}" destId="{20D095F7-62F7-7748-B677-217EAF898924}" srcOrd="0" destOrd="1" presId="urn:microsoft.com/office/officeart/2005/8/layout/hList1"/>
-    <dgm:cxn modelId="{B24B6C27-1328-D64D-82C4-A8ADB45E9BF7}" srcId="{8EB3D4DA-D392-624C-ACBA-01FCEF0039D1}" destId="{8A555377-C05A-8846-93A1-D11E746AD7A5}" srcOrd="0" destOrd="0" parTransId="{FA71FF4A-0D05-9046-8223-41581AEB7A56}" sibTransId="{A42AF4A5-12B9-9A47-87A1-A1080AFEF41D}"/>
-    <dgm:cxn modelId="{7604DC7D-D5E0-9C4D-8786-9C0215029E69}" srcId="{C8661A6B-810B-1E4B-B1CC-141DE757B849}" destId="{2C0A458E-41E7-0749-B5F3-B87B657B2C46}" srcOrd="0" destOrd="0" parTransId="{85DFE8F1-77A0-D149-A78B-A94463996F28}" sibTransId="{B575B920-FFFA-344C-81D6-148E999212A2}"/>
+    <dgm:cxn modelId="{2A7391BD-E933-724E-B9B1-BA636999FB1D}" srcId="{C8661A6B-810B-1E4B-B1CC-141DE757B849}" destId="{3DC5BF48-BA14-E94E-BE3F-8FB1C3CF1B90}" srcOrd="1" destOrd="0" parTransId="{66636137-4F14-C340-9E6A-C098E47B6F2F}" sibTransId="{E2837041-A437-774B-A318-B655203B6D90}"/>
+    <dgm:cxn modelId="{B308C8BD-5034-E74C-8CFA-FD678506FAEA}" srcId="{C8661A6B-810B-1E4B-B1CC-141DE757B849}" destId="{0D594C62-8F0E-D547-B5C4-5454A990423E}" srcOrd="3" destOrd="0" parTransId="{FE0DCDF9-B2F9-D24B-BA5F-F37FD6FA0851}" sibTransId="{C6B30F07-7703-C24B-B99C-F227B6A1DD06}"/>
+    <dgm:cxn modelId="{C882F2C5-E6E0-944D-B8F0-974B83B5B5D3}" srcId="{2C0A458E-41E7-0749-B5F3-B87B657B2C46}" destId="{8C8069CD-959D-9D4A-9ABD-5817462EEBF6}" srcOrd="2" destOrd="0" parTransId="{481DF761-3B74-B14E-B504-A2D81087B8DE}" sibTransId="{66F90A01-CE31-CF4D-A82B-776B9E72F357}"/>
+    <dgm:cxn modelId="{1E5F0CCA-8CF7-3145-9F8A-F2D6CF258F45}" type="presOf" srcId="{726FAEE0-0671-6A47-992E-19C958FAA5C0}" destId="{3D66253D-95FC-7548-B49C-8D3767F33B71}" srcOrd="0" destOrd="0" presId="urn:microsoft.com/office/officeart/2005/8/layout/hList1"/>
     <dgm:cxn modelId="{0DFB3AE6-68B7-2E46-8331-94C6789F6430}" type="presOf" srcId="{B104E1B0-0B7A-2D46-BBDC-0278907C22A0}" destId="{5C72DD71-135D-9842-880A-888477FED38E}" srcOrd="0" destOrd="0" presId="urn:microsoft.com/office/officeart/2005/8/layout/hList1"/>
+    <dgm:cxn modelId="{AB9249E6-EA10-9547-ABEB-157FFF007F8A}" srcId="{726FAEE0-0671-6A47-992E-19C958FAA5C0}" destId="{B104E1B0-0B7A-2D46-BBDC-0278907C22A0}" srcOrd="0" destOrd="0" parTransId="{3FC769AB-EBF6-DB47-AE23-6A9F1B819A57}" sibTransId="{4EC74BF3-5D61-FE45-AF6F-E01E9EE4F832}"/>
+    <dgm:cxn modelId="{4C9024EB-A0A4-D343-962F-84342230B98F}" type="presOf" srcId="{ABAEC531-3B7E-8C43-947C-01941E1C3768}" destId="{617F9704-C5B9-1648-98CF-94F97120C572}" srcOrd="0" destOrd="0" presId="urn:microsoft.com/office/officeart/2005/8/layout/hList1"/>
     <dgm:cxn modelId="{A24F04F8-2A68-1841-B2F0-DC0315498993}" srcId="{8EB3D4DA-D392-624C-ACBA-01FCEF0039D1}" destId="{D0F5AB6F-AA61-1842-ADBB-8A8C76FD68DD}" srcOrd="1" destOrd="0" parTransId="{63FFC8E7-2D75-5349-83DF-D30B2105CE85}" sibTransId="{2B38A7C9-399A-364B-831A-2FCEE643928E}"/>
-    <dgm:cxn modelId="{ECAF81A3-ACA0-3649-9D30-242B00837DB5}" type="presOf" srcId="{8EB3D4DA-D392-624C-ACBA-01FCEF0039D1}" destId="{ADACA0E1-9830-504A-819D-FA1ACF8A190B}" srcOrd="0" destOrd="0" presId="urn:microsoft.com/office/officeart/2005/8/layout/hList1"/>
-    <dgm:cxn modelId="{1E5F0CCA-8CF7-3145-9F8A-F2D6CF258F45}" type="presOf" srcId="{726FAEE0-0671-6A47-992E-19C958FAA5C0}" destId="{3D66253D-95FC-7548-B49C-8D3767F33B71}" srcOrd="0" destOrd="0" presId="urn:microsoft.com/office/officeart/2005/8/layout/hList1"/>
-    <dgm:cxn modelId="{2A7391BD-E933-724E-B9B1-BA636999FB1D}" srcId="{C8661A6B-810B-1E4B-B1CC-141DE757B849}" destId="{3DC5BF48-BA14-E94E-BE3F-8FB1C3CF1B90}" srcOrd="1" destOrd="0" parTransId="{66636137-4F14-C340-9E6A-C098E47B6F2F}" sibTransId="{E2837041-A437-774B-A318-B655203B6D90}"/>
-    <dgm:cxn modelId="{168B5750-2B15-48C0-8F6F-6FB1F1F3898E}" type="presOf" srcId="{C0D9C315-5973-4195-8EEF-DDE0F00BCC1C}" destId="{20D095F7-62F7-7748-B677-217EAF898924}" srcOrd="0" destOrd="2" presId="urn:microsoft.com/office/officeart/2005/8/layout/hList1"/>
-    <dgm:cxn modelId="{6D7E1459-596F-1E43-81B4-B1710AB5BCE8}" srcId="{3DC5BF48-BA14-E94E-BE3F-8FB1C3CF1B90}" destId="{969DF257-AE32-3940-821C-98D9DA62B596}" srcOrd="1" destOrd="0" parTransId="{899B722F-0208-884C-87B5-A4B5E83F6CA6}" sibTransId="{9C6A73F5-B390-6C48-94B3-31B88DAF5DBE}"/>
-    <dgm:cxn modelId="{E8165391-402A-7348-93C1-E044107B9AF2}" type="presOf" srcId="{0D594C62-8F0E-D547-B5C4-5454A990423E}" destId="{4B864F2B-A171-CA4C-8EC7-98380C9D7AAC}" srcOrd="0" destOrd="0" presId="urn:microsoft.com/office/officeart/2005/8/layout/hList1"/>
-    <dgm:cxn modelId="{970470AD-6AA5-8344-9FD1-1772C3893C52}" type="presOf" srcId="{8C8069CD-959D-9D4A-9ABD-5817462EEBF6}" destId="{A85479BA-39C3-B44C-8F28-84A809FAA5A1}" srcOrd="0" destOrd="2" presId="urn:microsoft.com/office/officeart/2005/8/layout/hList1"/>
-    <dgm:cxn modelId="{0D42DA19-A0B1-5844-A3E3-808AD29B097B}" srcId="{C8661A6B-810B-1E4B-B1CC-141DE757B849}" destId="{8EB3D4DA-D392-624C-ACBA-01FCEF0039D1}" srcOrd="2" destOrd="0" parTransId="{10862054-81DB-8242-A4C6-06EAE50C713F}" sibTransId="{FDBEC8E4-56A3-A844-B9B6-F6031FEBD7F8}"/>
-    <dgm:cxn modelId="{D838BC4F-8976-BD43-9465-5620F7EAB015}" type="presOf" srcId="{C8661A6B-810B-1E4B-B1CC-141DE757B849}" destId="{DCBBD6ED-E7E2-E641-94EA-3B38CC6CF4A5}" srcOrd="0" destOrd="0" presId="urn:microsoft.com/office/officeart/2005/8/layout/hList1"/>
-    <dgm:cxn modelId="{EF28A899-EE90-804D-A835-5E18D8C75057}" srcId="{C8661A6B-810B-1E4B-B1CC-141DE757B849}" destId="{726FAEE0-0671-6A47-992E-19C958FAA5C0}" srcOrd="4" destOrd="0" parTransId="{2F18166A-B3FC-6142-9EE6-69B7FBBE776A}" sibTransId="{5E8048C6-AB64-C744-BC71-8297C7F11082}"/>
-    <dgm:cxn modelId="{EB007095-A9B2-5445-A1F5-5A90AE429483}" type="presOf" srcId="{7D131D1C-F090-D04A-A63A-BBE136B185DA}" destId="{A85479BA-39C3-B44C-8F28-84A809FAA5A1}" srcOrd="0" destOrd="1" presId="urn:microsoft.com/office/officeart/2005/8/layout/hList1"/>
-    <dgm:cxn modelId="{77D2A235-EBAF-6F4A-B52D-E4EFBB604EFE}" type="presOf" srcId="{3DC5BF48-BA14-E94E-BE3F-8FB1C3CF1B90}" destId="{ECE4CE78-598F-7349-8860-765FB74D8A57}" srcOrd="0" destOrd="0" presId="urn:microsoft.com/office/officeart/2005/8/layout/hList1"/>
-    <dgm:cxn modelId="{20DE6B73-3698-9E41-BF10-05178F64D69D}" type="presOf" srcId="{9769F036-4C76-ED46-85A5-616220C10A05}" destId="{DD81468D-FAD2-994B-B911-D934DCB70CA1}" srcOrd="0" destOrd="2" presId="urn:microsoft.com/office/officeart/2005/8/layout/hList1"/>
-    <dgm:cxn modelId="{22F1BE8A-8087-D042-8942-508C1308CD06}" srcId="{2C0A458E-41E7-0749-B5F3-B87B657B2C46}" destId="{E2F99037-DD6C-444C-8200-8A7A20646B44}" srcOrd="0" destOrd="0" parTransId="{0E183783-E209-9F4F-A70E-F492EA7BD742}" sibTransId="{1BC8B3A4-FB01-764A-8BED-6E8EB8032305}"/>
     <dgm:cxn modelId="{4D162DBB-9E40-B14B-9096-C651217A8161}" type="presParOf" srcId="{DCBBD6ED-E7E2-E641-94EA-3B38CC6CF4A5}" destId="{9F03E44B-F21C-A74E-8366-EA8D85CC04EA}" srcOrd="0" destOrd="0" presId="urn:microsoft.com/office/officeart/2005/8/layout/hList1"/>
     <dgm:cxn modelId="{88B32E11-C6D5-1B4E-B1B1-C841B86D33DC}" type="presParOf" srcId="{9F03E44B-F21C-A74E-8366-EA8D85CC04EA}" destId="{25F78C9F-B521-2441-8888-89EBACCB579C}" srcOrd="0" destOrd="0" presId="urn:microsoft.com/office/officeart/2005/8/layout/hList1"/>
     <dgm:cxn modelId="{2B6C4102-AD3B-714C-8D58-F8BC3669FE0A}" type="presParOf" srcId="{9F03E44B-F21C-A74E-8366-EA8D85CC04EA}" destId="{A85479BA-39C3-B44C-8F28-84A809FAA5A1}" srcOrd="1" destOrd="0" presId="urn:microsoft.com/office/officeart/2005/8/layout/hList1"/>
@@ -2588,7 +2475,7 @@
         <a:lstStyle/>
         <a:p>
           <a:r>
-            <a:rPr lang="pt-BR" sz="1600" noProof="0" dirty="0">
+            <a:rPr lang="pt-BR" sz="1800" noProof="0" dirty="0">
               <a:latin typeface="+mj-lt"/>
             </a:rPr>
             <a:t>Dia 1 - Introdução</a:t>
@@ -2626,36 +2513,36 @@
         <a:lstStyle/>
         <a:p>
           <a:r>
-            <a:rPr lang="pt-BR" sz="1600" b="0" i="0" noProof="0" dirty="0">
+            <a:rPr lang="pt-BR" sz="1800" b="0" i="0" noProof="0" dirty="0">
               <a:latin typeface="+mj-lt"/>
             </a:rPr>
             <a:t>Linguagem </a:t>
           </a:r>
           <a:r>
-            <a:rPr lang="pt-BR" sz="1600" b="0" i="0" noProof="0" dirty="0" err="1">
+            <a:rPr lang="pt-BR" sz="1800" b="0" i="0" noProof="0" dirty="0" err="1">
               <a:latin typeface="+mj-lt"/>
             </a:rPr>
             <a:t>R</a:t>
           </a:r>
           <a:r>
-            <a:rPr lang="pt-BR" sz="1600" b="0" i="0" noProof="0" dirty="0">
+            <a:rPr lang="pt-BR" sz="1800" b="0" i="0" noProof="0" dirty="0">
               <a:latin typeface="+mj-lt"/>
             </a:rPr>
             <a:t> para este curso (</a:t>
           </a:r>
           <a:r>
-            <a:rPr lang="pt-BR" sz="1600" b="0" i="0" noProof="0" dirty="0" err="1">
+            <a:rPr lang="pt-BR" sz="1800" b="0" i="0" noProof="0" dirty="0" err="1">
               <a:latin typeface="+mj-lt"/>
             </a:rPr>
             <a:t>B</a:t>
           </a:r>
           <a:r>
-            <a:rPr lang="pt-BR" sz="1600" b="0" i="0" noProof="0" dirty="0">
+            <a:rPr lang="pt-BR" sz="1800" b="0" i="0" noProof="0" dirty="0">
               <a:latin typeface="+mj-lt"/>
             </a:rPr>
             <a:t>)</a:t>
           </a:r>
-          <a:endParaRPr lang="pt-BR" sz="1600" noProof="0" dirty="0">
+          <a:endParaRPr lang="pt-BR" sz="1800" noProof="0" dirty="0">
             <a:latin typeface="+mj-lt"/>
           </a:endParaRPr>
         </a:p>
@@ -2691,7 +2578,7 @@
         <a:lstStyle/>
         <a:p>
           <a:r>
-            <a:rPr lang="pt-BR" sz="1600" noProof="0" dirty="0">
+            <a:rPr lang="pt-BR" sz="1800" noProof="0" dirty="0">
               <a:latin typeface="+mj-lt"/>
             </a:rPr>
             <a:t>Dia 2 – Analise de dados</a:t>
@@ -2729,31 +2616,31 @@
         <a:lstStyle/>
         <a:p>
           <a:r>
-            <a:rPr lang="pt-BR" sz="1600" noProof="0" dirty="0">
+            <a:rPr lang="pt-BR" sz="1800" noProof="0" dirty="0">
               <a:latin typeface="+mj-lt"/>
             </a:rPr>
             <a:t>Análises de dados em </a:t>
           </a:r>
           <a:r>
-            <a:rPr lang="pt-BR" sz="1600" noProof="0" dirty="0" err="1">
+            <a:rPr lang="pt-BR" sz="1800" noProof="0" dirty="0" err="1">
               <a:latin typeface="+mj-lt"/>
             </a:rPr>
             <a:t>R</a:t>
           </a:r>
           <a:r>
-            <a:rPr lang="pt-BR" sz="1600" noProof="0" dirty="0">
+            <a:rPr lang="pt-BR" sz="1800" noProof="0" dirty="0">
               <a:latin typeface="+mj-lt"/>
             </a:rPr>
             <a:t> (</a:t>
           </a:r>
           <a:r>
-            <a:rPr lang="pt-BR" sz="1600" noProof="0" dirty="0" err="1">
+            <a:rPr lang="pt-BR" sz="1800" noProof="0" dirty="0" err="1">
               <a:latin typeface="+mj-lt"/>
             </a:rPr>
             <a:t>B</a:t>
           </a:r>
           <a:r>
-            <a:rPr lang="pt-BR" sz="1600" noProof="0" dirty="0">
+            <a:rPr lang="pt-BR" sz="1800" noProof="0" dirty="0">
               <a:latin typeface="+mj-lt"/>
             </a:rPr>
             <a:t>)</a:t>
@@ -2791,19 +2678,19 @@
         <a:lstStyle/>
         <a:p>
           <a:r>
-            <a:rPr lang="pt-BR" sz="1600" noProof="0" dirty="0">
+            <a:rPr lang="pt-BR" sz="1800" noProof="0" dirty="0">
               <a:latin typeface="+mj-lt"/>
             </a:rPr>
             <a:t>Dia 3 – Bases de dados disponíveis (</a:t>
           </a:r>
           <a:r>
-            <a:rPr lang="pt-BR" sz="1600" noProof="0" dirty="0" err="1">
+            <a:rPr lang="pt-BR" sz="1800" noProof="0" dirty="0" err="1">
               <a:latin typeface="+mj-lt"/>
             </a:rPr>
             <a:t>B</a:t>
           </a:r>
           <a:r>
-            <a:rPr lang="pt-BR" sz="1600" noProof="0" dirty="0">
+            <a:rPr lang="pt-BR" sz="1800" noProof="0" dirty="0">
               <a:latin typeface="+mj-lt"/>
             </a:rPr>
             <a:t>)</a:t>
@@ -2841,14 +2728,11 @@
         <a:lstStyle/>
         <a:p>
           <a:r>
-            <a:rPr lang="pt-BR" sz="1600" noProof="0" dirty="0" smtClean="0">
+            <a:rPr lang="pt-BR" sz="1800" noProof="0" dirty="0">
               <a:latin typeface="+mj-lt"/>
             </a:rPr>
-            <a:t>Limpeza de dados de ocorrência </a:t>
+            <a:t>Como interagir com as bases</a:t>
           </a:r>
-          <a:endParaRPr lang="pt-BR" sz="1600" noProof="0" dirty="0">
-            <a:latin typeface="+mj-lt"/>
-          </a:endParaRPr>
         </a:p>
       </dgm:t>
     </dgm:pt>
@@ -2882,7 +2766,7 @@
         <a:lstStyle/>
         <a:p>
           <a:r>
-            <a:rPr lang="pt-BR" sz="1600" noProof="0" dirty="0">
+            <a:rPr lang="pt-BR" sz="1800" noProof="0" dirty="0">
               <a:latin typeface="+mj-lt"/>
             </a:rPr>
             <a:t>Dia 4 - MDE</a:t>
@@ -2920,7 +2804,7 @@
         <a:lstStyle/>
         <a:p>
           <a:r>
-            <a:rPr lang="pt-BR" sz="1600" noProof="0" dirty="0">
+            <a:rPr lang="pt-BR" sz="1800" noProof="0" dirty="0">
               <a:latin typeface="+mj-lt"/>
             </a:rPr>
             <a:t>Dia 4</a:t>
@@ -2958,19 +2842,19 @@
         <a:lstStyle/>
         <a:p>
           <a:r>
-            <a:rPr lang="pt-BR" sz="1600" noProof="0" dirty="0">
+            <a:rPr lang="pt-BR" sz="1800" noProof="0" dirty="0">
               <a:latin typeface="+mj-lt"/>
             </a:rPr>
             <a:t>Estrutura do </a:t>
           </a:r>
           <a:r>
-            <a:rPr lang="pt-BR" sz="1600" noProof="0" dirty="0" err="1">
+            <a:rPr lang="pt-BR" sz="1800" noProof="0" dirty="0" err="1">
               <a:latin typeface="+mj-lt"/>
             </a:rPr>
             <a:t>repo</a:t>
           </a:r>
           <a:r>
-            <a:rPr lang="pt-BR" sz="1600" noProof="0" dirty="0">
+            <a:rPr lang="pt-BR" sz="1800" noProof="0" dirty="0">
               <a:latin typeface="+mj-lt"/>
             </a:rPr>
             <a:t>. (J)</a:t>
@@ -3000,6 +2884,44 @@
         </a:p>
       </dgm:t>
     </dgm:pt>
+    <dgm:pt modelId="{9B3E5AEA-B70D-D64C-8C1D-10A6FB51ABAC}">
+      <dgm:prSet phldrT="[Text]" custT="1"/>
+      <dgm:spPr/>
+      <dgm:t>
+        <a:bodyPr/>
+        <a:lstStyle/>
+        <a:p>
+          <a:r>
+            <a:rPr lang="pt-BR" sz="1800" noProof="0" dirty="0">
+              <a:latin typeface="+mj-lt"/>
+            </a:rPr>
+            <a:t>Download de dados ambientais e de ocorrência</a:t>
+          </a:r>
+        </a:p>
+      </dgm:t>
+    </dgm:pt>
+    <dgm:pt modelId="{1495C82C-8764-6441-89E2-F327E9C03D4B}" type="parTrans" cxnId="{E9BE94A7-DA39-C840-9B01-6DBE523708CD}">
+      <dgm:prSet/>
+      <dgm:spPr/>
+      <dgm:t>
+        <a:bodyPr/>
+        <a:lstStyle/>
+        <a:p>
+          <a:endParaRPr lang="en-US" sz="2000"/>
+        </a:p>
+      </dgm:t>
+    </dgm:pt>
+    <dgm:pt modelId="{1DA55D21-382C-1F4A-9B46-B7D18EC4F32F}" type="sibTrans" cxnId="{E9BE94A7-DA39-C840-9B01-6DBE523708CD}">
+      <dgm:prSet/>
+      <dgm:spPr/>
+      <dgm:t>
+        <a:bodyPr/>
+        <a:lstStyle/>
+        <a:p>
+          <a:endParaRPr lang="en-US" sz="2000"/>
+        </a:p>
+      </dgm:t>
+    </dgm:pt>
     <dgm:pt modelId="{9794766A-8C01-0E48-91EA-38B71167FB12}">
       <dgm:prSet phldrT="[Text]" custT="1"/>
       <dgm:spPr/>
@@ -3008,13 +2930,13 @@
         <a:lstStyle/>
         <a:p>
           <a:r>
-            <a:rPr lang="pt-BR" sz="1600" b="0" i="0" noProof="0" dirty="0">
+            <a:rPr lang="pt-BR" sz="1800" b="0" i="0" noProof="0" dirty="0">
               <a:latin typeface="+mj-lt"/>
             </a:rPr>
             <a:t>Preparação</a:t>
           </a:r>
           <a:r>
-            <a:rPr lang="pt-BR" sz="1600" noProof="0" dirty="0">
+            <a:rPr lang="pt-BR" sz="1800" noProof="0" dirty="0">
               <a:latin typeface="+mj-lt"/>
             </a:rPr>
             <a:t> de dados para MDE (J+B)</a:t>
@@ -3051,7 +2973,7 @@
         <a:bodyPr/>
         <a:lstStyle/>
         <a:p>
-          <a:endParaRPr lang="pt-BR" sz="1600" noProof="0" dirty="0">
+          <a:endParaRPr lang="pt-BR" sz="1800" noProof="0" dirty="0">
             <a:latin typeface="+mj-lt"/>
           </a:endParaRPr>
         </a:p>
@@ -3087,7 +3009,7 @@
         <a:lstStyle/>
         <a:p>
           <a:r>
-            <a:rPr lang="pt-BR" sz="1600" noProof="0" dirty="0">
+            <a:rPr lang="pt-BR" sz="1800" noProof="0" dirty="0">
               <a:latin typeface="+mj-lt"/>
             </a:rPr>
             <a:t>“troubleshoot” e apresentação de resultados</a:t>
@@ -3124,7 +3046,7 @@
         <a:bodyPr/>
         <a:lstStyle/>
         <a:p>
-          <a:endParaRPr lang="pt-BR" sz="1600" noProof="0" dirty="0">
+          <a:endParaRPr lang="pt-BR" sz="1800" noProof="0" dirty="0">
             <a:latin typeface="+mj-lt"/>
           </a:endParaRPr>
         </a:p>
@@ -3159,7 +3081,7 @@
         <a:bodyPr/>
         <a:lstStyle/>
         <a:p>
-          <a:endParaRPr lang="pt-BR" sz="1600" b="0" i="0" noProof="0" dirty="0">
+          <a:endParaRPr lang="pt-BR" sz="1800" b="0" i="0" noProof="0" dirty="0">
             <a:latin typeface="+mj-lt"/>
           </a:endParaRPr>
         </a:p>
@@ -3187,6 +3109,44 @@
         </a:p>
       </dgm:t>
     </dgm:pt>
+    <dgm:pt modelId="{DE1CDDE1-B268-7548-8985-61F74E9269E2}">
+      <dgm:prSet phldrT="[Text]" custT="1"/>
+      <dgm:spPr/>
+      <dgm:t>
+        <a:bodyPr/>
+        <a:lstStyle/>
+        <a:p>
+          <a:r>
+            <a:rPr lang="pt-BR" sz="1800" noProof="0" dirty="0">
+              <a:latin typeface="+mj-lt"/>
+            </a:rPr>
+            <a:t>Limpeza de dados de ocorrência </a:t>
+          </a:r>
+        </a:p>
+      </dgm:t>
+    </dgm:pt>
+    <dgm:pt modelId="{6D7F318D-F80C-6845-9578-A6979BF57975}" type="parTrans" cxnId="{F03D22A0-61F8-9949-94DF-881B03906FB0}">
+      <dgm:prSet/>
+      <dgm:spPr/>
+      <dgm:t>
+        <a:bodyPr/>
+        <a:lstStyle/>
+        <a:p>
+          <a:endParaRPr lang="en-US" sz="2000"/>
+        </a:p>
+      </dgm:t>
+    </dgm:pt>
+    <dgm:pt modelId="{1FC01AD1-4FC9-074B-B42A-F4B832EDFC4D}" type="sibTrans" cxnId="{F03D22A0-61F8-9949-94DF-881B03906FB0}">
+      <dgm:prSet/>
+      <dgm:spPr/>
+      <dgm:t>
+        <a:bodyPr/>
+        <a:lstStyle/>
+        <a:p>
+          <a:endParaRPr lang="en-US" sz="2000"/>
+        </a:p>
+      </dgm:t>
+    </dgm:pt>
     <dgm:pt modelId="{9660AFDC-9955-D145-AA07-BA322E204FF1}">
       <dgm:prSet phldrT="[Text]" custT="1"/>
       <dgm:spPr/>
@@ -3195,12 +3155,12 @@
         <a:lstStyle/>
         <a:p>
           <a:r>
-            <a:rPr lang="pt-BR" sz="1600" b="0" i="0" noProof="0" dirty="0">
+            <a:rPr lang="pt-BR" sz="1800" b="0" i="0" noProof="0" dirty="0">
               <a:latin typeface="+mj-lt"/>
             </a:rPr>
             <a:t>Introdução à GitHub (J+B)</a:t>
           </a:r>
-          <a:endParaRPr lang="pt-BR" sz="1600" noProof="0" dirty="0">
+          <a:endParaRPr lang="pt-BR" sz="1800" noProof="0" dirty="0">
             <a:latin typeface="+mj-lt"/>
           </a:endParaRPr>
         </a:p>
@@ -3236,19 +3196,19 @@
         <a:lstStyle/>
         <a:p>
           <a:r>
-            <a:rPr lang="pt-BR" sz="1600" noProof="0" dirty="0">
+            <a:rPr lang="pt-BR" sz="1800" noProof="0" dirty="0">
               <a:latin typeface="+mj-lt"/>
             </a:rPr>
             <a:t>Construindo mapas em </a:t>
           </a:r>
           <a:r>
-            <a:rPr lang="pt-BR" sz="1600" noProof="0" dirty="0" err="1">
+            <a:rPr lang="pt-BR" sz="1800" noProof="0" dirty="0" err="1">
               <a:latin typeface="+mj-lt"/>
             </a:rPr>
             <a:t>R</a:t>
           </a:r>
           <a:r>
-            <a:rPr lang="pt-BR" sz="1600" noProof="0" dirty="0">
+            <a:rPr lang="pt-BR" sz="1800" noProof="0" dirty="0">
               <a:latin typeface="+mj-lt"/>
             </a:rPr>
             <a:t> (J)</a:t>
@@ -3285,7 +3245,7 @@
         <a:bodyPr/>
         <a:lstStyle/>
         <a:p>
-          <a:endParaRPr lang="pt-BR" sz="1600" noProof="0" dirty="0">
+          <a:endParaRPr lang="pt-BR" sz="1800" noProof="0" dirty="0">
             <a:latin typeface="+mj-lt"/>
           </a:endParaRPr>
         </a:p>
@@ -3322,13 +3282,6 @@
         </dgm:presLayoutVars>
       </dgm:prSet>
       <dgm:spPr/>
-      <dgm:t>
-        <a:bodyPr/>
-        <a:lstStyle/>
-        <a:p>
-          <a:endParaRPr lang="fr-FR"/>
-        </a:p>
-      </dgm:t>
     </dgm:pt>
     <dgm:pt modelId="{9F03E44B-F21C-A74E-8366-EA8D85CC04EA}" type="pres">
       <dgm:prSet presAssocID="{2C0A458E-41E7-0749-B5F3-B87B657B2C46}" presName="composite" presStyleCnt="0"/>
@@ -3343,13 +3296,6 @@
         </dgm:presLayoutVars>
       </dgm:prSet>
       <dgm:spPr/>
-      <dgm:t>
-        <a:bodyPr/>
-        <a:lstStyle/>
-        <a:p>
-          <a:endParaRPr lang="fr-FR"/>
-        </a:p>
-      </dgm:t>
     </dgm:pt>
     <dgm:pt modelId="{A85479BA-39C3-B44C-8F28-84A809FAA5A1}" type="pres">
       <dgm:prSet presAssocID="{2C0A458E-41E7-0749-B5F3-B87B657B2C46}" presName="desTx" presStyleLbl="alignAccFollowNode1" presStyleIdx="0" presStyleCnt="5">
@@ -3358,13 +3304,6 @@
         </dgm:presLayoutVars>
       </dgm:prSet>
       <dgm:spPr/>
-      <dgm:t>
-        <a:bodyPr/>
-        <a:lstStyle/>
-        <a:p>
-          <a:endParaRPr lang="fr-FR"/>
-        </a:p>
-      </dgm:t>
     </dgm:pt>
     <dgm:pt modelId="{B327CB47-6E17-5948-874C-31D0E69A2BEE}" type="pres">
       <dgm:prSet presAssocID="{B575B920-FFFA-344C-81D6-148E999212A2}" presName="space" presStyleCnt="0"/>
@@ -3383,13 +3322,6 @@
         </dgm:presLayoutVars>
       </dgm:prSet>
       <dgm:spPr/>
-      <dgm:t>
-        <a:bodyPr/>
-        <a:lstStyle/>
-        <a:p>
-          <a:endParaRPr lang="fr-FR"/>
-        </a:p>
-      </dgm:t>
     </dgm:pt>
     <dgm:pt modelId="{DD81468D-FAD2-994B-B911-D934DCB70CA1}" type="pres">
       <dgm:prSet presAssocID="{3DC5BF48-BA14-E94E-BE3F-8FB1C3CF1B90}" presName="desTx" presStyleLbl="alignAccFollowNode1" presStyleIdx="1" presStyleCnt="5">
@@ -3398,13 +3330,6 @@
         </dgm:presLayoutVars>
       </dgm:prSet>
       <dgm:spPr/>
-      <dgm:t>
-        <a:bodyPr/>
-        <a:lstStyle/>
-        <a:p>
-          <a:endParaRPr lang="fr-FR"/>
-        </a:p>
-      </dgm:t>
     </dgm:pt>
     <dgm:pt modelId="{B8F785C1-DBB7-B746-B4C6-AE6279F67232}" type="pres">
       <dgm:prSet presAssocID="{E2837041-A437-774B-A318-B655203B6D90}" presName="space" presStyleCnt="0"/>
@@ -3423,13 +3348,6 @@
         </dgm:presLayoutVars>
       </dgm:prSet>
       <dgm:spPr/>
-      <dgm:t>
-        <a:bodyPr/>
-        <a:lstStyle/>
-        <a:p>
-          <a:endParaRPr lang="fr-FR"/>
-        </a:p>
-      </dgm:t>
     </dgm:pt>
     <dgm:pt modelId="{20D095F7-62F7-7748-B677-217EAF898924}" type="pres">
       <dgm:prSet presAssocID="{8EB3D4DA-D392-624C-ACBA-01FCEF0039D1}" presName="desTx" presStyleLbl="alignAccFollowNode1" presStyleIdx="2" presStyleCnt="5">
@@ -3438,13 +3356,6 @@
         </dgm:presLayoutVars>
       </dgm:prSet>
       <dgm:spPr/>
-      <dgm:t>
-        <a:bodyPr/>
-        <a:lstStyle/>
-        <a:p>
-          <a:endParaRPr lang="fr-FR"/>
-        </a:p>
-      </dgm:t>
     </dgm:pt>
     <dgm:pt modelId="{285CB6E8-F646-3048-87C1-F07CFEEBEBDC}" type="pres">
       <dgm:prSet presAssocID="{FDBEC8E4-56A3-A844-B9B6-F6031FEBD7F8}" presName="space" presStyleCnt="0"/>
@@ -3463,13 +3374,6 @@
         </dgm:presLayoutVars>
       </dgm:prSet>
       <dgm:spPr/>
-      <dgm:t>
-        <a:bodyPr/>
-        <a:lstStyle/>
-        <a:p>
-          <a:endParaRPr lang="fr-FR"/>
-        </a:p>
-      </dgm:t>
     </dgm:pt>
     <dgm:pt modelId="{617F9704-C5B9-1648-98CF-94F97120C572}" type="pres">
       <dgm:prSet presAssocID="{0D594C62-8F0E-D547-B5C4-5454A990423E}" presName="desTx" presStyleLbl="alignAccFollowNode1" presStyleIdx="3" presStyleCnt="5">
@@ -3478,13 +3382,6 @@
         </dgm:presLayoutVars>
       </dgm:prSet>
       <dgm:spPr/>
-      <dgm:t>
-        <a:bodyPr/>
-        <a:lstStyle/>
-        <a:p>
-          <a:endParaRPr lang="fr-FR"/>
-        </a:p>
-      </dgm:t>
     </dgm:pt>
     <dgm:pt modelId="{60BC2F4A-0F98-314D-8F14-6A231276C546}" type="pres">
       <dgm:prSet presAssocID="{C6B30F07-7703-C24B-B99C-F227B6A1DD06}" presName="space" presStyleCnt="0"/>
@@ -3503,13 +3400,6 @@
         </dgm:presLayoutVars>
       </dgm:prSet>
       <dgm:spPr/>
-      <dgm:t>
-        <a:bodyPr/>
-        <a:lstStyle/>
-        <a:p>
-          <a:endParaRPr lang="fr-FR"/>
-        </a:p>
-      </dgm:t>
     </dgm:pt>
     <dgm:pt modelId="{5C72DD71-135D-9842-880A-888477FED38E}" type="pres">
       <dgm:prSet presAssocID="{726FAEE0-0671-6A47-992E-19C958FAA5C0}" presName="desTx" presStyleLbl="alignAccFollowNode1" presStyleIdx="4" presStyleCnt="5">
@@ -3518,51 +3408,48 @@
         </dgm:presLayoutVars>
       </dgm:prSet>
       <dgm:spPr/>
-      <dgm:t>
-        <a:bodyPr/>
-        <a:lstStyle/>
-        <a:p>
-          <a:endParaRPr lang="fr-FR"/>
-        </a:p>
-      </dgm:t>
     </dgm:pt>
   </dgm:ptLst>
   <dgm:cxnLst>
+    <dgm:cxn modelId="{F5E0E600-20DE-2A40-8E81-8B907B1030A6}" type="presOf" srcId="{2D8CDDA4-D3AB-9E47-B00E-87DCAED83B87}" destId="{A85479BA-39C3-B44C-8F28-84A809FAA5A1}" srcOrd="0" destOrd="0" presId="urn:microsoft.com/office/officeart/2005/8/layout/hList1"/>
+    <dgm:cxn modelId="{D61FA604-1C4A-7340-94AD-0D0E57B936BC}" type="presOf" srcId="{DE1CDDE1-B268-7548-8985-61F74E9269E2}" destId="{20D095F7-62F7-7748-B677-217EAF898924}" srcOrd="0" destOrd="2" presId="urn:microsoft.com/office/officeart/2005/8/layout/hList1"/>
+    <dgm:cxn modelId="{0D42DA19-A0B1-5844-A3E3-808AD29B097B}" srcId="{C8661A6B-810B-1E4B-B1CC-141DE757B849}" destId="{8EB3D4DA-D392-624C-ACBA-01FCEF0039D1}" srcOrd="2" destOrd="0" parTransId="{10862054-81DB-8242-A4C6-06EAE50C713F}" sibTransId="{FDBEC8E4-56A3-A844-B9B6-F6031FEBD7F8}"/>
+    <dgm:cxn modelId="{F6CFB626-0E56-0B44-8EF2-464372C4762C}" type="presOf" srcId="{9794766A-8C01-0E48-91EA-38B71167FB12}" destId="{617F9704-C5B9-1648-98CF-94F97120C572}" srcOrd="0" destOrd="0" presId="urn:microsoft.com/office/officeart/2005/8/layout/hList1"/>
+    <dgm:cxn modelId="{B24B6C27-1328-D64D-82C4-A8ADB45E9BF7}" srcId="{8EB3D4DA-D392-624C-ACBA-01FCEF0039D1}" destId="{8A555377-C05A-8846-93A1-D11E746AD7A5}" srcOrd="0" destOrd="0" parTransId="{FA71FF4A-0D05-9046-8223-41581AEB7A56}" sibTransId="{A42AF4A5-12B9-9A47-87A1-A1080AFEF41D}"/>
+    <dgm:cxn modelId="{F0670E2E-14D5-9F47-B6F9-DC9C974B0604}" srcId="{2C0A458E-41E7-0749-B5F3-B87B657B2C46}" destId="{9660AFDC-9955-D145-AA07-BA322E204FF1}" srcOrd="2" destOrd="0" parTransId="{A6C1C37F-5C64-984E-AAAF-AF823D71741C}" sibTransId="{B4E61655-3402-CD4D-86CF-CD333176EE4F}"/>
+    <dgm:cxn modelId="{2721F933-D91A-3B4C-829A-490E447893D9}" srcId="{0D594C62-8F0E-D547-B5C4-5454A990423E}" destId="{C90DA8F3-948E-5E47-8D95-D8BAF110C8B0}" srcOrd="1" destOrd="0" parTransId="{5D217272-209D-8A43-A914-E00481776B30}" sibTransId="{F0883202-FFD2-5142-9027-0DC0A2124AD6}"/>
+    <dgm:cxn modelId="{77D2A235-EBAF-6F4A-B52D-E4EFBB604EFE}" type="presOf" srcId="{3DC5BF48-BA14-E94E-BE3F-8FB1C3CF1B90}" destId="{ECE4CE78-598F-7349-8860-765FB74D8A57}" srcOrd="0" destOrd="0" presId="urn:microsoft.com/office/officeart/2005/8/layout/hList1"/>
+    <dgm:cxn modelId="{2759DD43-1160-1044-A393-4DA743613C0C}" type="presOf" srcId="{8A555377-C05A-8846-93A1-D11E746AD7A5}" destId="{20D095F7-62F7-7748-B677-217EAF898924}" srcOrd="0" destOrd="0" presId="urn:microsoft.com/office/officeart/2005/8/layout/hList1"/>
+    <dgm:cxn modelId="{D838BC4F-8976-BD43-9465-5620F7EAB015}" type="presOf" srcId="{C8661A6B-810B-1E4B-B1CC-141DE757B849}" destId="{DCBBD6ED-E7E2-E641-94EA-3B38CC6CF4A5}" srcOrd="0" destOrd="0" presId="urn:microsoft.com/office/officeart/2005/8/layout/hList1"/>
+    <dgm:cxn modelId="{CB125556-6806-D04F-B199-FDC2D0D9AE6D}" srcId="{3DC5BF48-BA14-E94E-BE3F-8FB1C3CF1B90}" destId="{15AFFBE7-DAB1-FC45-9FC0-69BC8EFFD4BA}" srcOrd="0" destOrd="0" parTransId="{8BD24FEB-079D-DD4D-9ED0-A15F63FF9A47}" sibTransId="{133DDD6A-9990-B948-8B47-3948C694B1CD}"/>
+    <dgm:cxn modelId="{2ED8D059-9856-FF46-BDDB-282375D96933}" srcId="{726FAEE0-0671-6A47-992E-19C958FAA5C0}" destId="{FD5B6DB0-8903-9A41-987A-7619C3A6D6F4}" srcOrd="0" destOrd="0" parTransId="{0C5AD9DB-07F0-E44E-9A6E-114F0755E04E}" sibTransId="{69BBBF78-3A94-2E43-83D7-80F5241431D3}"/>
+    <dgm:cxn modelId="{002F695F-F451-1A4B-AAE9-1AD10E9C53BC}" srcId="{3DC5BF48-BA14-E94E-BE3F-8FB1C3CF1B90}" destId="{9BCFE93D-6E84-5B41-801F-56F19DAAF022}" srcOrd="1" destOrd="0" parTransId="{46E92058-9D74-764A-9EFC-E66B9D8CC71B}" sibTransId="{27A58515-4A87-C74B-9454-6E1124391473}"/>
+    <dgm:cxn modelId="{6FAD4A6E-7329-6149-A025-6A4491A0D4E4}" srcId="{2C0A458E-41E7-0749-B5F3-B87B657B2C46}" destId="{2D8CDDA4-D3AB-9E47-B00E-87DCAED83B87}" srcOrd="0" destOrd="0" parTransId="{8A7665EC-796D-A24C-A7F2-A6B6B5E0B8AA}" sibTransId="{3F2151BD-3470-9243-83B7-646636527AA1}"/>
     <dgm:cxn modelId="{05A24B7B-0A7A-D941-8899-E41721BD8E08}" type="presOf" srcId="{E2F99037-DD6C-444C-8200-8A7A20646B44}" destId="{A85479BA-39C3-B44C-8F28-84A809FAA5A1}" srcOrd="0" destOrd="1" presId="urn:microsoft.com/office/officeart/2005/8/layout/hList1"/>
+    <dgm:cxn modelId="{7604DC7D-D5E0-9C4D-8786-9C0215029E69}" srcId="{C8661A6B-810B-1E4B-B1CC-141DE757B849}" destId="{2C0A458E-41E7-0749-B5F3-B87B657B2C46}" srcOrd="0" destOrd="0" parTransId="{85DFE8F1-77A0-D149-A78B-A94463996F28}" sibTransId="{B575B920-FFFA-344C-81D6-148E999212A2}"/>
+    <dgm:cxn modelId="{C8720D7E-F463-3F4D-A842-D768FCF58084}" type="presOf" srcId="{9BCFE93D-6E84-5B41-801F-56F19DAAF022}" destId="{DD81468D-FAD2-994B-B911-D934DCB70CA1}" srcOrd="0" destOrd="1" presId="urn:microsoft.com/office/officeart/2005/8/layout/hList1"/>
+    <dgm:cxn modelId="{22F1BE8A-8087-D042-8942-508C1308CD06}" srcId="{2C0A458E-41E7-0749-B5F3-B87B657B2C46}" destId="{E2F99037-DD6C-444C-8200-8A7A20646B44}" srcOrd="1" destOrd="0" parTransId="{0E183783-E209-9F4F-A70E-F492EA7BD742}" sibTransId="{1BC8B3A4-FB01-764A-8BED-6E8EB8032305}"/>
+    <dgm:cxn modelId="{9C499E8F-780B-D84A-A972-D83685A19282}" type="presOf" srcId="{15AFFBE7-DAB1-FC45-9FC0-69BC8EFFD4BA}" destId="{DD81468D-FAD2-994B-B911-D934DCB70CA1}" srcOrd="0" destOrd="0" presId="urn:microsoft.com/office/officeart/2005/8/layout/hList1"/>
+    <dgm:cxn modelId="{E8165391-402A-7348-93C1-E044107B9AF2}" type="presOf" srcId="{0D594C62-8F0E-D547-B5C4-5454A990423E}" destId="{4B864F2B-A171-CA4C-8EC7-98380C9D7AAC}" srcOrd="0" destOrd="0" presId="urn:microsoft.com/office/officeart/2005/8/layout/hList1"/>
+    <dgm:cxn modelId="{15CE1192-BA53-964B-9F08-908393A01D2E}" type="presOf" srcId="{9660AFDC-9955-D145-AA07-BA322E204FF1}" destId="{A85479BA-39C3-B44C-8F28-84A809FAA5A1}" srcOrd="0" destOrd="2" presId="urn:microsoft.com/office/officeart/2005/8/layout/hList1"/>
+    <dgm:cxn modelId="{9DCBD597-D7C6-BB40-BBA9-AAA3815FF3ED}" srcId="{0D594C62-8F0E-D547-B5C4-5454A990423E}" destId="{960A4DE7-D040-C34C-BDE1-053507B5D5FA}" srcOrd="3" destOrd="0" parTransId="{E0587E6D-63CC-8243-A87A-C082692CF03E}" sibTransId="{D44503DF-7CCD-BB4A-9CB0-CA3BBA4B79F3}"/>
+    <dgm:cxn modelId="{EF28A899-EE90-804D-A835-5E18D8C75057}" srcId="{C8661A6B-810B-1E4B-B1CC-141DE757B849}" destId="{726FAEE0-0671-6A47-992E-19C958FAA5C0}" srcOrd="4" destOrd="0" parTransId="{2F18166A-B3FC-6142-9EE6-69B7FBBE776A}" sibTransId="{5E8048C6-AB64-C744-BC71-8297C7F11082}"/>
+    <dgm:cxn modelId="{A0DBB09D-7EDD-1148-9333-DCE4C93BA9D7}" srcId="{0D594C62-8F0E-D547-B5C4-5454A990423E}" destId="{9794766A-8C01-0E48-91EA-38B71167FB12}" srcOrd="0" destOrd="0" parTransId="{D5ED0948-3692-0F48-8054-F38A33146C84}" sibTransId="{AD5BA8C9-50EC-8149-9EB8-8BC88A3B2CED}"/>
+    <dgm:cxn modelId="{F03D22A0-61F8-9949-94DF-881B03906FB0}" srcId="{8EB3D4DA-D392-624C-ACBA-01FCEF0039D1}" destId="{DE1CDDE1-B268-7548-8985-61F74E9269E2}" srcOrd="2" destOrd="0" parTransId="{6D7F318D-F80C-6845-9578-A6979BF57975}" sibTransId="{1FC01AD1-4FC9-074B-B42A-F4B832EDFC4D}"/>
+    <dgm:cxn modelId="{ECAF81A3-ACA0-3649-9D30-242B00837DB5}" type="presOf" srcId="{8EB3D4DA-D392-624C-ACBA-01FCEF0039D1}" destId="{ADACA0E1-9830-504A-819D-FA1ACF8A190B}" srcOrd="0" destOrd="0" presId="urn:microsoft.com/office/officeart/2005/8/layout/hList1"/>
+    <dgm:cxn modelId="{E9BE94A7-DA39-C840-9B01-6DBE523708CD}" srcId="{8EB3D4DA-D392-624C-ACBA-01FCEF0039D1}" destId="{9B3E5AEA-B70D-D64C-8C1D-10A6FB51ABAC}" srcOrd="1" destOrd="0" parTransId="{1495C82C-8764-6441-89E2-F327E9C03D4B}" sibTransId="{1DA55D21-382C-1F4A-9B46-B7D18EC4F32F}"/>
+    <dgm:cxn modelId="{481898B3-7418-894E-A791-4F84721C1A3C}" type="presOf" srcId="{2C0A458E-41E7-0749-B5F3-B87B657B2C46}" destId="{25F78C9F-B521-2441-8888-89EBACCB579C}" srcOrd="0" destOrd="0" presId="urn:microsoft.com/office/officeart/2005/8/layout/hList1"/>
+    <dgm:cxn modelId="{F830BBB5-4B41-074F-85B1-93632C832A8E}" type="presOf" srcId="{9B3E5AEA-B70D-D64C-8C1D-10A6FB51ABAC}" destId="{20D095F7-62F7-7748-B677-217EAF898924}" srcOrd="0" destOrd="1" presId="urn:microsoft.com/office/officeart/2005/8/layout/hList1"/>
+    <dgm:cxn modelId="{2A7391BD-E933-724E-B9B1-BA636999FB1D}" srcId="{C8661A6B-810B-1E4B-B1CC-141DE757B849}" destId="{3DC5BF48-BA14-E94E-BE3F-8FB1C3CF1B90}" srcOrd="1" destOrd="0" parTransId="{66636137-4F14-C340-9E6A-C098E47B6F2F}" sibTransId="{E2837041-A437-774B-A318-B655203B6D90}"/>
+    <dgm:cxn modelId="{B308C8BD-5034-E74C-8CFA-FD678506FAEA}" srcId="{C8661A6B-810B-1E4B-B1CC-141DE757B849}" destId="{0D594C62-8F0E-D547-B5C4-5454A990423E}" srcOrd="3" destOrd="0" parTransId="{FE0DCDF9-B2F9-D24B-BA5F-F37FD6FA0851}" sibTransId="{C6B30F07-7703-C24B-B99C-F227B6A1DD06}"/>
+    <dgm:cxn modelId="{18DEE5BD-41A7-444F-BD52-DB2045FAD376}" type="presOf" srcId="{C90DA8F3-948E-5E47-8D95-D8BAF110C8B0}" destId="{617F9704-C5B9-1648-98CF-94F97120C572}" srcOrd="0" destOrd="1" presId="urn:microsoft.com/office/officeart/2005/8/layout/hList1"/>
+    <dgm:cxn modelId="{1E5F0CCA-8CF7-3145-9F8A-F2D6CF258F45}" type="presOf" srcId="{726FAEE0-0671-6A47-992E-19C958FAA5C0}" destId="{3D66253D-95FC-7548-B49C-8D3767F33B71}" srcOrd="0" destOrd="0" presId="urn:microsoft.com/office/officeart/2005/8/layout/hList1"/>
+    <dgm:cxn modelId="{045B70CB-FAA3-5D4D-B883-45F63E7E3F92}" srcId="{0D594C62-8F0E-D547-B5C4-5454A990423E}" destId="{60F038A9-D549-3F47-9C60-952B3F373EAE}" srcOrd="4" destOrd="0" parTransId="{9334ABF3-FD4B-7441-9DAA-A87EBE87EC64}" sibTransId="{9615906F-4BE0-2C47-B238-AFB062BC6D7D}"/>
+    <dgm:cxn modelId="{4FECE9CC-0BBD-4044-81FD-9FCF00643F32}" type="presOf" srcId="{960A4DE7-D040-C34C-BDE1-053507B5D5FA}" destId="{617F9704-C5B9-1648-98CF-94F97120C572}" srcOrd="0" destOrd="3" presId="urn:microsoft.com/office/officeart/2005/8/layout/hList1"/>
     <dgm:cxn modelId="{4E85FED1-BB96-FD4E-951B-9804DE3F60AF}" srcId="{0D594C62-8F0E-D547-B5C4-5454A990423E}" destId="{9A9CBCCD-57D6-6049-97A4-2D69B1D04227}" srcOrd="2" destOrd="0" parTransId="{77709DF4-EF9D-1A4D-9774-B1816260482D}" sibTransId="{D7366BFB-E631-D74B-9BCC-B7D13F503B00}"/>
     <dgm:cxn modelId="{C48EE2E0-D7CA-EF46-88C1-F0D9323B00ED}" type="presOf" srcId="{FD5B6DB0-8903-9A41-987A-7619C3A6D6F4}" destId="{5C72DD71-135D-9842-880A-888477FED38E}" srcOrd="0" destOrd="0" presId="urn:microsoft.com/office/officeart/2005/8/layout/hList1"/>
-    <dgm:cxn modelId="{15CE1192-BA53-964B-9F08-908393A01D2E}" type="presOf" srcId="{9660AFDC-9955-D145-AA07-BA322E204FF1}" destId="{A85479BA-39C3-B44C-8F28-84A809FAA5A1}" srcOrd="0" destOrd="2" presId="urn:microsoft.com/office/officeart/2005/8/layout/hList1"/>
-    <dgm:cxn modelId="{9C499E8F-780B-D84A-A972-D83685A19282}" type="presOf" srcId="{15AFFBE7-DAB1-FC45-9FC0-69BC8EFFD4BA}" destId="{DD81468D-FAD2-994B-B911-D934DCB70CA1}" srcOrd="0" destOrd="0" presId="urn:microsoft.com/office/officeart/2005/8/layout/hList1"/>
-    <dgm:cxn modelId="{CB125556-6806-D04F-B199-FDC2D0D9AE6D}" srcId="{3DC5BF48-BA14-E94E-BE3F-8FB1C3CF1B90}" destId="{15AFFBE7-DAB1-FC45-9FC0-69BC8EFFD4BA}" srcOrd="0" destOrd="0" parTransId="{8BD24FEB-079D-DD4D-9ED0-A15F63FF9A47}" sibTransId="{133DDD6A-9990-B948-8B47-3948C694B1CD}"/>
     <dgm:cxn modelId="{5D8F6DEA-5CF5-6147-929E-1EC6EAF9490F}" type="presOf" srcId="{60F038A9-D549-3F47-9C60-952B3F373EAE}" destId="{617F9704-C5B9-1648-98CF-94F97120C572}" srcOrd="0" destOrd="4" presId="urn:microsoft.com/office/officeart/2005/8/layout/hList1"/>
-    <dgm:cxn modelId="{18DEE5BD-41A7-444F-BD52-DB2045FAD376}" type="presOf" srcId="{C90DA8F3-948E-5E47-8D95-D8BAF110C8B0}" destId="{617F9704-C5B9-1648-98CF-94F97120C572}" srcOrd="0" destOrd="1" presId="urn:microsoft.com/office/officeart/2005/8/layout/hList1"/>
-    <dgm:cxn modelId="{B308C8BD-5034-E74C-8CFA-FD678506FAEA}" srcId="{C8661A6B-810B-1E4B-B1CC-141DE757B849}" destId="{0D594C62-8F0E-D547-B5C4-5454A990423E}" srcOrd="3" destOrd="0" parTransId="{FE0DCDF9-B2F9-D24B-BA5F-F37FD6FA0851}" sibTransId="{C6B30F07-7703-C24B-B99C-F227B6A1DD06}"/>
-    <dgm:cxn modelId="{6FAD4A6E-7329-6149-A025-6A4491A0D4E4}" srcId="{2C0A458E-41E7-0749-B5F3-B87B657B2C46}" destId="{2D8CDDA4-D3AB-9E47-B00E-87DCAED83B87}" srcOrd="0" destOrd="0" parTransId="{8A7665EC-796D-A24C-A7F2-A6B6B5E0B8AA}" sibTransId="{3F2151BD-3470-9243-83B7-646636527AA1}"/>
-    <dgm:cxn modelId="{2759DD43-1160-1044-A393-4DA743613C0C}" type="presOf" srcId="{8A555377-C05A-8846-93A1-D11E746AD7A5}" destId="{20D095F7-62F7-7748-B677-217EAF898924}" srcOrd="0" destOrd="0" presId="urn:microsoft.com/office/officeart/2005/8/layout/hList1"/>
-    <dgm:cxn modelId="{481898B3-7418-894E-A791-4F84721C1A3C}" type="presOf" srcId="{2C0A458E-41E7-0749-B5F3-B87B657B2C46}" destId="{25F78C9F-B521-2441-8888-89EBACCB579C}" srcOrd="0" destOrd="0" presId="urn:microsoft.com/office/officeart/2005/8/layout/hList1"/>
-    <dgm:cxn modelId="{F6CFB626-0E56-0B44-8EF2-464372C4762C}" type="presOf" srcId="{9794766A-8C01-0E48-91EA-38B71167FB12}" destId="{617F9704-C5B9-1648-98CF-94F97120C572}" srcOrd="0" destOrd="0" presId="urn:microsoft.com/office/officeart/2005/8/layout/hList1"/>
-    <dgm:cxn modelId="{4FECE9CC-0BBD-4044-81FD-9FCF00643F32}" type="presOf" srcId="{960A4DE7-D040-C34C-BDE1-053507B5D5FA}" destId="{617F9704-C5B9-1648-98CF-94F97120C572}" srcOrd="0" destOrd="3" presId="urn:microsoft.com/office/officeart/2005/8/layout/hList1"/>
-    <dgm:cxn modelId="{F0670E2E-14D5-9F47-B6F9-DC9C974B0604}" srcId="{2C0A458E-41E7-0749-B5F3-B87B657B2C46}" destId="{9660AFDC-9955-D145-AA07-BA322E204FF1}" srcOrd="2" destOrd="0" parTransId="{A6C1C37F-5C64-984E-AAAF-AF823D71741C}" sibTransId="{B4E61655-3402-CD4D-86CF-CD333176EE4F}"/>
-    <dgm:cxn modelId="{B24B6C27-1328-D64D-82C4-A8ADB45E9BF7}" srcId="{8EB3D4DA-D392-624C-ACBA-01FCEF0039D1}" destId="{8A555377-C05A-8846-93A1-D11E746AD7A5}" srcOrd="0" destOrd="0" parTransId="{FA71FF4A-0D05-9046-8223-41581AEB7A56}" sibTransId="{A42AF4A5-12B9-9A47-87A1-A1080AFEF41D}"/>
-    <dgm:cxn modelId="{7604DC7D-D5E0-9C4D-8786-9C0215029E69}" srcId="{C8661A6B-810B-1E4B-B1CC-141DE757B849}" destId="{2C0A458E-41E7-0749-B5F3-B87B657B2C46}" srcOrd="0" destOrd="0" parTransId="{85DFE8F1-77A0-D149-A78B-A94463996F28}" sibTransId="{B575B920-FFFA-344C-81D6-148E999212A2}"/>
     <dgm:cxn modelId="{02474DEB-CE66-9F49-874C-9046605C29DB}" type="presOf" srcId="{9A9CBCCD-57D6-6049-97A4-2D69B1D04227}" destId="{617F9704-C5B9-1648-98CF-94F97120C572}" srcOrd="0" destOrd="2" presId="urn:microsoft.com/office/officeart/2005/8/layout/hList1"/>
-    <dgm:cxn modelId="{ECAF81A3-ACA0-3649-9D30-242B00837DB5}" type="presOf" srcId="{8EB3D4DA-D392-624C-ACBA-01FCEF0039D1}" destId="{ADACA0E1-9830-504A-819D-FA1ACF8A190B}" srcOrd="0" destOrd="0" presId="urn:microsoft.com/office/officeart/2005/8/layout/hList1"/>
-    <dgm:cxn modelId="{1E5F0CCA-8CF7-3145-9F8A-F2D6CF258F45}" type="presOf" srcId="{726FAEE0-0671-6A47-992E-19C958FAA5C0}" destId="{3D66253D-95FC-7548-B49C-8D3767F33B71}" srcOrd="0" destOrd="0" presId="urn:microsoft.com/office/officeart/2005/8/layout/hList1"/>
-    <dgm:cxn modelId="{2A7391BD-E933-724E-B9B1-BA636999FB1D}" srcId="{C8661A6B-810B-1E4B-B1CC-141DE757B849}" destId="{3DC5BF48-BA14-E94E-BE3F-8FB1C3CF1B90}" srcOrd="1" destOrd="0" parTransId="{66636137-4F14-C340-9E6A-C098E47B6F2F}" sibTransId="{E2837041-A437-774B-A318-B655203B6D90}"/>
-    <dgm:cxn modelId="{A0DBB09D-7EDD-1148-9333-DCE4C93BA9D7}" srcId="{0D594C62-8F0E-D547-B5C4-5454A990423E}" destId="{9794766A-8C01-0E48-91EA-38B71167FB12}" srcOrd="0" destOrd="0" parTransId="{D5ED0948-3692-0F48-8054-F38A33146C84}" sibTransId="{AD5BA8C9-50EC-8149-9EB8-8BC88A3B2CED}"/>
-    <dgm:cxn modelId="{E8165391-402A-7348-93C1-E044107B9AF2}" type="presOf" srcId="{0D594C62-8F0E-D547-B5C4-5454A990423E}" destId="{4B864F2B-A171-CA4C-8EC7-98380C9D7AAC}" srcOrd="0" destOrd="0" presId="urn:microsoft.com/office/officeart/2005/8/layout/hList1"/>
-    <dgm:cxn modelId="{2721F933-D91A-3B4C-829A-490E447893D9}" srcId="{0D594C62-8F0E-D547-B5C4-5454A990423E}" destId="{C90DA8F3-948E-5E47-8D95-D8BAF110C8B0}" srcOrd="1" destOrd="0" parTransId="{5D217272-209D-8A43-A914-E00481776B30}" sibTransId="{F0883202-FFD2-5142-9027-0DC0A2124AD6}"/>
-    <dgm:cxn modelId="{D838BC4F-8976-BD43-9465-5620F7EAB015}" type="presOf" srcId="{C8661A6B-810B-1E4B-B1CC-141DE757B849}" destId="{DCBBD6ED-E7E2-E641-94EA-3B38CC6CF4A5}" srcOrd="0" destOrd="0" presId="urn:microsoft.com/office/officeart/2005/8/layout/hList1"/>
-    <dgm:cxn modelId="{0D42DA19-A0B1-5844-A3E3-808AD29B097B}" srcId="{C8661A6B-810B-1E4B-B1CC-141DE757B849}" destId="{8EB3D4DA-D392-624C-ACBA-01FCEF0039D1}" srcOrd="2" destOrd="0" parTransId="{10862054-81DB-8242-A4C6-06EAE50C713F}" sibTransId="{FDBEC8E4-56A3-A844-B9B6-F6031FEBD7F8}"/>
-    <dgm:cxn modelId="{045B70CB-FAA3-5D4D-B883-45F63E7E3F92}" srcId="{0D594C62-8F0E-D547-B5C4-5454A990423E}" destId="{60F038A9-D549-3F47-9C60-952B3F373EAE}" srcOrd="4" destOrd="0" parTransId="{9334ABF3-FD4B-7441-9DAA-A87EBE87EC64}" sibTransId="{9615906F-4BE0-2C47-B238-AFB062BC6D7D}"/>
-    <dgm:cxn modelId="{EF28A899-EE90-804D-A835-5E18D8C75057}" srcId="{C8661A6B-810B-1E4B-B1CC-141DE757B849}" destId="{726FAEE0-0671-6A47-992E-19C958FAA5C0}" srcOrd="4" destOrd="0" parTransId="{2F18166A-B3FC-6142-9EE6-69B7FBBE776A}" sibTransId="{5E8048C6-AB64-C744-BC71-8297C7F11082}"/>
-    <dgm:cxn modelId="{C8720D7E-F463-3F4D-A842-D768FCF58084}" type="presOf" srcId="{9BCFE93D-6E84-5B41-801F-56F19DAAF022}" destId="{DD81468D-FAD2-994B-B911-D934DCB70CA1}" srcOrd="0" destOrd="1" presId="urn:microsoft.com/office/officeart/2005/8/layout/hList1"/>
-    <dgm:cxn modelId="{F5E0E600-20DE-2A40-8E81-8B907B1030A6}" type="presOf" srcId="{2D8CDDA4-D3AB-9E47-B00E-87DCAED83B87}" destId="{A85479BA-39C3-B44C-8F28-84A809FAA5A1}" srcOrd="0" destOrd="0" presId="urn:microsoft.com/office/officeart/2005/8/layout/hList1"/>
-    <dgm:cxn modelId="{002F695F-F451-1A4B-AAE9-1AD10E9C53BC}" srcId="{3DC5BF48-BA14-E94E-BE3F-8FB1C3CF1B90}" destId="{9BCFE93D-6E84-5B41-801F-56F19DAAF022}" srcOrd="1" destOrd="0" parTransId="{46E92058-9D74-764A-9EFC-E66B9D8CC71B}" sibTransId="{27A58515-4A87-C74B-9454-6E1124391473}"/>
-    <dgm:cxn modelId="{2ED8D059-9856-FF46-BDDB-282375D96933}" srcId="{726FAEE0-0671-6A47-992E-19C958FAA5C0}" destId="{FD5B6DB0-8903-9A41-987A-7619C3A6D6F4}" srcOrd="0" destOrd="0" parTransId="{0C5AD9DB-07F0-E44E-9A6E-114F0755E04E}" sibTransId="{69BBBF78-3A94-2E43-83D7-80F5241431D3}"/>
-    <dgm:cxn modelId="{77D2A235-EBAF-6F4A-B52D-E4EFBB604EFE}" type="presOf" srcId="{3DC5BF48-BA14-E94E-BE3F-8FB1C3CF1B90}" destId="{ECE4CE78-598F-7349-8860-765FB74D8A57}" srcOrd="0" destOrd="0" presId="urn:microsoft.com/office/officeart/2005/8/layout/hList1"/>
-    <dgm:cxn modelId="{9DCBD597-D7C6-BB40-BBA9-AAA3815FF3ED}" srcId="{0D594C62-8F0E-D547-B5C4-5454A990423E}" destId="{960A4DE7-D040-C34C-BDE1-053507B5D5FA}" srcOrd="3" destOrd="0" parTransId="{E0587E6D-63CC-8243-A87A-C082692CF03E}" sibTransId="{D44503DF-7CCD-BB4A-9CB0-CA3BBA4B79F3}"/>
-    <dgm:cxn modelId="{22F1BE8A-8087-D042-8942-508C1308CD06}" srcId="{2C0A458E-41E7-0749-B5F3-B87B657B2C46}" destId="{E2F99037-DD6C-444C-8200-8A7A20646B44}" srcOrd="1" destOrd="0" parTransId="{0E183783-E209-9F4F-A70E-F492EA7BD742}" sibTransId="{1BC8B3A4-FB01-764A-8BED-6E8EB8032305}"/>
     <dgm:cxn modelId="{4D162DBB-9E40-B14B-9096-C651217A8161}" type="presParOf" srcId="{DCBBD6ED-E7E2-E641-94EA-3B38CC6CF4A5}" destId="{9F03E44B-F21C-A74E-8366-EA8D85CC04EA}" srcOrd="0" destOrd="0" presId="urn:microsoft.com/office/officeart/2005/8/layout/hList1"/>
     <dgm:cxn modelId="{88B32E11-C6D5-1B4E-B1B1-C841B86D33DC}" type="presParOf" srcId="{9F03E44B-F21C-A74E-8366-EA8D85CC04EA}" destId="{25F78C9F-B521-2441-8888-89EBACCB579C}" srcOrd="0" destOrd="0" presId="urn:microsoft.com/office/officeart/2005/8/layout/hList1"/>
     <dgm:cxn modelId="{2B6C4102-AD3B-714C-8D58-F8BC3669FE0A}" type="presParOf" srcId="{9F03E44B-F21C-A74E-8366-EA8D85CC04EA}" destId="{A85479BA-39C3-B44C-8F28-84A809FAA5A1}" srcOrd="1" destOrd="0" presId="urn:microsoft.com/office/officeart/2005/8/layout/hList1"/>
@@ -3608,7 +3495,7 @@
       </dsp:nvSpPr>
       <dsp:spPr>
         <a:xfrm>
-          <a:off x="5715" y="18778"/>
+          <a:off x="5715" y="14239"/>
           <a:ext cx="2190749" cy="876300"/>
         </a:xfrm>
         <a:prstGeom prst="rect">
@@ -3651,12 +3538,12 @@
         </a:fontRef>
       </dsp:style>
       <dsp:txBody>
-        <a:bodyPr spcFirstLastPara="0" vert="horz" wrap="square" lIns="113792" tIns="65024" rIns="113792" bIns="65024" numCol="1" spcCol="1270" anchor="ctr" anchorCtr="0">
+        <a:bodyPr spcFirstLastPara="0" vert="horz" wrap="square" lIns="128016" tIns="73152" rIns="128016" bIns="73152" numCol="1" spcCol="1270" anchor="ctr" anchorCtr="0">
           <a:noAutofit/>
         </a:bodyPr>
         <a:lstStyle/>
         <a:p>
-          <a:pPr lvl="0" algn="ctr" defTabSz="711200">
+          <a:pPr marL="0" lvl="0" indent="0" algn="ctr" defTabSz="800100">
             <a:lnSpc>
               <a:spcPct val="90000"/>
             </a:lnSpc>
@@ -3666,9 +3553,10 @@
             <a:spcAft>
               <a:spcPct val="35000"/>
             </a:spcAft>
+            <a:buNone/>
           </a:pPr>
           <a:r>
-            <a:rPr lang="pt-BR" sz="1600" kern="1200" noProof="0" dirty="0">
+            <a:rPr lang="pt-BR" sz="1800" kern="1200" noProof="0" dirty="0">
               <a:latin typeface="+mj-lt"/>
             </a:rPr>
             <a:t>Dia 1 - Introdução</a:t>
@@ -3676,7 +3564,7 @@
         </a:p>
       </dsp:txBody>
       <dsp:txXfrm>
-        <a:off x="5715" y="18778"/>
+        <a:off x="5715" y="14239"/>
         <a:ext cx="2190749" cy="876300"/>
       </dsp:txXfrm>
     </dsp:sp>
@@ -3687,8 +3575,8 @@
       </dsp:nvSpPr>
       <dsp:spPr>
         <a:xfrm>
-          <a:off x="5715" y="900805"/>
-          <a:ext cx="2190749" cy="1756800"/>
+          <a:off x="5715" y="898700"/>
+          <a:ext cx="2190749" cy="2503439"/>
         </a:xfrm>
         <a:prstGeom prst="rect">
           <a:avLst/>
@@ -3732,12 +3620,12 @@
         <a:fontRef idx="minor"/>
       </dsp:style>
       <dsp:txBody>
-        <a:bodyPr spcFirstLastPara="0" vert="horz" wrap="square" lIns="85344" tIns="85344" rIns="113792" bIns="128016" numCol="1" spcCol="1270" anchor="t" anchorCtr="0">
+        <a:bodyPr spcFirstLastPara="0" vert="horz" wrap="square" lIns="96012" tIns="96012" rIns="128016" bIns="144018" numCol="1" spcCol="1270" anchor="t" anchorCtr="0">
           <a:noAutofit/>
         </a:bodyPr>
         <a:lstStyle/>
         <a:p>
-          <a:pPr marL="171450" lvl="1" indent="-171450" algn="l" defTabSz="711200">
+          <a:pPr marL="171450" lvl="1" indent="-171450" algn="l" defTabSz="800100">
             <a:lnSpc>
               <a:spcPct val="90000"/>
             </a:lnSpc>
@@ -3747,23 +3635,23 @@
             <a:spcAft>
               <a:spcPct val="15000"/>
             </a:spcAft>
-            <a:buChar char="••"/>
+            <a:buChar char="•"/>
           </a:pPr>
           <a:r>
-            <a:rPr lang="pt-BR" sz="1600" kern="1200" noProof="0" dirty="0" err="1">
+            <a:rPr lang="pt-BR" sz="1800" kern="1200" noProof="0" dirty="0" err="1">
               <a:latin typeface="+mj-lt"/>
             </a:rPr>
             <a:t>Intro</a:t>
           </a:r>
           <a:r>
-            <a:rPr lang="pt-BR" sz="1600" kern="1200" noProof="0" dirty="0">
+            <a:rPr lang="pt-BR" sz="1800" kern="1200" noProof="0" dirty="0">
               <a:latin typeface="+mj-lt"/>
             </a:rPr>
             <a:t>. Curso (B+J)</a:t>
           </a:r>
         </a:p>
         <a:p>
-          <a:pPr marL="171450" lvl="1" indent="-171450" algn="l" defTabSz="711200">
+          <a:pPr marL="171450" lvl="1" indent="-171450" algn="l" defTabSz="800100">
             <a:lnSpc>
               <a:spcPct val="90000"/>
             </a:lnSpc>
@@ -3773,29 +3661,35 @@
             <a:spcAft>
               <a:spcPct val="15000"/>
             </a:spcAft>
-            <a:buChar char="••"/>
+            <a:buChar char="•"/>
           </a:pPr>
           <a:r>
-            <a:rPr lang="pt-BR" sz="1600" kern="1200" noProof="0" dirty="0">
+            <a:rPr lang="pt-BR" sz="1800" kern="1200" noProof="0" dirty="0" err="1">
               <a:latin typeface="+mj-lt"/>
             </a:rPr>
-            <a:t>Intro. </a:t>
+            <a:t>Intro</a:t>
           </a:r>
           <a:r>
-            <a:rPr lang="pt-BR" sz="1600" kern="1200" noProof="0" dirty="0" smtClean="0">
+            <a:rPr lang="pt-BR" sz="1800" kern="1200" noProof="0" dirty="0">
               <a:latin typeface="+mj-lt"/>
             </a:rPr>
-            <a:t>Modelagem de </a:t>
+            <a:t>. Analises de dados ecológicos (</a:t>
           </a:r>
           <a:r>
-            <a:rPr lang="pt-BR" sz="1600" kern="1200" noProof="0" dirty="0">
+            <a:rPr lang="pt-BR" sz="1800" kern="1200" noProof="0" dirty="0" err="1">
               <a:latin typeface="+mj-lt"/>
             </a:rPr>
-            <a:t>dados ecológicos (B)</a:t>
+            <a:t>B</a:t>
+          </a:r>
+          <a:r>
+            <a:rPr lang="pt-BR" sz="1800" kern="1200" noProof="0" dirty="0">
+              <a:latin typeface="+mj-lt"/>
+            </a:rPr>
+            <a:t>)</a:t>
           </a:r>
         </a:p>
         <a:p>
-          <a:pPr marL="171450" lvl="1" indent="-171450" algn="l" defTabSz="711200">
+          <a:pPr marL="171450" lvl="1" indent="-171450" algn="l" defTabSz="800100">
             <a:lnSpc>
               <a:spcPct val="90000"/>
             </a:lnSpc>
@@ -3805,10 +3699,10 @@
             <a:spcAft>
               <a:spcPct val="15000"/>
             </a:spcAft>
-            <a:buChar char="••"/>
+            <a:buChar char="•"/>
           </a:pPr>
           <a:r>
-            <a:rPr lang="pt-BR" sz="1600" kern="1200" noProof="0" dirty="0">
+            <a:rPr lang="pt-BR" sz="1800" kern="1200" noProof="0" dirty="0">
               <a:latin typeface="+mj-lt"/>
             </a:rPr>
             <a:t>Boas praticas (J)</a:t>
@@ -3816,8 +3710,8 @@
         </a:p>
       </dsp:txBody>
       <dsp:txXfrm>
-        <a:off x="5715" y="900805"/>
-        <a:ext cx="2190749" cy="1756800"/>
+        <a:off x="5715" y="898700"/>
+        <a:ext cx="2190749" cy="2503439"/>
       </dsp:txXfrm>
     </dsp:sp>
     <dsp:sp modelId="{ECE4CE78-598F-7349-8860-765FB74D8A57}">
@@ -3827,7 +3721,7 @@
       </dsp:nvSpPr>
       <dsp:spPr>
         <a:xfrm>
-          <a:off x="2503170" y="18778"/>
+          <a:off x="2503170" y="14239"/>
           <a:ext cx="2190749" cy="876300"/>
         </a:xfrm>
         <a:prstGeom prst="rect">
@@ -3870,12 +3764,12 @@
         </a:fontRef>
       </dsp:style>
       <dsp:txBody>
-        <a:bodyPr spcFirstLastPara="0" vert="horz" wrap="square" lIns="113792" tIns="65024" rIns="113792" bIns="65024" numCol="1" spcCol="1270" anchor="ctr" anchorCtr="0">
+        <a:bodyPr spcFirstLastPara="0" vert="horz" wrap="square" lIns="120904" tIns="69088" rIns="120904" bIns="69088" numCol="1" spcCol="1270" anchor="ctr" anchorCtr="0">
           <a:noAutofit/>
         </a:bodyPr>
         <a:lstStyle/>
         <a:p>
-          <a:pPr lvl="0" algn="ctr" defTabSz="711200">
+          <a:pPr marL="0" lvl="0" indent="0" algn="ctr" defTabSz="755650">
             <a:lnSpc>
               <a:spcPct val="90000"/>
             </a:lnSpc>
@@ -3885,9 +3779,10 @@
             <a:spcAft>
               <a:spcPct val="35000"/>
             </a:spcAft>
+            <a:buNone/>
           </a:pPr>
           <a:r>
-            <a:rPr lang="pt-BR" sz="1600" kern="1200" noProof="0" dirty="0">
+            <a:rPr lang="pt-BR" sz="1700" kern="1200" noProof="0" dirty="0">
               <a:latin typeface="+mj-lt"/>
             </a:rPr>
             <a:t>Dia 2 - Teoria de nicho ecológico e modelos distribuição de espécies (J)</a:t>
@@ -3895,7 +3790,7 @@
         </a:p>
       </dsp:txBody>
       <dsp:txXfrm>
-        <a:off x="2503170" y="18778"/>
+        <a:off x="2503170" y="14239"/>
         <a:ext cx="2190749" cy="876300"/>
       </dsp:txXfrm>
     </dsp:sp>
@@ -3906,8 +3801,8 @@
       </dsp:nvSpPr>
       <dsp:spPr>
         <a:xfrm>
-          <a:off x="2503170" y="895078"/>
-          <a:ext cx="2190749" cy="1756800"/>
+          <a:off x="2503170" y="890539"/>
+          <a:ext cx="2190749" cy="2503439"/>
         </a:xfrm>
         <a:prstGeom prst="rect">
           <a:avLst/>
@@ -3951,12 +3846,12 @@
         <a:fontRef idx="minor"/>
       </dsp:style>
       <dsp:txBody>
-        <a:bodyPr spcFirstLastPara="0" vert="horz" wrap="square" lIns="85344" tIns="85344" rIns="113792" bIns="128016" numCol="1" spcCol="1270" anchor="t" anchorCtr="0">
+        <a:bodyPr spcFirstLastPara="0" vert="horz" wrap="square" lIns="96012" tIns="96012" rIns="128016" bIns="144018" numCol="1" spcCol="1270" anchor="t" anchorCtr="0">
           <a:noAutofit/>
         </a:bodyPr>
         <a:lstStyle/>
         <a:p>
-          <a:pPr marL="171450" lvl="1" indent="-171450" algn="l" defTabSz="711200">
+          <a:pPr marL="171450" lvl="1" indent="-171450" algn="l" defTabSz="800100">
             <a:lnSpc>
               <a:spcPct val="90000"/>
             </a:lnSpc>
@@ -3966,17 +3861,17 @@
             <a:spcAft>
               <a:spcPct val="15000"/>
             </a:spcAft>
-            <a:buChar char="••"/>
+            <a:buChar char="•"/>
           </a:pPr>
           <a:r>
-            <a:rPr lang="pt-BR" sz="1600" kern="1200" noProof="0" dirty="0">
+            <a:rPr lang="pt-BR" sz="1800" kern="1200" noProof="0" dirty="0">
               <a:latin typeface="+mj-lt"/>
             </a:rPr>
             <a:t>Distribuição de espécies</a:t>
           </a:r>
         </a:p>
         <a:p>
-          <a:pPr marL="171450" lvl="1" indent="-171450" algn="l" defTabSz="711200">
+          <a:pPr marL="171450" lvl="1" indent="-171450" algn="l" defTabSz="800100">
             <a:lnSpc>
               <a:spcPct val="90000"/>
             </a:lnSpc>
@@ -3986,17 +3881,17 @@
             <a:spcAft>
               <a:spcPct val="15000"/>
             </a:spcAft>
-            <a:buChar char="••"/>
+            <a:buChar char="•"/>
           </a:pPr>
           <a:r>
-            <a:rPr lang="pt-BR" sz="1600" kern="1200" noProof="0" dirty="0">
+            <a:rPr lang="pt-BR" sz="1800" kern="1200" noProof="0" dirty="0">
               <a:latin typeface="+mj-lt"/>
             </a:rPr>
             <a:t>Nicho ecológico </a:t>
           </a:r>
         </a:p>
         <a:p>
-          <a:pPr marL="171450" lvl="1" indent="-171450" algn="l" defTabSz="711200">
+          <a:pPr marL="171450" lvl="1" indent="-171450" algn="l" defTabSz="800100">
             <a:lnSpc>
               <a:spcPct val="90000"/>
             </a:lnSpc>
@@ -4006,22 +3901,22 @@
             <a:spcAft>
               <a:spcPct val="15000"/>
             </a:spcAft>
-            <a:buChar char="••"/>
+            <a:buChar char="•"/>
           </a:pPr>
           <a:r>
-            <a:rPr lang="pt-BR" sz="1600" b="0" i="0" kern="1200" noProof="0" dirty="0">
+            <a:rPr lang="pt-BR" sz="1800" b="0" i="0" kern="1200" noProof="0" dirty="0">
               <a:latin typeface="+mj-lt"/>
             </a:rPr>
             <a:t>Tipos de modelos</a:t>
           </a:r>
-          <a:endParaRPr lang="pt-BR" sz="1600" kern="1200" noProof="0" dirty="0">
+          <a:endParaRPr lang="pt-BR" sz="1800" kern="1200" noProof="0" dirty="0">
             <a:latin typeface="+mj-lt"/>
           </a:endParaRPr>
         </a:p>
       </dsp:txBody>
       <dsp:txXfrm>
-        <a:off x="2503170" y="895078"/>
-        <a:ext cx="2190749" cy="1756800"/>
+        <a:off x="2503170" y="890539"/>
+        <a:ext cx="2190749" cy="2503439"/>
       </dsp:txXfrm>
     </dsp:sp>
     <dsp:sp modelId="{ADACA0E1-9830-504A-819D-FA1ACF8A190B}">
@@ -4031,7 +3926,7 @@
       </dsp:nvSpPr>
       <dsp:spPr>
         <a:xfrm>
-          <a:off x="5000625" y="18778"/>
+          <a:off x="5000625" y="14239"/>
           <a:ext cx="2190749" cy="876300"/>
         </a:xfrm>
         <a:prstGeom prst="rect">
@@ -4074,12 +3969,12 @@
         </a:fontRef>
       </dsp:style>
       <dsp:txBody>
-        <a:bodyPr spcFirstLastPara="0" vert="horz" wrap="square" lIns="113792" tIns="65024" rIns="113792" bIns="65024" numCol="1" spcCol="1270" anchor="ctr" anchorCtr="0">
+        <a:bodyPr spcFirstLastPara="0" vert="horz" wrap="square" lIns="120904" tIns="69088" rIns="120904" bIns="69088" numCol="1" spcCol="1270" anchor="ctr" anchorCtr="0">
           <a:noAutofit/>
         </a:bodyPr>
         <a:lstStyle/>
         <a:p>
-          <a:pPr lvl="0" algn="ctr" defTabSz="711200">
+          <a:pPr marL="0" lvl="0" indent="0" algn="ctr" defTabSz="755650">
             <a:lnSpc>
               <a:spcPct val="90000"/>
             </a:lnSpc>
@@ -4089,21 +3984,22 @@
             <a:spcAft>
               <a:spcPct val="35000"/>
             </a:spcAft>
+            <a:buNone/>
           </a:pPr>
           <a:r>
-            <a:rPr lang="pt-BR" sz="1600" kern="1200" noProof="0" dirty="0">
+            <a:rPr lang="pt-BR" sz="1700" kern="1200" noProof="0" dirty="0">
               <a:latin typeface="+mj-lt"/>
             </a:rPr>
             <a:t>Dia 3 – Bases de dados disponíveis para biologia / ecologia (</a:t>
           </a:r>
           <a:r>
-            <a:rPr lang="pt-BR" sz="1600" kern="1200" noProof="0" dirty="0" err="1">
+            <a:rPr lang="pt-BR" sz="1700" kern="1200" noProof="0" dirty="0" err="1">
               <a:latin typeface="+mj-lt"/>
             </a:rPr>
             <a:t>B</a:t>
           </a:r>
           <a:r>
-            <a:rPr lang="pt-BR" sz="1600" kern="1200" noProof="0" dirty="0">
+            <a:rPr lang="pt-BR" sz="1700" kern="1200" noProof="0" dirty="0">
               <a:latin typeface="+mj-lt"/>
             </a:rPr>
             <a:t>)</a:t>
@@ -4111,7 +4007,7 @@
         </a:p>
       </dsp:txBody>
       <dsp:txXfrm>
-        <a:off x="5000625" y="18778"/>
+        <a:off x="5000625" y="14239"/>
         <a:ext cx="2190749" cy="876300"/>
       </dsp:txXfrm>
     </dsp:sp>
@@ -4122,8 +4018,8 @@
       </dsp:nvSpPr>
       <dsp:spPr>
         <a:xfrm>
-          <a:off x="5000625" y="895078"/>
-          <a:ext cx="2190749" cy="1756800"/>
+          <a:off x="5000625" y="890539"/>
+          <a:ext cx="2190749" cy="2503439"/>
         </a:xfrm>
         <a:prstGeom prst="rect">
           <a:avLst/>
@@ -4167,12 +4063,12 @@
         <a:fontRef idx="minor"/>
       </dsp:style>
       <dsp:txBody>
-        <a:bodyPr spcFirstLastPara="0" vert="horz" wrap="square" lIns="85344" tIns="85344" rIns="113792" bIns="128016" numCol="1" spcCol="1270" anchor="t" anchorCtr="0">
+        <a:bodyPr spcFirstLastPara="0" vert="horz" wrap="square" lIns="96012" tIns="96012" rIns="128016" bIns="144018" numCol="1" spcCol="1270" anchor="t" anchorCtr="0">
           <a:noAutofit/>
         </a:bodyPr>
         <a:lstStyle/>
         <a:p>
-          <a:pPr marL="171450" lvl="1" indent="-171450" algn="l" defTabSz="711200">
+          <a:pPr marL="171450" lvl="1" indent="-171450" algn="l" defTabSz="800100">
             <a:lnSpc>
               <a:spcPct val="90000"/>
             </a:lnSpc>
@@ -4182,17 +4078,17 @@
             <a:spcAft>
               <a:spcPct val="15000"/>
             </a:spcAft>
-            <a:buChar char="••"/>
+            <a:buChar char="•"/>
           </a:pPr>
           <a:r>
-            <a:rPr lang="pt-BR" sz="1600" kern="1200" noProof="0" dirty="0">
+            <a:rPr lang="pt-BR" sz="1800" kern="1200" noProof="0" dirty="0">
               <a:latin typeface="+mj-lt"/>
             </a:rPr>
             <a:t>Principais bases de dados de ocorrências</a:t>
           </a:r>
         </a:p>
         <a:p>
-          <a:pPr marL="171450" lvl="1" indent="-171450" algn="l" defTabSz="711200">
+          <a:pPr marL="171450" lvl="1" indent="-171450" algn="l" defTabSz="800100">
             <a:lnSpc>
               <a:spcPct val="90000"/>
             </a:lnSpc>
@@ -4202,42 +4098,19 @@
             <a:spcAft>
               <a:spcPct val="15000"/>
             </a:spcAft>
-            <a:buChar char="••"/>
+            <a:buChar char="•"/>
           </a:pPr>
           <a:r>
-            <a:rPr lang="pt-BR" sz="1600" kern="1200" noProof="0" dirty="0">
+            <a:rPr lang="pt-BR" sz="1800" kern="1200" noProof="0" dirty="0">
               <a:latin typeface="+mj-lt"/>
             </a:rPr>
             <a:t>Principais bases de dados ambientais</a:t>
           </a:r>
         </a:p>
-        <a:p>
-          <a:pPr marL="171450" lvl="1" indent="-171450" algn="l" defTabSz="711200">
-            <a:lnSpc>
-              <a:spcPct val="90000"/>
-            </a:lnSpc>
-            <a:spcBef>
-              <a:spcPct val="0"/>
-            </a:spcBef>
-            <a:spcAft>
-              <a:spcPct val="15000"/>
-            </a:spcAft>
-            <a:buChar char="••"/>
-          </a:pPr>
-          <a:r>
-            <a:rPr lang="pt-BR" sz="1600" kern="1200" noProof="0" dirty="0" smtClean="0">
-              <a:latin typeface="+mj-lt"/>
-            </a:rPr>
-            <a:t>Download de dados</a:t>
-          </a:r>
-          <a:endParaRPr lang="pt-BR" sz="1600" kern="1200" noProof="0" dirty="0">
-            <a:latin typeface="+mj-lt"/>
-          </a:endParaRPr>
-        </a:p>
       </dsp:txBody>
       <dsp:txXfrm>
-        <a:off x="5000625" y="895078"/>
-        <a:ext cx="2190749" cy="1756800"/>
+        <a:off x="5000625" y="890539"/>
+        <a:ext cx="2190749" cy="2503439"/>
       </dsp:txXfrm>
     </dsp:sp>
     <dsp:sp modelId="{4B864F2B-A171-CA4C-8EC7-98380C9D7AAC}">
@@ -4247,7 +4120,7 @@
       </dsp:nvSpPr>
       <dsp:spPr>
         <a:xfrm>
-          <a:off x="7498080" y="18778"/>
+          <a:off x="7498080" y="14239"/>
           <a:ext cx="2190749" cy="876300"/>
         </a:xfrm>
         <a:prstGeom prst="rect">
@@ -4290,12 +4163,12 @@
         </a:fontRef>
       </dsp:style>
       <dsp:txBody>
-        <a:bodyPr spcFirstLastPara="0" vert="horz" wrap="square" lIns="113792" tIns="65024" rIns="113792" bIns="65024" numCol="1" spcCol="1270" anchor="ctr" anchorCtr="0">
+        <a:bodyPr spcFirstLastPara="0" vert="horz" wrap="square" lIns="128016" tIns="73152" rIns="128016" bIns="73152" numCol="1" spcCol="1270" anchor="ctr" anchorCtr="0">
           <a:noAutofit/>
         </a:bodyPr>
         <a:lstStyle/>
         <a:p>
-          <a:pPr lvl="0" algn="ctr" defTabSz="711200">
+          <a:pPr marL="0" lvl="0" indent="0" algn="ctr" defTabSz="800100">
             <a:lnSpc>
               <a:spcPct val="90000"/>
             </a:lnSpc>
@@ -4305,9 +4178,10 @@
             <a:spcAft>
               <a:spcPct val="35000"/>
             </a:spcAft>
+            <a:buNone/>
           </a:pPr>
           <a:r>
-            <a:rPr lang="pt-BR" sz="1600" kern="1200" noProof="0" dirty="0">
+            <a:rPr lang="pt-BR" sz="1800" kern="1200" noProof="0" dirty="0">
               <a:latin typeface="+mj-lt"/>
             </a:rPr>
             <a:t>Dia 4 – Modelos de Distribuição de Espécies (J+B)</a:t>
@@ -4315,7 +4189,7 @@
         </a:p>
       </dsp:txBody>
       <dsp:txXfrm>
-        <a:off x="7498080" y="18778"/>
+        <a:off x="7498080" y="14239"/>
         <a:ext cx="2190749" cy="876300"/>
       </dsp:txXfrm>
     </dsp:sp>
@@ -4326,8 +4200,8 @@
       </dsp:nvSpPr>
       <dsp:spPr>
         <a:xfrm>
-          <a:off x="7498080" y="895078"/>
-          <a:ext cx="2190749" cy="1756800"/>
+          <a:off x="7498080" y="890539"/>
+          <a:ext cx="2190749" cy="2503439"/>
         </a:xfrm>
         <a:prstGeom prst="rect">
           <a:avLst/>
@@ -4371,12 +4245,12 @@
         <a:fontRef idx="minor"/>
       </dsp:style>
       <dsp:txBody>
-        <a:bodyPr spcFirstLastPara="0" vert="horz" wrap="square" lIns="85344" tIns="85344" rIns="113792" bIns="128016" numCol="1" spcCol="1270" anchor="t" anchorCtr="0">
+        <a:bodyPr spcFirstLastPara="0" vert="horz" wrap="square" lIns="96012" tIns="96012" rIns="128016" bIns="144018" numCol="1" spcCol="1270" anchor="t" anchorCtr="0">
           <a:noAutofit/>
         </a:bodyPr>
         <a:lstStyle/>
         <a:p>
-          <a:pPr marL="171450" lvl="1" indent="-171450" algn="l" defTabSz="711200">
+          <a:pPr marL="171450" lvl="1" indent="-171450" algn="l" defTabSz="800100">
             <a:lnSpc>
               <a:spcPct val="90000"/>
             </a:lnSpc>
@@ -4386,31 +4260,31 @@
             <a:spcAft>
               <a:spcPct val="15000"/>
             </a:spcAft>
-            <a:buChar char="••"/>
+            <a:buChar char="•"/>
           </a:pPr>
           <a:r>
-            <a:rPr lang="pt-BR" sz="1600" kern="1200" noProof="0" dirty="0">
+            <a:rPr lang="pt-BR" sz="1800" kern="1200" noProof="0" dirty="0">
               <a:latin typeface="+mj-lt"/>
             </a:rPr>
-            <a:t>Introdução a Modelos de Distribuição de Espécies </a:t>
+            <a:t>Introdução a Modelos de Distribuição de Espécies em </a:t>
           </a:r>
           <a:r>
-            <a:rPr lang="pt-BR" sz="1600" kern="1200" noProof="0" dirty="0" smtClean="0">
+            <a:rPr lang="pt-BR" sz="1800" kern="1200" noProof="0" dirty="0" err="1">
               <a:latin typeface="+mj-lt"/>
             </a:rPr>
-            <a:t>(MDE) em </a:t>
+            <a:t>R</a:t>
           </a:r>
           <a:r>
-            <a:rPr lang="pt-BR" sz="1600" kern="1200" noProof="0" dirty="0">
+            <a:rPr lang="pt-BR" sz="1800" kern="1200" noProof="0" dirty="0">
               <a:latin typeface="+mj-lt"/>
             </a:rPr>
-            <a:t>R (J)</a:t>
+            <a:t> (J+B)</a:t>
           </a:r>
         </a:p>
       </dsp:txBody>
       <dsp:txXfrm>
-        <a:off x="7498080" y="895078"/>
-        <a:ext cx="2190749" cy="1756800"/>
+        <a:off x="7498080" y="890539"/>
+        <a:ext cx="2190749" cy="2503439"/>
       </dsp:txXfrm>
     </dsp:sp>
     <dsp:sp modelId="{3D66253D-95FC-7548-B49C-8D3767F33B71}">
@@ -4420,7 +4294,7 @@
       </dsp:nvSpPr>
       <dsp:spPr>
         <a:xfrm>
-          <a:off x="9995535" y="18778"/>
+          <a:off x="9995535" y="14239"/>
           <a:ext cx="2190749" cy="876300"/>
         </a:xfrm>
         <a:prstGeom prst="rect">
@@ -4463,12 +4337,12 @@
         </a:fontRef>
       </dsp:style>
       <dsp:txBody>
-        <a:bodyPr spcFirstLastPara="0" vert="horz" wrap="square" lIns="113792" tIns="65024" rIns="113792" bIns="65024" numCol="1" spcCol="1270" anchor="ctr" anchorCtr="0">
+        <a:bodyPr spcFirstLastPara="0" vert="horz" wrap="square" lIns="128016" tIns="73152" rIns="128016" bIns="73152" numCol="1" spcCol="1270" anchor="ctr" anchorCtr="0">
           <a:noAutofit/>
         </a:bodyPr>
         <a:lstStyle/>
         <a:p>
-          <a:pPr lvl="0" algn="ctr" defTabSz="711200">
+          <a:pPr marL="0" lvl="0" indent="0" algn="ctr" defTabSz="800100">
             <a:lnSpc>
               <a:spcPct val="90000"/>
             </a:lnSpc>
@@ -4478,9 +4352,10 @@
             <a:spcAft>
               <a:spcPct val="35000"/>
             </a:spcAft>
+            <a:buNone/>
           </a:pPr>
           <a:r>
-            <a:rPr lang="pt-BR" sz="1600" kern="1200" noProof="0" dirty="0">
+            <a:rPr lang="pt-BR" sz="1800" kern="1200" noProof="0" dirty="0">
               <a:latin typeface="+mj-lt"/>
             </a:rPr>
             <a:t>Dia 4 - Conclusão de curso</a:t>
@@ -4488,7 +4363,7 @@
         </a:p>
       </dsp:txBody>
       <dsp:txXfrm>
-        <a:off x="9995535" y="18778"/>
+        <a:off x="9995535" y="14239"/>
         <a:ext cx="2190749" cy="876300"/>
       </dsp:txXfrm>
     </dsp:sp>
@@ -4499,8 +4374,8 @@
       </dsp:nvSpPr>
       <dsp:spPr>
         <a:xfrm>
-          <a:off x="9995535" y="895078"/>
-          <a:ext cx="2190749" cy="1756800"/>
+          <a:off x="9995535" y="890539"/>
+          <a:ext cx="2190749" cy="2503439"/>
         </a:xfrm>
         <a:prstGeom prst="rect">
           <a:avLst/>
@@ -4544,12 +4419,12 @@
         <a:fontRef idx="minor"/>
       </dsp:style>
       <dsp:txBody>
-        <a:bodyPr spcFirstLastPara="0" vert="horz" wrap="square" lIns="85344" tIns="85344" rIns="113792" bIns="128016" numCol="1" spcCol="1270" anchor="t" anchorCtr="0">
+        <a:bodyPr spcFirstLastPara="0" vert="horz" wrap="square" lIns="96012" tIns="96012" rIns="128016" bIns="144018" numCol="1" spcCol="1270" anchor="t" anchorCtr="0">
           <a:noAutofit/>
         </a:bodyPr>
         <a:lstStyle/>
         <a:p>
-          <a:pPr marL="171450" lvl="1" indent="-171450" algn="l" defTabSz="711200">
+          <a:pPr marL="171450" lvl="1" indent="-171450" algn="l" defTabSz="800100">
             <a:lnSpc>
               <a:spcPct val="90000"/>
             </a:lnSpc>
@@ -4559,10 +4434,10 @@
             <a:spcAft>
               <a:spcPct val="15000"/>
             </a:spcAft>
-            <a:buChar char="••"/>
+            <a:buChar char="•"/>
           </a:pPr>
           <a:r>
-            <a:rPr lang="pt-BR" sz="1600" kern="1200" noProof="0" dirty="0">
+            <a:rPr lang="pt-BR" sz="1800" kern="1200" noProof="0" dirty="0">
               <a:latin typeface="+mj-lt"/>
             </a:rPr>
             <a:t>Conclusão de curso</a:t>
@@ -4570,8 +4445,8 @@
         </a:p>
       </dsp:txBody>
       <dsp:txXfrm>
-        <a:off x="9995535" y="895078"/>
-        <a:ext cx="2190749" cy="1756800"/>
+        <a:off x="9995535" y="890539"/>
+        <a:ext cx="2190749" cy="2503439"/>
       </dsp:txXfrm>
     </dsp:sp>
   </dsp:spTree>
@@ -4593,7 +4468,7 @@
       </dsp:nvSpPr>
       <dsp:spPr>
         <a:xfrm>
-          <a:off x="5715" y="6442"/>
+          <a:off x="5715" y="14239"/>
           <a:ext cx="2190749" cy="876300"/>
         </a:xfrm>
         <a:prstGeom prst="rect">
@@ -4636,12 +4511,12 @@
         </a:fontRef>
       </dsp:style>
       <dsp:txBody>
-        <a:bodyPr spcFirstLastPara="0" vert="horz" wrap="square" lIns="113792" tIns="65024" rIns="113792" bIns="65024" numCol="1" spcCol="1270" anchor="ctr" anchorCtr="0">
+        <a:bodyPr spcFirstLastPara="0" vert="horz" wrap="square" lIns="128016" tIns="73152" rIns="128016" bIns="73152" numCol="1" spcCol="1270" anchor="ctr" anchorCtr="0">
           <a:noAutofit/>
         </a:bodyPr>
         <a:lstStyle/>
         <a:p>
-          <a:pPr lvl="0" algn="ctr" defTabSz="711200">
+          <a:pPr marL="0" lvl="0" indent="0" algn="ctr" defTabSz="800100">
             <a:lnSpc>
               <a:spcPct val="90000"/>
             </a:lnSpc>
@@ -4651,9 +4526,10 @@
             <a:spcAft>
               <a:spcPct val="35000"/>
             </a:spcAft>
+            <a:buNone/>
           </a:pPr>
           <a:r>
-            <a:rPr lang="pt-BR" sz="1600" kern="1200" noProof="0" dirty="0">
+            <a:rPr lang="pt-BR" sz="1800" kern="1200" noProof="0" dirty="0">
               <a:latin typeface="+mj-lt"/>
             </a:rPr>
             <a:t>Dia 1 - Introdução</a:t>
@@ -4661,7 +4537,7 @@
         </a:p>
       </dsp:txBody>
       <dsp:txXfrm>
-        <a:off x="5715" y="6442"/>
+        <a:off x="5715" y="14239"/>
         <a:ext cx="2190749" cy="876300"/>
       </dsp:txXfrm>
     </dsp:sp>
@@ -4672,8 +4548,8 @@
       </dsp:nvSpPr>
       <dsp:spPr>
         <a:xfrm>
-          <a:off x="5715" y="882742"/>
-          <a:ext cx="2190749" cy="2239920"/>
+          <a:off x="5715" y="890539"/>
+          <a:ext cx="2190749" cy="2503439"/>
         </a:xfrm>
         <a:prstGeom prst="rect">
           <a:avLst/>
@@ -4717,12 +4593,12 @@
         <a:fontRef idx="minor"/>
       </dsp:style>
       <dsp:txBody>
-        <a:bodyPr spcFirstLastPara="0" vert="horz" wrap="square" lIns="85344" tIns="85344" rIns="113792" bIns="128016" numCol="1" spcCol="1270" anchor="t" anchorCtr="0">
+        <a:bodyPr spcFirstLastPara="0" vert="horz" wrap="square" lIns="96012" tIns="96012" rIns="128016" bIns="144018" numCol="1" spcCol="1270" anchor="t" anchorCtr="0">
           <a:noAutofit/>
         </a:bodyPr>
         <a:lstStyle/>
         <a:p>
-          <a:pPr marL="171450" lvl="1" indent="-171450" algn="l" defTabSz="711200">
+          <a:pPr marL="171450" lvl="1" indent="-171450" algn="l" defTabSz="800100">
             <a:lnSpc>
               <a:spcPct val="90000"/>
             </a:lnSpc>
@@ -4732,29 +4608,29 @@
             <a:spcAft>
               <a:spcPct val="15000"/>
             </a:spcAft>
-            <a:buChar char="••"/>
+            <a:buChar char="•"/>
           </a:pPr>
           <a:r>
-            <a:rPr lang="pt-BR" sz="1600" kern="1200" noProof="0" dirty="0">
+            <a:rPr lang="pt-BR" sz="1800" kern="1200" noProof="0" dirty="0">
               <a:latin typeface="+mj-lt"/>
             </a:rPr>
             <a:t>Estrutura do </a:t>
           </a:r>
           <a:r>
-            <a:rPr lang="pt-BR" sz="1600" kern="1200" noProof="0" dirty="0" err="1">
+            <a:rPr lang="pt-BR" sz="1800" kern="1200" noProof="0" dirty="0" err="1">
               <a:latin typeface="+mj-lt"/>
             </a:rPr>
             <a:t>repo</a:t>
           </a:r>
           <a:r>
-            <a:rPr lang="pt-BR" sz="1600" kern="1200" noProof="0" dirty="0">
+            <a:rPr lang="pt-BR" sz="1800" kern="1200" noProof="0" dirty="0">
               <a:latin typeface="+mj-lt"/>
             </a:rPr>
             <a:t>. (J)</a:t>
           </a:r>
         </a:p>
         <a:p>
-          <a:pPr marL="171450" lvl="1" indent="-171450" algn="l" defTabSz="711200">
+          <a:pPr marL="171450" lvl="1" indent="-171450" algn="l" defTabSz="800100">
             <a:lnSpc>
               <a:spcPct val="90000"/>
             </a:lnSpc>
@@ -4764,44 +4640,44 @@
             <a:spcAft>
               <a:spcPct val="15000"/>
             </a:spcAft>
-            <a:buChar char="••"/>
+            <a:buChar char="•"/>
           </a:pPr>
           <a:r>
-            <a:rPr lang="pt-BR" sz="1600" b="0" i="0" kern="1200" noProof="0" dirty="0">
+            <a:rPr lang="pt-BR" sz="1800" b="0" i="0" kern="1200" noProof="0" dirty="0">
               <a:latin typeface="+mj-lt"/>
             </a:rPr>
             <a:t>Linguagem </a:t>
           </a:r>
           <a:r>
-            <a:rPr lang="pt-BR" sz="1600" b="0" i="0" kern="1200" noProof="0" dirty="0" err="1">
+            <a:rPr lang="pt-BR" sz="1800" b="0" i="0" kern="1200" noProof="0" dirty="0" err="1">
               <a:latin typeface="+mj-lt"/>
             </a:rPr>
             <a:t>R</a:t>
           </a:r>
           <a:r>
-            <a:rPr lang="pt-BR" sz="1600" b="0" i="0" kern="1200" noProof="0" dirty="0">
+            <a:rPr lang="pt-BR" sz="1800" b="0" i="0" kern="1200" noProof="0" dirty="0">
               <a:latin typeface="+mj-lt"/>
             </a:rPr>
             <a:t> para este curso (</a:t>
           </a:r>
           <a:r>
-            <a:rPr lang="pt-BR" sz="1600" b="0" i="0" kern="1200" noProof="0" dirty="0" err="1">
+            <a:rPr lang="pt-BR" sz="1800" b="0" i="0" kern="1200" noProof="0" dirty="0" err="1">
               <a:latin typeface="+mj-lt"/>
             </a:rPr>
             <a:t>B</a:t>
           </a:r>
           <a:r>
-            <a:rPr lang="pt-BR" sz="1600" b="0" i="0" kern="1200" noProof="0" dirty="0">
+            <a:rPr lang="pt-BR" sz="1800" b="0" i="0" kern="1200" noProof="0" dirty="0">
               <a:latin typeface="+mj-lt"/>
             </a:rPr>
             <a:t>)</a:t>
           </a:r>
-          <a:endParaRPr lang="pt-BR" sz="1600" kern="1200" noProof="0" dirty="0">
+          <a:endParaRPr lang="pt-BR" sz="1800" kern="1200" noProof="0" dirty="0">
             <a:latin typeface="+mj-lt"/>
           </a:endParaRPr>
         </a:p>
         <a:p>
-          <a:pPr marL="171450" lvl="1" indent="-171450" algn="l" defTabSz="711200">
+          <a:pPr marL="171450" lvl="1" indent="-171450" algn="l" defTabSz="800100">
             <a:lnSpc>
               <a:spcPct val="90000"/>
             </a:lnSpc>
@@ -4811,22 +4687,22 @@
             <a:spcAft>
               <a:spcPct val="15000"/>
             </a:spcAft>
-            <a:buChar char="••"/>
+            <a:buChar char="•"/>
           </a:pPr>
           <a:r>
-            <a:rPr lang="pt-BR" sz="1600" b="0" i="0" kern="1200" noProof="0" dirty="0">
+            <a:rPr lang="pt-BR" sz="1800" b="0" i="0" kern="1200" noProof="0" dirty="0">
               <a:latin typeface="+mj-lt"/>
             </a:rPr>
             <a:t>Introdução à GitHub (J+B)</a:t>
           </a:r>
-          <a:endParaRPr lang="pt-BR" sz="1600" kern="1200" noProof="0" dirty="0">
+          <a:endParaRPr lang="pt-BR" sz="1800" kern="1200" noProof="0" dirty="0">
             <a:latin typeface="+mj-lt"/>
           </a:endParaRPr>
         </a:p>
       </dsp:txBody>
       <dsp:txXfrm>
-        <a:off x="5715" y="882742"/>
-        <a:ext cx="2190749" cy="2239920"/>
+        <a:off x="5715" y="890539"/>
+        <a:ext cx="2190749" cy="2503439"/>
       </dsp:txXfrm>
     </dsp:sp>
     <dsp:sp modelId="{ECE4CE78-598F-7349-8860-765FB74D8A57}">
@@ -4836,7 +4712,7 @@
       </dsp:nvSpPr>
       <dsp:spPr>
         <a:xfrm>
-          <a:off x="2503170" y="6442"/>
+          <a:off x="2503170" y="14239"/>
           <a:ext cx="2190749" cy="876300"/>
         </a:xfrm>
         <a:prstGeom prst="rect">
@@ -4879,12 +4755,12 @@
         </a:fontRef>
       </dsp:style>
       <dsp:txBody>
-        <a:bodyPr spcFirstLastPara="0" vert="horz" wrap="square" lIns="113792" tIns="65024" rIns="113792" bIns="65024" numCol="1" spcCol="1270" anchor="ctr" anchorCtr="0">
+        <a:bodyPr spcFirstLastPara="0" vert="horz" wrap="square" lIns="128016" tIns="73152" rIns="128016" bIns="73152" numCol="1" spcCol="1270" anchor="ctr" anchorCtr="0">
           <a:noAutofit/>
         </a:bodyPr>
         <a:lstStyle/>
         <a:p>
-          <a:pPr lvl="0" algn="ctr" defTabSz="711200">
+          <a:pPr marL="0" lvl="0" indent="0" algn="ctr" defTabSz="800100">
             <a:lnSpc>
               <a:spcPct val="90000"/>
             </a:lnSpc>
@@ -4894,9 +4770,10 @@
             <a:spcAft>
               <a:spcPct val="35000"/>
             </a:spcAft>
+            <a:buNone/>
           </a:pPr>
           <a:r>
-            <a:rPr lang="pt-BR" sz="1600" kern="1200" noProof="0" dirty="0">
+            <a:rPr lang="pt-BR" sz="1800" kern="1200" noProof="0" dirty="0">
               <a:latin typeface="+mj-lt"/>
             </a:rPr>
             <a:t>Dia 2 – Analise de dados</a:t>
@@ -4904,7 +4781,7 @@
         </a:p>
       </dsp:txBody>
       <dsp:txXfrm>
-        <a:off x="2503170" y="6442"/>
+        <a:off x="2503170" y="14239"/>
         <a:ext cx="2190749" cy="876300"/>
       </dsp:txXfrm>
     </dsp:sp>
@@ -4915,8 +4792,8 @@
       </dsp:nvSpPr>
       <dsp:spPr>
         <a:xfrm>
-          <a:off x="2503170" y="882742"/>
-          <a:ext cx="2190749" cy="2239920"/>
+          <a:off x="2503170" y="890539"/>
+          <a:ext cx="2190749" cy="2503439"/>
         </a:xfrm>
         <a:prstGeom prst="rect">
           <a:avLst/>
@@ -4960,12 +4837,12 @@
         <a:fontRef idx="minor"/>
       </dsp:style>
       <dsp:txBody>
-        <a:bodyPr spcFirstLastPara="0" vert="horz" wrap="square" lIns="85344" tIns="85344" rIns="113792" bIns="128016" numCol="1" spcCol="1270" anchor="t" anchorCtr="0">
+        <a:bodyPr spcFirstLastPara="0" vert="horz" wrap="square" lIns="96012" tIns="96012" rIns="128016" bIns="144018" numCol="1" spcCol="1270" anchor="t" anchorCtr="0">
           <a:noAutofit/>
         </a:bodyPr>
         <a:lstStyle/>
         <a:p>
-          <a:pPr marL="171450" lvl="1" indent="-171450" algn="l" defTabSz="711200">
+          <a:pPr marL="171450" lvl="1" indent="-171450" algn="l" defTabSz="800100">
             <a:lnSpc>
               <a:spcPct val="90000"/>
             </a:lnSpc>
@@ -4975,41 +4852,41 @@
             <a:spcAft>
               <a:spcPct val="15000"/>
             </a:spcAft>
-            <a:buChar char="••"/>
+            <a:buChar char="•"/>
           </a:pPr>
           <a:r>
-            <a:rPr lang="pt-BR" sz="1600" kern="1200" noProof="0" dirty="0">
+            <a:rPr lang="pt-BR" sz="1800" kern="1200" noProof="0" dirty="0">
               <a:latin typeface="+mj-lt"/>
             </a:rPr>
             <a:t>Análises de dados em </a:t>
           </a:r>
           <a:r>
-            <a:rPr lang="pt-BR" sz="1600" kern="1200" noProof="0" dirty="0" err="1">
+            <a:rPr lang="pt-BR" sz="1800" kern="1200" noProof="0" dirty="0" err="1">
               <a:latin typeface="+mj-lt"/>
             </a:rPr>
             <a:t>R</a:t>
           </a:r>
           <a:r>
-            <a:rPr lang="pt-BR" sz="1600" kern="1200" noProof="0" dirty="0">
+            <a:rPr lang="pt-BR" sz="1800" kern="1200" noProof="0" dirty="0">
               <a:latin typeface="+mj-lt"/>
             </a:rPr>
             <a:t> (</a:t>
           </a:r>
           <a:r>
-            <a:rPr lang="pt-BR" sz="1600" kern="1200" noProof="0" dirty="0" err="1">
+            <a:rPr lang="pt-BR" sz="1800" kern="1200" noProof="0" dirty="0" err="1">
               <a:latin typeface="+mj-lt"/>
             </a:rPr>
             <a:t>B</a:t>
           </a:r>
           <a:r>
-            <a:rPr lang="pt-BR" sz="1600" kern="1200" noProof="0" dirty="0">
+            <a:rPr lang="pt-BR" sz="1800" kern="1200" noProof="0" dirty="0">
               <a:latin typeface="+mj-lt"/>
             </a:rPr>
             <a:t>)</a:t>
           </a:r>
         </a:p>
         <a:p>
-          <a:pPr marL="171450" lvl="1" indent="-171450" algn="l" defTabSz="711200">
+          <a:pPr marL="171450" lvl="1" indent="-171450" algn="l" defTabSz="800100">
             <a:lnSpc>
               <a:spcPct val="90000"/>
             </a:lnSpc>
@@ -5019,22 +4896,22 @@
             <a:spcAft>
               <a:spcPct val="15000"/>
             </a:spcAft>
-            <a:buChar char="••"/>
+            <a:buChar char="•"/>
           </a:pPr>
           <a:r>
-            <a:rPr lang="pt-BR" sz="1600" kern="1200" noProof="0" dirty="0">
+            <a:rPr lang="pt-BR" sz="1800" kern="1200" noProof="0" dirty="0">
               <a:latin typeface="+mj-lt"/>
             </a:rPr>
             <a:t>Construindo mapas em </a:t>
           </a:r>
           <a:r>
-            <a:rPr lang="pt-BR" sz="1600" kern="1200" noProof="0" dirty="0" err="1">
+            <a:rPr lang="pt-BR" sz="1800" kern="1200" noProof="0" dirty="0" err="1">
               <a:latin typeface="+mj-lt"/>
             </a:rPr>
             <a:t>R</a:t>
           </a:r>
           <a:r>
-            <a:rPr lang="pt-BR" sz="1600" kern="1200" noProof="0" dirty="0">
+            <a:rPr lang="pt-BR" sz="1800" kern="1200" noProof="0" dirty="0">
               <a:latin typeface="+mj-lt"/>
             </a:rPr>
             <a:t> (J)</a:t>
@@ -5042,8 +4919,8 @@
         </a:p>
       </dsp:txBody>
       <dsp:txXfrm>
-        <a:off x="2503170" y="882742"/>
-        <a:ext cx="2190749" cy="2239920"/>
+        <a:off x="2503170" y="890539"/>
+        <a:ext cx="2190749" cy="2503439"/>
       </dsp:txXfrm>
     </dsp:sp>
     <dsp:sp modelId="{ADACA0E1-9830-504A-819D-FA1ACF8A190B}">
@@ -5053,7 +4930,7 @@
       </dsp:nvSpPr>
       <dsp:spPr>
         <a:xfrm>
-          <a:off x="5000625" y="6442"/>
+          <a:off x="5000625" y="14239"/>
           <a:ext cx="2190749" cy="876300"/>
         </a:xfrm>
         <a:prstGeom prst="rect">
@@ -5096,12 +4973,12 @@
         </a:fontRef>
       </dsp:style>
       <dsp:txBody>
-        <a:bodyPr spcFirstLastPara="0" vert="horz" wrap="square" lIns="113792" tIns="65024" rIns="113792" bIns="65024" numCol="1" spcCol="1270" anchor="ctr" anchorCtr="0">
+        <a:bodyPr spcFirstLastPara="0" vert="horz" wrap="square" lIns="128016" tIns="73152" rIns="128016" bIns="73152" numCol="1" spcCol="1270" anchor="ctr" anchorCtr="0">
           <a:noAutofit/>
         </a:bodyPr>
         <a:lstStyle/>
         <a:p>
-          <a:pPr lvl="0" algn="ctr" defTabSz="711200">
+          <a:pPr marL="0" lvl="0" indent="0" algn="ctr" defTabSz="800100">
             <a:lnSpc>
               <a:spcPct val="90000"/>
             </a:lnSpc>
@@ -5111,21 +4988,22 @@
             <a:spcAft>
               <a:spcPct val="35000"/>
             </a:spcAft>
+            <a:buNone/>
           </a:pPr>
           <a:r>
-            <a:rPr lang="pt-BR" sz="1600" kern="1200" noProof="0" dirty="0">
+            <a:rPr lang="pt-BR" sz="1800" kern="1200" noProof="0" dirty="0">
               <a:latin typeface="+mj-lt"/>
             </a:rPr>
             <a:t>Dia 3 – Bases de dados disponíveis (</a:t>
           </a:r>
           <a:r>
-            <a:rPr lang="pt-BR" sz="1600" kern="1200" noProof="0" dirty="0" err="1">
+            <a:rPr lang="pt-BR" sz="1800" kern="1200" noProof="0" dirty="0" err="1">
               <a:latin typeface="+mj-lt"/>
             </a:rPr>
             <a:t>B</a:t>
           </a:r>
           <a:r>
-            <a:rPr lang="pt-BR" sz="1600" kern="1200" noProof="0" dirty="0">
+            <a:rPr lang="pt-BR" sz="1800" kern="1200" noProof="0" dirty="0">
               <a:latin typeface="+mj-lt"/>
             </a:rPr>
             <a:t>)</a:t>
@@ -5133,7 +5011,7 @@
         </a:p>
       </dsp:txBody>
       <dsp:txXfrm>
-        <a:off x="5000625" y="6442"/>
+        <a:off x="5000625" y="14239"/>
         <a:ext cx="2190749" cy="876300"/>
       </dsp:txXfrm>
     </dsp:sp>
@@ -5144,8 +5022,8 @@
       </dsp:nvSpPr>
       <dsp:spPr>
         <a:xfrm>
-          <a:off x="5000625" y="882742"/>
-          <a:ext cx="2190749" cy="2239920"/>
+          <a:off x="5000625" y="890539"/>
+          <a:ext cx="2190749" cy="2503439"/>
         </a:xfrm>
         <a:prstGeom prst="rect">
           <a:avLst/>
@@ -5189,12 +5067,12 @@
         <a:fontRef idx="minor"/>
       </dsp:style>
       <dsp:txBody>
-        <a:bodyPr spcFirstLastPara="0" vert="horz" wrap="square" lIns="85344" tIns="85344" rIns="113792" bIns="128016" numCol="1" spcCol="1270" anchor="t" anchorCtr="0">
+        <a:bodyPr spcFirstLastPara="0" vert="horz" wrap="square" lIns="96012" tIns="96012" rIns="128016" bIns="144018" numCol="1" spcCol="1270" anchor="t" anchorCtr="0">
           <a:noAutofit/>
         </a:bodyPr>
         <a:lstStyle/>
         <a:p>
-          <a:pPr marL="171450" lvl="1" indent="-171450" algn="l" defTabSz="711200">
+          <a:pPr marL="171450" lvl="1" indent="-171450" algn="l" defTabSz="800100">
             <a:lnSpc>
               <a:spcPct val="90000"/>
             </a:lnSpc>
@@ -5204,22 +5082,59 @@
             <a:spcAft>
               <a:spcPct val="15000"/>
             </a:spcAft>
-            <a:buChar char="••"/>
+            <a:buChar char="•"/>
           </a:pPr>
           <a:r>
-            <a:rPr lang="pt-BR" sz="1600" kern="1200" noProof="0" dirty="0" smtClean="0">
+            <a:rPr lang="pt-BR" sz="1800" kern="1200" noProof="0" dirty="0">
+              <a:latin typeface="+mj-lt"/>
+            </a:rPr>
+            <a:t>Como interagir com as bases</a:t>
+          </a:r>
+        </a:p>
+        <a:p>
+          <a:pPr marL="171450" lvl="1" indent="-171450" algn="l" defTabSz="800100">
+            <a:lnSpc>
+              <a:spcPct val="90000"/>
+            </a:lnSpc>
+            <a:spcBef>
+              <a:spcPct val="0"/>
+            </a:spcBef>
+            <a:spcAft>
+              <a:spcPct val="15000"/>
+            </a:spcAft>
+            <a:buChar char="•"/>
+          </a:pPr>
+          <a:r>
+            <a:rPr lang="pt-BR" sz="1800" kern="1200" noProof="0" dirty="0">
+              <a:latin typeface="+mj-lt"/>
+            </a:rPr>
+            <a:t>Download de dados ambientais e de ocorrência</a:t>
+          </a:r>
+        </a:p>
+        <a:p>
+          <a:pPr marL="171450" lvl="1" indent="-171450" algn="l" defTabSz="800100">
+            <a:lnSpc>
+              <a:spcPct val="90000"/>
+            </a:lnSpc>
+            <a:spcBef>
+              <a:spcPct val="0"/>
+            </a:spcBef>
+            <a:spcAft>
+              <a:spcPct val="15000"/>
+            </a:spcAft>
+            <a:buChar char="•"/>
+          </a:pPr>
+          <a:r>
+            <a:rPr lang="pt-BR" sz="1800" kern="1200" noProof="0" dirty="0">
               <a:latin typeface="+mj-lt"/>
             </a:rPr>
             <a:t>Limpeza de dados de ocorrência </a:t>
           </a:r>
-          <a:endParaRPr lang="pt-BR" sz="1600" kern="1200" noProof="0" dirty="0">
-            <a:latin typeface="+mj-lt"/>
-          </a:endParaRPr>
         </a:p>
       </dsp:txBody>
       <dsp:txXfrm>
-        <a:off x="5000625" y="882742"/>
-        <a:ext cx="2190749" cy="2239920"/>
+        <a:off x="5000625" y="890539"/>
+        <a:ext cx="2190749" cy="2503439"/>
       </dsp:txXfrm>
     </dsp:sp>
     <dsp:sp modelId="{4B864F2B-A171-CA4C-8EC7-98380C9D7AAC}">
@@ -5229,7 +5144,7 @@
       </dsp:nvSpPr>
       <dsp:spPr>
         <a:xfrm>
-          <a:off x="7498080" y="6442"/>
+          <a:off x="7498080" y="14239"/>
           <a:ext cx="2190749" cy="876300"/>
         </a:xfrm>
         <a:prstGeom prst="rect">
@@ -5272,12 +5187,12 @@
         </a:fontRef>
       </dsp:style>
       <dsp:txBody>
-        <a:bodyPr spcFirstLastPara="0" vert="horz" wrap="square" lIns="113792" tIns="65024" rIns="113792" bIns="65024" numCol="1" spcCol="1270" anchor="ctr" anchorCtr="0">
+        <a:bodyPr spcFirstLastPara="0" vert="horz" wrap="square" lIns="128016" tIns="73152" rIns="128016" bIns="73152" numCol="1" spcCol="1270" anchor="ctr" anchorCtr="0">
           <a:noAutofit/>
         </a:bodyPr>
         <a:lstStyle/>
         <a:p>
-          <a:pPr lvl="0" algn="ctr" defTabSz="711200">
+          <a:pPr marL="0" lvl="0" indent="0" algn="ctr" defTabSz="800100">
             <a:lnSpc>
               <a:spcPct val="90000"/>
             </a:lnSpc>
@@ -5287,9 +5202,10 @@
             <a:spcAft>
               <a:spcPct val="35000"/>
             </a:spcAft>
+            <a:buNone/>
           </a:pPr>
           <a:r>
-            <a:rPr lang="pt-BR" sz="1600" kern="1200" noProof="0" dirty="0">
+            <a:rPr lang="pt-BR" sz="1800" kern="1200" noProof="0" dirty="0">
               <a:latin typeface="+mj-lt"/>
             </a:rPr>
             <a:t>Dia 4 - MDE</a:t>
@@ -5297,7 +5213,7 @@
         </a:p>
       </dsp:txBody>
       <dsp:txXfrm>
-        <a:off x="7498080" y="6442"/>
+        <a:off x="7498080" y="14239"/>
         <a:ext cx="2190749" cy="876300"/>
       </dsp:txXfrm>
     </dsp:sp>
@@ -5308,8 +5224,8 @@
       </dsp:nvSpPr>
       <dsp:spPr>
         <a:xfrm>
-          <a:off x="7498080" y="882742"/>
-          <a:ext cx="2190749" cy="2239920"/>
+          <a:off x="7498080" y="890539"/>
+          <a:ext cx="2190749" cy="2503439"/>
         </a:xfrm>
         <a:prstGeom prst="rect">
           <a:avLst/>
@@ -5353,12 +5269,12 @@
         <a:fontRef idx="minor"/>
       </dsp:style>
       <dsp:txBody>
-        <a:bodyPr spcFirstLastPara="0" vert="horz" wrap="square" lIns="85344" tIns="85344" rIns="113792" bIns="128016" numCol="1" spcCol="1270" anchor="t" anchorCtr="0">
+        <a:bodyPr spcFirstLastPara="0" vert="horz" wrap="square" lIns="96012" tIns="96012" rIns="128016" bIns="144018" numCol="1" spcCol="1270" anchor="t" anchorCtr="0">
           <a:noAutofit/>
         </a:bodyPr>
         <a:lstStyle/>
         <a:p>
-          <a:pPr marL="171450" lvl="1" indent="-171450" algn="l" defTabSz="711200">
+          <a:pPr marL="171450" lvl="1" indent="-171450" algn="l" defTabSz="800100">
             <a:lnSpc>
               <a:spcPct val="90000"/>
             </a:lnSpc>
@@ -5368,23 +5284,23 @@
             <a:spcAft>
               <a:spcPct val="15000"/>
             </a:spcAft>
-            <a:buChar char="••"/>
+            <a:buChar char="•"/>
           </a:pPr>
           <a:r>
-            <a:rPr lang="pt-BR" sz="1600" b="0" i="0" kern="1200" noProof="0" dirty="0">
+            <a:rPr lang="pt-BR" sz="1800" b="0" i="0" kern="1200" noProof="0" dirty="0">
               <a:latin typeface="+mj-lt"/>
             </a:rPr>
             <a:t>Preparação</a:t>
           </a:r>
           <a:r>
-            <a:rPr lang="pt-BR" sz="1600" kern="1200" noProof="0" dirty="0">
+            <a:rPr lang="pt-BR" sz="1800" kern="1200" noProof="0" dirty="0">
               <a:latin typeface="+mj-lt"/>
             </a:rPr>
             <a:t> de dados para MDE (J+B)</a:t>
           </a:r>
         </a:p>
         <a:p>
-          <a:pPr marL="171450" lvl="1" indent="-171450" algn="l" defTabSz="711200">
+          <a:pPr marL="171450" lvl="1" indent="-171450" algn="l" defTabSz="800100">
             <a:lnSpc>
               <a:spcPct val="90000"/>
             </a:lnSpc>
@@ -5394,14 +5310,14 @@
             <a:spcAft>
               <a:spcPct val="15000"/>
             </a:spcAft>
-            <a:buChar char="••"/>
+            <a:buChar char="•"/>
           </a:pPr>
-          <a:endParaRPr lang="pt-BR" sz="1600" kern="1200" noProof="0" dirty="0">
+          <a:endParaRPr lang="pt-BR" sz="1800" kern="1200" noProof="0" dirty="0">
             <a:latin typeface="+mj-lt"/>
           </a:endParaRPr>
         </a:p>
         <a:p>
-          <a:pPr marL="171450" lvl="1" indent="-171450" algn="l" defTabSz="711200">
+          <a:pPr marL="171450" lvl="1" indent="-171450" algn="l" defTabSz="800100">
             <a:lnSpc>
               <a:spcPct val="90000"/>
             </a:lnSpc>
@@ -5411,14 +5327,14 @@
             <a:spcAft>
               <a:spcPct val="15000"/>
             </a:spcAft>
-            <a:buChar char="••"/>
+            <a:buChar char="•"/>
           </a:pPr>
-          <a:endParaRPr lang="pt-BR" sz="1600" b="0" i="0" kern="1200" noProof="0" dirty="0">
+          <a:endParaRPr lang="pt-BR" sz="1800" b="0" i="0" kern="1200" noProof="0" dirty="0">
             <a:latin typeface="+mj-lt"/>
           </a:endParaRPr>
         </a:p>
         <a:p>
-          <a:pPr marL="171450" lvl="1" indent="-171450" algn="l" defTabSz="711200">
+          <a:pPr marL="171450" lvl="1" indent="-171450" algn="l" defTabSz="800100">
             <a:lnSpc>
               <a:spcPct val="90000"/>
             </a:lnSpc>
@@ -5428,14 +5344,14 @@
             <a:spcAft>
               <a:spcPct val="15000"/>
             </a:spcAft>
-            <a:buChar char="••"/>
+            <a:buChar char="•"/>
           </a:pPr>
-          <a:endParaRPr lang="pt-BR" sz="1600" kern="1200" noProof="0" dirty="0">
+          <a:endParaRPr lang="pt-BR" sz="1800" kern="1200" noProof="0" dirty="0">
             <a:latin typeface="+mj-lt"/>
           </a:endParaRPr>
         </a:p>
         <a:p>
-          <a:pPr marL="171450" lvl="1" indent="-171450" algn="l" defTabSz="711200">
+          <a:pPr marL="171450" lvl="1" indent="-171450" algn="l" defTabSz="800100">
             <a:lnSpc>
               <a:spcPct val="90000"/>
             </a:lnSpc>
@@ -5445,16 +5361,16 @@
             <a:spcAft>
               <a:spcPct val="15000"/>
             </a:spcAft>
-            <a:buChar char="••"/>
+            <a:buChar char="•"/>
           </a:pPr>
-          <a:endParaRPr lang="pt-BR" sz="1600" kern="1200" noProof="0" dirty="0">
+          <a:endParaRPr lang="pt-BR" sz="1800" kern="1200" noProof="0" dirty="0">
             <a:latin typeface="+mj-lt"/>
           </a:endParaRPr>
         </a:p>
       </dsp:txBody>
       <dsp:txXfrm>
-        <a:off x="7498080" y="882742"/>
-        <a:ext cx="2190749" cy="2239920"/>
+        <a:off x="7498080" y="890539"/>
+        <a:ext cx="2190749" cy="2503439"/>
       </dsp:txXfrm>
     </dsp:sp>
     <dsp:sp modelId="{3D66253D-95FC-7548-B49C-8D3767F33B71}">
@@ -5464,7 +5380,7 @@
       </dsp:nvSpPr>
       <dsp:spPr>
         <a:xfrm>
-          <a:off x="9995535" y="6442"/>
+          <a:off x="9995535" y="14239"/>
           <a:ext cx="2190749" cy="876300"/>
         </a:xfrm>
         <a:prstGeom prst="rect">
@@ -5507,12 +5423,12 @@
         </a:fontRef>
       </dsp:style>
       <dsp:txBody>
-        <a:bodyPr spcFirstLastPara="0" vert="horz" wrap="square" lIns="113792" tIns="65024" rIns="113792" bIns="65024" numCol="1" spcCol="1270" anchor="ctr" anchorCtr="0">
+        <a:bodyPr spcFirstLastPara="0" vert="horz" wrap="square" lIns="128016" tIns="73152" rIns="128016" bIns="73152" numCol="1" spcCol="1270" anchor="ctr" anchorCtr="0">
           <a:noAutofit/>
         </a:bodyPr>
         <a:lstStyle/>
         <a:p>
-          <a:pPr lvl="0" algn="ctr" defTabSz="711200">
+          <a:pPr marL="0" lvl="0" indent="0" algn="ctr" defTabSz="800100">
             <a:lnSpc>
               <a:spcPct val="90000"/>
             </a:lnSpc>
@@ -5522,9 +5438,10 @@
             <a:spcAft>
               <a:spcPct val="35000"/>
             </a:spcAft>
+            <a:buNone/>
           </a:pPr>
           <a:r>
-            <a:rPr lang="pt-BR" sz="1600" kern="1200" noProof="0" dirty="0">
+            <a:rPr lang="pt-BR" sz="1800" kern="1200" noProof="0" dirty="0">
               <a:latin typeface="+mj-lt"/>
             </a:rPr>
             <a:t>Dia 4</a:t>
@@ -5532,7 +5449,7 @@
         </a:p>
       </dsp:txBody>
       <dsp:txXfrm>
-        <a:off x="9995535" y="6442"/>
+        <a:off x="9995535" y="14239"/>
         <a:ext cx="2190749" cy="876300"/>
       </dsp:txXfrm>
     </dsp:sp>
@@ -5543,8 +5460,8 @@
       </dsp:nvSpPr>
       <dsp:spPr>
         <a:xfrm>
-          <a:off x="9995535" y="882742"/>
-          <a:ext cx="2190749" cy="2239920"/>
+          <a:off x="9995535" y="890539"/>
+          <a:ext cx="2190749" cy="2503439"/>
         </a:xfrm>
         <a:prstGeom prst="rect">
           <a:avLst/>
@@ -5588,12 +5505,12 @@
         <a:fontRef idx="minor"/>
       </dsp:style>
       <dsp:txBody>
-        <a:bodyPr spcFirstLastPara="0" vert="horz" wrap="square" lIns="85344" tIns="85344" rIns="113792" bIns="128016" numCol="1" spcCol="1270" anchor="t" anchorCtr="0">
+        <a:bodyPr spcFirstLastPara="0" vert="horz" wrap="square" lIns="96012" tIns="96012" rIns="128016" bIns="144018" numCol="1" spcCol="1270" anchor="t" anchorCtr="0">
           <a:noAutofit/>
         </a:bodyPr>
         <a:lstStyle/>
         <a:p>
-          <a:pPr marL="171450" lvl="1" indent="-171450" algn="l" defTabSz="711200">
+          <a:pPr marL="171450" lvl="1" indent="-171450" algn="l" defTabSz="800100">
             <a:lnSpc>
               <a:spcPct val="90000"/>
             </a:lnSpc>
@@ -5603,10 +5520,10 @@
             <a:spcAft>
               <a:spcPct val="15000"/>
             </a:spcAft>
-            <a:buChar char="••"/>
+            <a:buChar char="•"/>
           </a:pPr>
           <a:r>
-            <a:rPr lang="pt-BR" sz="1600" kern="1200" noProof="0" dirty="0">
+            <a:rPr lang="pt-BR" sz="1800" kern="1200" noProof="0" dirty="0">
               <a:latin typeface="+mj-lt"/>
             </a:rPr>
             <a:t>“troubleshoot” e apresentação de resultados</a:t>
@@ -5614,8 +5531,8 @@
         </a:p>
       </dsp:txBody>
       <dsp:txXfrm>
-        <a:off x="9995535" y="882742"/>
-        <a:ext cx="2190749" cy="2239920"/>
+        <a:off x="9995535" y="890539"/>
+        <a:ext cx="2190749" cy="2503439"/>
       </dsp:txXfrm>
     </dsp:sp>
   </dsp:spTree>
@@ -8206,7 +8123,7 @@
           <a:p>
             <a:fld id="{5AFA61FE-4757-8249-859C-CA645ADF0426}" type="datetimeFigureOut">
               <a:rPr lang="pt-BR" smtClean="0"/>
-              <a:t>03/11/2024</a:t>
+              <a:t>04/11/2024</a:t>
             </a:fld>
             <a:endParaRPr lang="pt-BR"/>
           </a:p>
@@ -8365,7 +8282,7 @@
           <a:p>
             <a:fld id="{D20E458C-D4B3-CA4F-89B0-835E8555A89E}" type="slidenum">
               <a:rPr lang="pt-BR" smtClean="0"/>
-              <a:t>‹N°›</a:t>
+              <a:t>‹#›</a:t>
             </a:fld>
             <a:endParaRPr lang="pt-BR"/>
           </a:p>
@@ -8539,7 +8456,7 @@
           <a:p>
             <a:fld id="{D20E458C-D4B3-CA4F-89B0-835E8555A89E}" type="slidenum">
               <a:rPr lang="pt-BR" smtClean="0"/>
-              <a:t>6</a:t>
+              <a:t>7</a:t>
             </a:fld>
             <a:endParaRPr lang="pt-BR"/>
           </a:p>
@@ -8707,7 +8624,7 @@
           <a:p>
             <a:fld id="{DEF62065-7324-6243-AE8C-BB5572CA16CD}" type="datetimeFigureOut">
               <a:rPr lang="pt-BR" smtClean="0"/>
-              <a:t>03/11/2024</a:t>
+              <a:t>04/11/2024</a:t>
             </a:fld>
             <a:endParaRPr lang="pt-BR"/>
           </a:p>
@@ -8761,7 +8678,7 @@
           <a:p>
             <a:fld id="{F825DAD3-D6D1-9F42-BB95-4436DB5AEA18}" type="slidenum">
               <a:rPr lang="pt-BR" smtClean="0"/>
-              <a:t>‹N°›</a:t>
+              <a:t>‹#›</a:t>
             </a:fld>
             <a:endParaRPr lang="pt-BR"/>
           </a:p>
@@ -8907,7 +8824,7 @@
           <a:p>
             <a:fld id="{DEF62065-7324-6243-AE8C-BB5572CA16CD}" type="datetimeFigureOut">
               <a:rPr lang="pt-BR" smtClean="0"/>
-              <a:t>03/11/2024</a:t>
+              <a:t>04/11/2024</a:t>
             </a:fld>
             <a:endParaRPr lang="pt-BR"/>
           </a:p>
@@ -8961,7 +8878,7 @@
           <a:p>
             <a:fld id="{F825DAD3-D6D1-9F42-BB95-4436DB5AEA18}" type="slidenum">
               <a:rPr lang="pt-BR" smtClean="0"/>
-              <a:t>‹N°›</a:t>
+              <a:t>‹#›</a:t>
             </a:fld>
             <a:endParaRPr lang="pt-BR"/>
           </a:p>
@@ -9117,7 +9034,7 @@
           <a:p>
             <a:fld id="{DEF62065-7324-6243-AE8C-BB5572CA16CD}" type="datetimeFigureOut">
               <a:rPr lang="pt-BR" smtClean="0"/>
-              <a:t>03/11/2024</a:t>
+              <a:t>04/11/2024</a:t>
             </a:fld>
             <a:endParaRPr lang="pt-BR"/>
           </a:p>
@@ -9171,7 +9088,7 @@
           <a:p>
             <a:fld id="{F825DAD3-D6D1-9F42-BB95-4436DB5AEA18}" type="slidenum">
               <a:rPr lang="pt-BR" smtClean="0"/>
-              <a:t>‹N°›</a:t>
+              <a:t>‹#›</a:t>
             </a:fld>
             <a:endParaRPr lang="pt-BR"/>
           </a:p>
@@ -9317,7 +9234,7 @@
           <a:p>
             <a:fld id="{DEF62065-7324-6243-AE8C-BB5572CA16CD}" type="datetimeFigureOut">
               <a:rPr lang="pt-BR" smtClean="0"/>
-              <a:t>03/11/2024</a:t>
+              <a:t>04/11/2024</a:t>
             </a:fld>
             <a:endParaRPr lang="pt-BR"/>
           </a:p>
@@ -9371,7 +9288,7 @@
           <a:p>
             <a:fld id="{F825DAD3-D6D1-9F42-BB95-4436DB5AEA18}" type="slidenum">
               <a:rPr lang="pt-BR" smtClean="0"/>
-              <a:t>‹N°›</a:t>
+              <a:t>‹#›</a:t>
             </a:fld>
             <a:endParaRPr lang="pt-BR"/>
           </a:p>
@@ -9593,7 +9510,7 @@
           <a:p>
             <a:fld id="{DEF62065-7324-6243-AE8C-BB5572CA16CD}" type="datetimeFigureOut">
               <a:rPr lang="pt-BR" smtClean="0"/>
-              <a:t>03/11/2024</a:t>
+              <a:t>04/11/2024</a:t>
             </a:fld>
             <a:endParaRPr lang="pt-BR"/>
           </a:p>
@@ -9647,7 +9564,7 @@
           <a:p>
             <a:fld id="{F825DAD3-D6D1-9F42-BB95-4436DB5AEA18}" type="slidenum">
               <a:rPr lang="pt-BR" smtClean="0"/>
-              <a:t>‹N°›</a:t>
+              <a:t>‹#›</a:t>
             </a:fld>
             <a:endParaRPr lang="pt-BR"/>
           </a:p>
@@ -9861,7 +9778,7 @@
           <a:p>
             <a:fld id="{DEF62065-7324-6243-AE8C-BB5572CA16CD}" type="datetimeFigureOut">
               <a:rPr lang="pt-BR" smtClean="0"/>
-              <a:t>03/11/2024</a:t>
+              <a:t>04/11/2024</a:t>
             </a:fld>
             <a:endParaRPr lang="pt-BR"/>
           </a:p>
@@ -9915,7 +9832,7 @@
           <a:p>
             <a:fld id="{F825DAD3-D6D1-9F42-BB95-4436DB5AEA18}" type="slidenum">
               <a:rPr lang="pt-BR" smtClean="0"/>
-              <a:t>‹N°›</a:t>
+              <a:t>‹#›</a:t>
             </a:fld>
             <a:endParaRPr lang="pt-BR"/>
           </a:p>
@@ -10276,7 +10193,7 @@
           <a:p>
             <a:fld id="{DEF62065-7324-6243-AE8C-BB5572CA16CD}" type="datetimeFigureOut">
               <a:rPr lang="pt-BR" smtClean="0"/>
-              <a:t>03/11/2024</a:t>
+              <a:t>04/11/2024</a:t>
             </a:fld>
             <a:endParaRPr lang="pt-BR"/>
           </a:p>
@@ -10330,7 +10247,7 @@
           <a:p>
             <a:fld id="{F825DAD3-D6D1-9F42-BB95-4436DB5AEA18}" type="slidenum">
               <a:rPr lang="pt-BR" smtClean="0"/>
-              <a:t>‹N°›</a:t>
+              <a:t>‹#›</a:t>
             </a:fld>
             <a:endParaRPr lang="pt-BR"/>
           </a:p>
@@ -10418,7 +10335,7 @@
           <a:p>
             <a:fld id="{DEF62065-7324-6243-AE8C-BB5572CA16CD}" type="datetimeFigureOut">
               <a:rPr lang="pt-BR" smtClean="0"/>
-              <a:t>03/11/2024</a:t>
+              <a:t>04/11/2024</a:t>
             </a:fld>
             <a:endParaRPr lang="pt-BR"/>
           </a:p>
@@ -10472,7 +10389,7 @@
           <a:p>
             <a:fld id="{F825DAD3-D6D1-9F42-BB95-4436DB5AEA18}" type="slidenum">
               <a:rPr lang="pt-BR" smtClean="0"/>
-              <a:t>‹N°›</a:t>
+              <a:t>‹#›</a:t>
             </a:fld>
             <a:endParaRPr lang="pt-BR"/>
           </a:p>
@@ -10531,7 +10448,7 @@
           <a:p>
             <a:fld id="{DEF62065-7324-6243-AE8C-BB5572CA16CD}" type="datetimeFigureOut">
               <a:rPr lang="pt-BR" smtClean="0"/>
-              <a:t>03/11/2024</a:t>
+              <a:t>04/11/2024</a:t>
             </a:fld>
             <a:endParaRPr lang="pt-BR"/>
           </a:p>
@@ -10585,7 +10502,7 @@
           <a:p>
             <a:fld id="{F825DAD3-D6D1-9F42-BB95-4436DB5AEA18}" type="slidenum">
               <a:rPr lang="pt-BR" smtClean="0"/>
-              <a:t>‹N°›</a:t>
+              <a:t>‹#›</a:t>
             </a:fld>
             <a:endParaRPr lang="pt-BR"/>
           </a:p>
@@ -10844,7 +10761,7 @@
           <a:p>
             <a:fld id="{DEF62065-7324-6243-AE8C-BB5572CA16CD}" type="datetimeFigureOut">
               <a:rPr lang="pt-BR" smtClean="0"/>
-              <a:t>03/11/2024</a:t>
+              <a:t>04/11/2024</a:t>
             </a:fld>
             <a:endParaRPr lang="pt-BR"/>
           </a:p>
@@ -10898,7 +10815,7 @@
           <a:p>
             <a:fld id="{F825DAD3-D6D1-9F42-BB95-4436DB5AEA18}" type="slidenum">
               <a:rPr lang="pt-BR" smtClean="0"/>
-              <a:t>‹N°›</a:t>
+              <a:t>‹#›</a:t>
             </a:fld>
             <a:endParaRPr lang="pt-BR"/>
           </a:p>
@@ -11133,7 +11050,7 @@
           <a:p>
             <a:fld id="{DEF62065-7324-6243-AE8C-BB5572CA16CD}" type="datetimeFigureOut">
               <a:rPr lang="pt-BR" smtClean="0"/>
-              <a:t>03/11/2024</a:t>
+              <a:t>04/11/2024</a:t>
             </a:fld>
             <a:endParaRPr lang="pt-BR"/>
           </a:p>
@@ -11187,7 +11104,7 @@
           <a:p>
             <a:fld id="{F825DAD3-D6D1-9F42-BB95-4436DB5AEA18}" type="slidenum">
               <a:rPr lang="pt-BR" smtClean="0"/>
-              <a:t>‹N°›</a:t>
+              <a:t>‹#›</a:t>
             </a:fld>
             <a:endParaRPr lang="pt-BR"/>
           </a:p>
@@ -11376,7 +11293,7 @@
           <a:p>
             <a:fld id="{DEF62065-7324-6243-AE8C-BB5572CA16CD}" type="datetimeFigureOut">
               <a:rPr lang="pt-BR" smtClean="0"/>
-              <a:t>03/11/2024</a:t>
+              <a:t>04/11/2024</a:t>
             </a:fld>
             <a:endParaRPr lang="pt-BR"/>
           </a:p>
@@ -11466,7 +11383,7 @@
           <a:p>
             <a:fld id="{F825DAD3-D6D1-9F42-BB95-4436DB5AEA18}" type="slidenum">
               <a:rPr lang="pt-BR" smtClean="0"/>
-              <a:t>‹N°›</a:t>
+              <a:t>‹#›</a:t>
             </a:fld>
             <a:endParaRPr lang="pt-BR"/>
           </a:p>
@@ -11811,25 +11728,21 @@
         </p:nvSpPr>
         <p:spPr>
           <a:xfrm>
-            <a:off x="1524000" y="406400"/>
-            <a:ext cx="9144000" cy="2387600"/>
+            <a:off x="838200" y="275771"/>
+            <a:ext cx="10668000" cy="3018990"/>
           </a:xfrm>
         </p:spPr>
         <p:txBody>
           <a:bodyPr>
-            <a:noAutofit/>
+            <a:normAutofit fontScale="90000"/>
           </a:bodyPr>
           <a:lstStyle/>
           <a:p>
             <a:r>
-              <a:rPr lang="pt-BR" sz="4000" dirty="0"/>
-              <a:t>ECL0042 - O NICHO ECOLÓGICO E A DISTRIBUIÇÃO GEOGRÁFICA - INTRODUÇÃO A MODELAGEM DE DISTRIBUIÇÃO DE </a:t>
-            </a:r>
-            <a:r>
-              <a:rPr lang="pt-BR" sz="4000" dirty="0" smtClean="0"/>
-              <a:t>ESPÉCIES</a:t>
-            </a:r>
-            <a:endParaRPr lang="pt-BR" sz="4000" noProof="0" dirty="0"/>
+              <a:rPr lang="pt-BR" sz="6000" dirty="0"/>
+              <a:t>ECL0042 - O NICHO ECOLÓGICO E A DISTRIBUIÇÃO GEOGRÁFICA - INTRODUÇÃO A MODELAGEM DE DISTRIBUIÇÃO DE ESPÉCIES</a:t>
+            </a:r>
+            <a:endParaRPr lang="pt-BR" noProof="0" dirty="0"/>
           </a:p>
         </p:txBody>
       </p:sp>
@@ -11862,16 +11775,10 @@
           <a:lstStyle/>
           <a:p>
             <a:r>
-              <a:rPr lang="pt-BR" sz="3500" noProof="0" dirty="0" smtClean="0">
-                <a:latin typeface="+mj-lt"/>
-              </a:rPr>
-              <a:t>Brunno </a:t>
-            </a:r>
-            <a:r>
               <a:rPr lang="pt-BR" sz="3500" noProof="0" dirty="0">
                 <a:latin typeface="+mj-lt"/>
               </a:rPr>
-              <a:t>Oliveira</a:t>
+              <a:t>Brunno Oliveira</a:t>
             </a:r>
           </a:p>
           <a:p>
@@ -11961,7 +11868,7 @@
         </p:blipFill>
         <p:spPr bwMode="auto">
           <a:xfrm>
-            <a:off x="6352866" y="5768096"/>
+            <a:off x="6918924" y="5647813"/>
             <a:ext cx="1636568" cy="730611"/>
           </a:xfrm>
           <a:prstGeom prst="rect">
@@ -12008,7 +11915,7 @@
         </p:blipFill>
         <p:spPr bwMode="auto">
           <a:xfrm>
-            <a:off x="5365389" y="5775719"/>
+            <a:off x="5931447" y="5655436"/>
             <a:ext cx="730611" cy="730611"/>
           </a:xfrm>
           <a:prstGeom prst="rect">
@@ -12065,6 +11972,53 @@
           </a:p>
         </p:txBody>
       </p:sp>
+      <p:pic>
+        <p:nvPicPr>
+          <p:cNvPr id="5" name="Picture 2" descr="Synthesis at CESAB - Fondation pour la recherche sur la biodiversité">
+            <a:extLst>
+              <a:ext uri="{FF2B5EF4-FFF2-40B4-BE49-F238E27FC236}">
+                <a16:creationId xmlns:a16="http://schemas.microsoft.com/office/drawing/2014/main" id="{F82266F9-02A3-4EB0-EC62-21311D5E007E}"/>
+              </a:ext>
+            </a:extLst>
+          </p:cNvPr>
+          <p:cNvPicPr>
+            <a:picLocks noChangeAspect="1" noChangeArrowheads="1"/>
+          </p:cNvPicPr>
+          <p:nvPr/>
+        </p:nvPicPr>
+        <p:blipFill>
+          <a:blip r:embed="rId6">
+            <a:extLst>
+              <a:ext uri="{28A0092B-C50C-407E-A947-70E740481C1C}">
+                <a14:useLocalDpi xmlns:a14="http://schemas.microsoft.com/office/drawing/2010/main" val="0"/>
+              </a:ext>
+            </a:extLst>
+          </a:blip>
+          <a:srcRect/>
+          <a:stretch>
+            <a:fillRect/>
+          </a:stretch>
+        </p:blipFill>
+        <p:spPr bwMode="auto">
+          <a:xfrm>
+            <a:off x="3420332" y="5562268"/>
+            <a:ext cx="2254249" cy="901700"/>
+          </a:xfrm>
+          <a:prstGeom prst="rect">
+            <a:avLst/>
+          </a:prstGeom>
+          <a:noFill/>
+          <a:extLst>
+            <a:ext uri="{909E8E84-426E-40DD-AFC4-6F175D3DCCD1}">
+              <a14:hiddenFill xmlns:a14="http://schemas.microsoft.com/office/drawing/2010/main">
+                <a:solidFill>
+                  <a:srgbClr val="FFFFFF"/>
+                </a:solidFill>
+              </a14:hiddenFill>
+            </a:ext>
+          </a:extLst>
+        </p:spPr>
+      </p:pic>
     </p:spTree>
     <p:extLst>
       <p:ext uri="{BB962C8B-B14F-4D97-AF65-F5344CB8AC3E}">
@@ -12117,10 +12071,9 @@
           <a:lstStyle/>
           <a:p>
             <a:r>
-              <a:rPr lang="pt-BR" dirty="0" smtClean="0"/>
-              <a:t>Brunno... </a:t>
-            </a:r>
-            <a:endParaRPr lang="pt-BR" dirty="0"/>
+              <a:rPr lang="pt-BR" dirty="0"/>
+              <a:t>Juliano... </a:t>
+            </a:r>
           </a:p>
         </p:txBody>
       </p:sp>
@@ -12416,50 +12369,65 @@
           <a:p>
             <a:pPr lvl="1"/>
             <a:r>
-              <a:rPr lang="pt-BR" dirty="0" smtClean="0">
+              <a:rPr lang="pt-BR" dirty="0">
                 <a:latin typeface="+mj-lt"/>
               </a:rPr>
-              <a:t>Tiver que casar para não ter que me separar</a:t>
+              <a:t>Tenho uma cadela de nome Zara Maria Carlota das Minas Gerais</a:t>
             </a:r>
           </a:p>
           <a:p>
             <a:pPr lvl="1"/>
             <a:r>
-              <a:rPr lang="pt-BR" dirty="0" smtClean="0">
+              <a:rPr lang="pt-BR" dirty="0">
                 <a:latin typeface="+mj-lt"/>
               </a:rPr>
-              <a:t>Sou escalador</a:t>
+              <a:t>Morei num barco que afundou</a:t>
             </a:r>
           </a:p>
           <a:p>
             <a:pPr lvl="1"/>
             <a:r>
-              <a:rPr lang="pt-BR" dirty="0" smtClean="0">
+              <a:rPr lang="pt-BR" dirty="0">
                 <a:latin typeface="+mj-lt"/>
               </a:rPr>
-              <a:t>Já toquei em 3 bandas de rock punk/hardcore</a:t>
-            </a:r>
-            <a:r>
-              <a:rPr lang="pt-BR" smtClean="0">
+              <a:t>Sei trabalhar com </a:t>
+            </a:r>
+            <a:r>
+              <a:rPr lang="pt-BR" dirty="0" err="1">
+                <a:latin typeface="+mj-lt"/>
+              </a:rPr>
+              <a:t>R</a:t>
+            </a:r>
+            <a:r>
+              <a:rPr lang="pt-BR" dirty="0">
                 <a:latin typeface="+mj-lt"/>
               </a:rPr>
               <a:t>, </a:t>
             </a:r>
             <a:r>
-              <a:rPr lang="pt-BR" smtClean="0">
+              <a:rPr lang="pt-BR" dirty="0" err="1">
                 <a:latin typeface="+mj-lt"/>
               </a:rPr>
-              <a:t>em uma </a:t>
-            </a:r>
-            <a:r>
-              <a:rPr lang="pt-BR" dirty="0" smtClean="0">
+              <a:t>Matlab</a:t>
+            </a:r>
+            <a:r>
+              <a:rPr lang="pt-BR" dirty="0">
                 <a:latin typeface="+mj-lt"/>
               </a:rPr>
-              <a:t>delas sendo o único membro da banda</a:t>
-            </a:r>
-            <a:endParaRPr lang="pt-BR" dirty="0">
-              <a:latin typeface="+mj-lt"/>
-            </a:endParaRPr>
+              <a:t>, </a:t>
+            </a:r>
+            <a:r>
+              <a:rPr lang="pt-BR" dirty="0" err="1">
+                <a:latin typeface="+mj-lt"/>
+              </a:rPr>
+              <a:t>Phyton</a:t>
+            </a:r>
+            <a:r>
+              <a:rPr lang="pt-BR" dirty="0">
+                <a:latin typeface="+mj-lt"/>
+              </a:rPr>
+              <a:t> e C++</a:t>
+            </a:r>
           </a:p>
           <a:p>
             <a:pPr lvl="1"/>
@@ -12485,243 +12453,12 @@
           </a:p>
         </p:txBody>
       </p:sp>
-    </p:spTree>
-    <p:extLst>
-      <p:ext uri="{BB962C8B-B14F-4D97-AF65-F5344CB8AC3E}">
-        <p14:creationId xmlns:p14="http://schemas.microsoft.com/office/powerpoint/2010/main" val="3888961241"/>
-      </p:ext>
-    </p:extLst>
-  </p:cSld>
-  <p:clrMapOvr>
-    <a:masterClrMapping/>
-  </p:clrMapOvr>
-</p:sld>
-</file>
-
-<file path=ppt/slides/slide2.xml><?xml version="1.0" encoding="utf-8"?>
-<p:sld xmlns:a="http://schemas.openxmlformats.org/drawingml/2006/main" xmlns:r="http://schemas.openxmlformats.org/officeDocument/2006/relationships" xmlns:p="http://schemas.openxmlformats.org/presentationml/2006/main">
-  <p:cSld>
-    <p:spTree>
-      <p:nvGrpSpPr>
-        <p:cNvPr id="1" name=""/>
-        <p:cNvGrpSpPr/>
-        <p:nvPr/>
-      </p:nvGrpSpPr>
-      <p:grpSpPr>
-        <a:xfrm>
-          <a:off x="0" y="0"/>
-          <a:ext cx="0" cy="0"/>
-          <a:chOff x="0" y="0"/>
-          <a:chExt cx="0" cy="0"/>
-        </a:xfrm>
-      </p:grpSpPr>
-      <p:sp>
-        <p:nvSpPr>
-          <p:cNvPr id="2" name="Title 1">
+      <p:pic>
+        <p:nvPicPr>
+          <p:cNvPr id="5" name="Picture 4">
             <a:extLst>
               <a:ext uri="{FF2B5EF4-FFF2-40B4-BE49-F238E27FC236}">
-                <a16:creationId xmlns:a16="http://schemas.microsoft.com/office/drawing/2014/main" id="{A8587219-FA29-5D69-7192-5E217F3FA012}"/>
-              </a:ext>
-            </a:extLst>
-          </p:cNvPr>
-          <p:cNvSpPr>
-            <a:spLocks noGrp="1"/>
-          </p:cNvSpPr>
-          <p:nvPr>
-            <p:ph type="title"/>
-          </p:nvPr>
-        </p:nvSpPr>
-        <p:spPr/>
-        <p:txBody>
-          <a:bodyPr/>
-          <a:lstStyle/>
-          <a:p>
-            <a:r>
-              <a:rPr lang="pt-BR" dirty="0"/>
-              <a:t>Introduções</a:t>
-            </a:r>
-          </a:p>
-        </p:txBody>
-      </p:sp>
-      <p:sp>
-        <p:nvSpPr>
-          <p:cNvPr id="3" name="Content Placeholder 2">
-            <a:extLst>
-              <a:ext uri="{FF2B5EF4-FFF2-40B4-BE49-F238E27FC236}">
-                <a16:creationId xmlns:a16="http://schemas.microsoft.com/office/drawing/2014/main" id="{5DE86898-D3B6-8659-51F5-8DA573572514}"/>
-              </a:ext>
-            </a:extLst>
-          </p:cNvPr>
-          <p:cNvSpPr>
-            <a:spLocks noGrp="1"/>
-          </p:cNvSpPr>
-          <p:nvPr>
-            <p:ph sz="half" idx="1"/>
-          </p:nvPr>
-        </p:nvSpPr>
-        <p:spPr>
-          <a:xfrm>
-            <a:off x="838200" y="1592712"/>
-            <a:ext cx="5181600" cy="4351338"/>
-          </a:xfrm>
-        </p:spPr>
-        <p:txBody>
-          <a:bodyPr/>
-          <a:lstStyle/>
-          <a:p>
-            <a:r>
-              <a:rPr lang="pt-BR" dirty="0" smtClean="0">
-                <a:latin typeface="+mj-lt"/>
-              </a:rPr>
-              <a:t>Brunno Oliveira</a:t>
-            </a:r>
-            <a:endParaRPr lang="pt-BR" dirty="0">
-              <a:latin typeface="+mj-lt"/>
-            </a:endParaRPr>
-          </a:p>
-          <a:p>
-            <a:pPr lvl="1"/>
-            <a:r>
-              <a:rPr lang="pt-BR" dirty="0" smtClean="0">
-                <a:latin typeface="+mj-lt"/>
-              </a:rPr>
-              <a:t>BSc., MSc., &amp; PhD. Ecologia (UFRN)</a:t>
-            </a:r>
-          </a:p>
-          <a:p>
-            <a:pPr lvl="1"/>
-            <a:r>
-              <a:rPr lang="pt-BR" dirty="0" smtClean="0">
-                <a:latin typeface="+mj-lt"/>
-              </a:rPr>
-              <a:t>PosDoc. Centro de Sínteses e Analáses em Biodiversidade, França (CESAB)</a:t>
-            </a:r>
-          </a:p>
-          <a:p>
-            <a:pPr lvl="1"/>
-            <a:r>
-              <a:rPr lang="pt-BR" dirty="0" smtClean="0">
-                <a:latin typeface="+mj-lt"/>
-              </a:rPr>
-              <a:t>Macroecologia, Macroevolução, e mudanças climáticas e ecológicas</a:t>
-            </a:r>
-            <a:endParaRPr lang="pt-BR" dirty="0">
-              <a:latin typeface="+mj-lt"/>
-            </a:endParaRPr>
-          </a:p>
-          <a:p>
-            <a:endParaRPr lang="pt-BR" dirty="0">
-              <a:latin typeface="+mj-lt"/>
-            </a:endParaRPr>
-          </a:p>
-          <a:p>
-            <a:pPr marL="457200" lvl="1" indent="0">
-              <a:buNone/>
-            </a:pPr>
-            <a:endParaRPr lang="pt-BR" dirty="0">
-              <a:latin typeface="+mj-lt"/>
-            </a:endParaRPr>
-          </a:p>
-        </p:txBody>
-      </p:sp>
-      <p:sp>
-        <p:nvSpPr>
-          <p:cNvPr id="5" name="Content Placeholder 4">
-            <a:extLst>
-              <a:ext uri="{FF2B5EF4-FFF2-40B4-BE49-F238E27FC236}">
-                <a16:creationId xmlns:a16="http://schemas.microsoft.com/office/drawing/2014/main" id="{59D0C990-66C7-2293-6DD8-375321E06B0C}"/>
-              </a:ext>
-            </a:extLst>
-          </p:cNvPr>
-          <p:cNvSpPr>
-            <a:spLocks noGrp="1"/>
-          </p:cNvSpPr>
-          <p:nvPr>
-            <p:ph sz="half" idx="2"/>
-          </p:nvPr>
-        </p:nvSpPr>
-        <p:spPr>
-          <a:xfrm>
-            <a:off x="6172200" y="1592712"/>
-            <a:ext cx="5181600" cy="4351338"/>
-          </a:xfrm>
-        </p:spPr>
-        <p:txBody>
-          <a:bodyPr/>
-          <a:lstStyle/>
-          <a:p>
-            <a:r>
-              <a:rPr lang="pt-BR" dirty="0">
-                <a:latin typeface="+mj-lt"/>
-              </a:rPr>
-              <a:t>Juliano Palacios Abrantes</a:t>
-            </a:r>
-          </a:p>
-          <a:p>
-            <a:pPr lvl="1"/>
-            <a:r>
-              <a:rPr lang="pt-BR" dirty="0">
-                <a:latin typeface="+mj-lt"/>
-              </a:rPr>
-              <a:t>Biólogo (marinho)</a:t>
-            </a:r>
-          </a:p>
-          <a:p>
-            <a:pPr lvl="1"/>
-            <a:r>
-              <a:rPr lang="pt-BR" dirty="0" err="1">
-                <a:latin typeface="+mj-lt"/>
-              </a:rPr>
-              <a:t>PosDoc</a:t>
-            </a:r>
-            <a:r>
-              <a:rPr lang="pt-BR" dirty="0">
-                <a:latin typeface="+mj-lt"/>
-              </a:rPr>
-              <a:t>. </a:t>
-            </a:r>
-            <a:r>
-              <a:rPr lang="pt-BR" dirty="0" err="1">
-                <a:latin typeface="+mj-lt"/>
-              </a:rPr>
-              <a:t>University</a:t>
-            </a:r>
-            <a:r>
-              <a:rPr lang="pt-BR" dirty="0">
-                <a:latin typeface="+mj-lt"/>
-              </a:rPr>
-              <a:t> </a:t>
-            </a:r>
-            <a:r>
-              <a:rPr lang="pt-BR" dirty="0" err="1">
-                <a:latin typeface="+mj-lt"/>
-              </a:rPr>
-              <a:t>of</a:t>
-            </a:r>
-            <a:r>
-              <a:rPr lang="pt-BR" dirty="0">
-                <a:latin typeface="+mj-lt"/>
-              </a:rPr>
-              <a:t> British Columbia, Canada</a:t>
-            </a:r>
-          </a:p>
-          <a:p>
-            <a:pPr lvl="1"/>
-            <a:r>
-              <a:rPr lang="pt-BR" dirty="0">
-                <a:latin typeface="+mj-lt"/>
-              </a:rPr>
-              <a:t>Mudanças climáticas nos oceanos, principalmente pesca e conservação </a:t>
-            </a:r>
-          </a:p>
-        </p:txBody>
-      </p:sp>
-      <p:pic>
-        <p:nvPicPr>
-          <p:cNvPr id="7" name="Picture 6">
-            <a:extLst>
-              <a:ext uri="{FF2B5EF4-FFF2-40B4-BE49-F238E27FC236}">
-                <a16:creationId xmlns:a16="http://schemas.microsoft.com/office/drawing/2014/main" id="{52710359-4D63-3127-9669-4C68E5096857}"/>
+                <a16:creationId xmlns:a16="http://schemas.microsoft.com/office/drawing/2014/main" id="{A1DBC60D-AE4B-342B-2D34-A85DE0498F06}"/>
               </a:ext>
             </a:extLst>
           </p:cNvPr>
@@ -12738,37 +12475,8 @@
         </p:blipFill>
         <p:spPr>
           <a:xfrm>
-            <a:off x="7981372" y="4490027"/>
-            <a:ext cx="2212109" cy="2212109"/>
-          </a:xfrm>
-          <a:prstGeom prst="rect">
-            <a:avLst/>
-          </a:prstGeom>
-        </p:spPr>
-      </p:pic>
-      <p:pic>
-        <p:nvPicPr>
-          <p:cNvPr id="4" name="Image 3"/>
-          <p:cNvPicPr>
-            <a:picLocks noChangeAspect="1"/>
-          </p:cNvPicPr>
-          <p:nvPr/>
-        </p:nvPicPr>
-        <p:blipFill rotWithShape="1">
-          <a:blip r:embed="rId3">
-            <a:extLst>
-              <a:ext uri="{28A0092B-C50C-407E-A947-70E740481C1C}">
-                <a14:useLocalDpi xmlns:a14="http://schemas.microsoft.com/office/drawing/2010/main" val="0"/>
-              </a:ext>
-            </a:extLst>
-          </a:blip>
-          <a:srcRect l="32129" t="31841" r="38331" b="27622"/>
-          <a:stretch/>
-        </p:blipFill>
-        <p:spPr>
-          <a:xfrm>
-            <a:off x="2216989" y="4490026"/>
-            <a:ext cx="2149304" cy="2212109"/>
+            <a:off x="9268692" y="1518227"/>
+            <a:ext cx="2678546" cy="2678546"/>
           </a:xfrm>
           <a:prstGeom prst="rect">
             <a:avLst/>
@@ -12778,7 +12486,7 @@
     </p:spTree>
     <p:extLst>
       <p:ext uri="{BB962C8B-B14F-4D97-AF65-F5344CB8AC3E}">
-        <p14:creationId xmlns:p14="http://schemas.microsoft.com/office/powerpoint/2010/main" val="1203215970"/>
+        <p14:creationId xmlns:p14="http://schemas.microsoft.com/office/powerpoint/2010/main" val="461741582"/>
       </p:ext>
     </p:extLst>
   </p:cSld>
@@ -12788,1029 +12496,7 @@
 </p:sld>
 </file>
 
-<file path=ppt/slides/slide3.xml><?xml version="1.0" encoding="utf-8"?>
-<p:sld xmlns:a="http://schemas.openxmlformats.org/drawingml/2006/main" xmlns:r="http://schemas.openxmlformats.org/officeDocument/2006/relationships" xmlns:p="http://schemas.openxmlformats.org/presentationml/2006/main">
-  <p:cSld>
-    <p:spTree>
-      <p:nvGrpSpPr>
-        <p:cNvPr id="1" name=""/>
-        <p:cNvGrpSpPr/>
-        <p:nvPr/>
-      </p:nvGrpSpPr>
-      <p:grpSpPr>
-        <a:xfrm>
-          <a:off x="0" y="0"/>
-          <a:ext cx="0" cy="0"/>
-          <a:chOff x="0" y="0"/>
-          <a:chExt cx="0" cy="0"/>
-        </a:xfrm>
-      </p:grpSpPr>
-      <p:sp>
-        <p:nvSpPr>
-          <p:cNvPr id="2" name="Title 1">
-            <a:extLst>
-              <a:ext uri="{FF2B5EF4-FFF2-40B4-BE49-F238E27FC236}">
-                <a16:creationId xmlns:a16="http://schemas.microsoft.com/office/drawing/2014/main" id="{9ADCB4FC-2414-AF6F-C96A-606D05E2CDC9}"/>
-              </a:ext>
-            </a:extLst>
-          </p:cNvPr>
-          <p:cNvSpPr>
-            <a:spLocks noGrp="1"/>
-          </p:cNvSpPr>
-          <p:nvPr>
-            <p:ph type="title"/>
-          </p:nvPr>
-        </p:nvSpPr>
-        <p:spPr>
-          <a:xfrm>
-            <a:off x="838200" y="0"/>
-            <a:ext cx="10515600" cy="1325563"/>
-          </a:xfrm>
-        </p:spPr>
-        <p:txBody>
-          <a:bodyPr/>
-          <a:lstStyle/>
-          <a:p>
-            <a:r>
-              <a:rPr lang="pt-BR" dirty="0"/>
-              <a:t>Estrutura do curso</a:t>
-            </a:r>
-          </a:p>
-        </p:txBody>
-      </p:sp>
-      <p:sp>
-        <p:nvSpPr>
-          <p:cNvPr id="3" name="Content Placeholder 2">
-            <a:extLst>
-              <a:ext uri="{FF2B5EF4-FFF2-40B4-BE49-F238E27FC236}">
-                <a16:creationId xmlns:a16="http://schemas.microsoft.com/office/drawing/2014/main" id="{5F8E1408-D0F9-3DD3-B556-303D4F4D8027}"/>
-              </a:ext>
-            </a:extLst>
-          </p:cNvPr>
-          <p:cNvSpPr>
-            <a:spLocks noGrp="1"/>
-          </p:cNvSpPr>
-          <p:nvPr>
-            <p:ph idx="1"/>
-          </p:nvPr>
-        </p:nvSpPr>
-        <p:spPr>
-          <a:xfrm>
-            <a:off x="838200" y="1497820"/>
-            <a:ext cx="10515600" cy="4644187"/>
-          </a:xfrm>
-        </p:spPr>
-        <p:txBody>
-          <a:bodyPr/>
-          <a:lstStyle/>
-          <a:p>
-            <a:pPr marL="0" indent="0">
-              <a:buNone/>
-            </a:pPr>
-            <a:r>
-              <a:rPr lang="en-US" dirty="0"/>
-              <a:t>234567M123456 23456T123 7T123456 7N1234 </a:t>
-            </a:r>
-            <a:endParaRPr lang="pt-BR" dirty="0" smtClean="0">
-              <a:latin typeface="+mj-lt"/>
-            </a:endParaRPr>
-          </a:p>
-          <a:p>
-            <a:r>
-              <a:rPr lang="pt-BR" dirty="0" smtClean="0">
-                <a:latin typeface="+mj-lt"/>
-              </a:rPr>
-              <a:t>Data </a:t>
-            </a:r>
-            <a:r>
-              <a:rPr lang="pt-BR" dirty="0">
-                <a:latin typeface="+mj-lt"/>
-              </a:rPr>
-              <a:t>e sala:</a:t>
-            </a:r>
-          </a:p>
-          <a:p>
-            <a:pPr lvl="1"/>
-            <a:r>
-              <a:rPr lang="pt-BR" dirty="0">
-                <a:latin typeface="+mj-lt"/>
-              </a:rPr>
-              <a:t>4 ao 8 de novembro na sala... </a:t>
-            </a:r>
-          </a:p>
-          <a:p>
-            <a:r>
-              <a:rPr lang="pt-BR" dirty="0">
-                <a:latin typeface="+mj-lt"/>
-              </a:rPr>
-              <a:t>Estrutura do dia:</a:t>
-            </a:r>
-          </a:p>
-          <a:p>
-            <a:pPr lvl="1"/>
-            <a:r>
-              <a:rPr lang="pt-BR" dirty="0" smtClean="0">
-                <a:latin typeface="+mj-lt"/>
-              </a:rPr>
-              <a:t>7:30 </a:t>
-            </a:r>
-            <a:r>
-              <a:rPr lang="pt-BR" dirty="0">
-                <a:latin typeface="+mj-lt"/>
-              </a:rPr>
-              <a:t>- 9:30 am - Teoria</a:t>
-            </a:r>
-          </a:p>
-          <a:p>
-            <a:pPr lvl="1"/>
-            <a:r>
-              <a:rPr lang="pt-BR" dirty="0">
-                <a:latin typeface="+mj-lt"/>
-              </a:rPr>
-              <a:t>9:40 - </a:t>
-            </a:r>
-            <a:r>
-              <a:rPr lang="pt-BR" dirty="0" smtClean="0">
-                <a:latin typeface="+mj-lt"/>
-              </a:rPr>
-              <a:t>12.30 </a:t>
-            </a:r>
-            <a:r>
-              <a:rPr lang="pt-BR" dirty="0">
-                <a:latin typeface="+mj-lt"/>
-              </a:rPr>
-              <a:t>Pratica (R)</a:t>
-            </a:r>
-          </a:p>
-          <a:p>
-            <a:pPr lvl="1"/>
-            <a:r>
-              <a:rPr lang="pt-BR" dirty="0">
-                <a:latin typeface="+mj-lt"/>
-              </a:rPr>
-              <a:t>13:30 – </a:t>
-            </a:r>
-            <a:r>
-              <a:rPr lang="pt-BR" dirty="0" smtClean="0">
-                <a:latin typeface="+mj-lt"/>
-              </a:rPr>
-              <a:t>15:45 </a:t>
-            </a:r>
-            <a:r>
-              <a:rPr lang="pt-BR" dirty="0">
-                <a:latin typeface="+mj-lt"/>
-              </a:rPr>
-              <a:t>Laboratório </a:t>
-            </a:r>
-            <a:r>
-              <a:rPr lang="pt-BR" dirty="0" smtClean="0">
-                <a:latin typeface="+mj-lt"/>
-              </a:rPr>
-              <a:t>pratico (SERA que fazemos todo o dia?)</a:t>
-            </a:r>
-            <a:endParaRPr lang="pt-BR" dirty="0">
-              <a:latin typeface="+mj-lt"/>
-            </a:endParaRPr>
-          </a:p>
-          <a:p>
-            <a:r>
-              <a:rPr lang="pt-BR" dirty="0" smtClean="0">
-                <a:latin typeface="+mj-lt"/>
-              </a:rPr>
-              <a:t>Todo material no </a:t>
-            </a:r>
-            <a:r>
-              <a:rPr lang="pt-BR" dirty="0">
-                <a:latin typeface="+mj-lt"/>
-              </a:rPr>
-              <a:t>GitHub</a:t>
-            </a:r>
-          </a:p>
-          <a:p>
-            <a:pPr lvl="1"/>
-            <a:r>
-              <a:rPr lang="pt-BR" dirty="0">
-                <a:latin typeface="+mj-lt"/>
-              </a:rPr>
-              <a:t>Vamos trabalhar o </a:t>
-            </a:r>
-            <a:r>
-              <a:rPr lang="pt-BR" dirty="0" smtClean="0">
-                <a:latin typeface="+mj-lt"/>
-              </a:rPr>
-              <a:t>máximo possível </a:t>
-            </a:r>
-            <a:r>
-              <a:rPr lang="pt-BR" dirty="0">
-                <a:latin typeface="+mj-lt"/>
-              </a:rPr>
-              <a:t>no GitHub (Primeira aula!)</a:t>
-            </a:r>
-          </a:p>
-        </p:txBody>
-      </p:sp>
-    </p:spTree>
-    <p:extLst>
-      <p:ext uri="{BB962C8B-B14F-4D97-AF65-F5344CB8AC3E}">
-        <p14:creationId xmlns:p14="http://schemas.microsoft.com/office/powerpoint/2010/main" val="652814140"/>
-      </p:ext>
-    </p:extLst>
-  </p:cSld>
-  <p:clrMapOvr>
-    <a:masterClrMapping/>
-  </p:clrMapOvr>
-</p:sld>
-</file>
-
-<file path=ppt/slides/slide4.xml><?xml version="1.0" encoding="utf-8"?>
-<p:sld xmlns:a="http://schemas.openxmlformats.org/drawingml/2006/main" xmlns:r="http://schemas.openxmlformats.org/officeDocument/2006/relationships" xmlns:p="http://schemas.openxmlformats.org/presentationml/2006/main">
-  <p:cSld>
-    <p:spTree>
-      <p:nvGrpSpPr>
-        <p:cNvPr id="1" name=""/>
-        <p:cNvGrpSpPr/>
-        <p:nvPr/>
-      </p:nvGrpSpPr>
-      <p:grpSpPr>
-        <a:xfrm>
-          <a:off x="0" y="0"/>
-          <a:ext cx="0" cy="0"/>
-          <a:chOff x="0" y="0"/>
-          <a:chExt cx="0" cy="0"/>
-        </a:xfrm>
-      </p:grpSpPr>
-      <p:sp>
-        <p:nvSpPr>
-          <p:cNvPr id="2" name="Title 1">
-            <a:extLst>
-              <a:ext uri="{FF2B5EF4-FFF2-40B4-BE49-F238E27FC236}">
-                <a16:creationId xmlns:a16="http://schemas.microsoft.com/office/drawing/2014/main" id="{F5F295D8-C1AD-2649-2B5D-C727EC10F02D}"/>
-              </a:ext>
-            </a:extLst>
-          </p:cNvPr>
-          <p:cNvSpPr>
-            <a:spLocks noGrp="1"/>
-          </p:cNvSpPr>
-          <p:nvPr>
-            <p:ph type="title"/>
-          </p:nvPr>
-        </p:nvSpPr>
-        <p:spPr>
-          <a:xfrm>
-            <a:off x="838200" y="0"/>
-            <a:ext cx="10515600" cy="1325563"/>
-          </a:xfrm>
-        </p:spPr>
-        <p:txBody>
-          <a:bodyPr/>
-          <a:lstStyle/>
-          <a:p>
-            <a:r>
-              <a:rPr lang="pt-BR" dirty="0"/>
-              <a:t>Objetivos do curso</a:t>
-            </a:r>
-          </a:p>
-        </p:txBody>
-      </p:sp>
-      <p:pic>
-        <p:nvPicPr>
-          <p:cNvPr id="4" name="Espace réservé du contenu 6"/>
-          <p:cNvPicPr>
-            <a:picLocks noGrp="1" noChangeAspect="1"/>
-          </p:cNvPicPr>
-          <p:nvPr>
-            <p:ph idx="1"/>
-          </p:nvPr>
-        </p:nvPicPr>
-        <p:blipFill>
-          <a:blip r:embed="rId2"/>
-          <a:stretch>
-            <a:fillRect/>
-          </a:stretch>
-        </p:blipFill>
-        <p:spPr>
-          <a:xfrm>
-            <a:off x="2992949" y="2080874"/>
-            <a:ext cx="6206101" cy="3840840"/>
-          </a:xfrm>
-          <a:prstGeom prst="rect">
-            <a:avLst/>
-          </a:prstGeom>
-        </p:spPr>
-      </p:pic>
-      <p:sp>
-        <p:nvSpPr>
-          <p:cNvPr id="5" name="Rectangle 4"/>
-          <p:cNvSpPr/>
-          <p:nvPr/>
-        </p:nvSpPr>
-        <p:spPr>
-          <a:xfrm>
-            <a:off x="201598" y="6363091"/>
-            <a:ext cx="1635384" cy="307777"/>
-          </a:xfrm>
-          <a:prstGeom prst="rect">
-            <a:avLst/>
-          </a:prstGeom>
-        </p:spPr>
-        <p:txBody>
-          <a:bodyPr wrap="none">
-            <a:spAutoFit/>
-          </a:bodyPr>
-          <a:lstStyle/>
-          <a:p>
-            <a:r>
-              <a:rPr lang="en-US" sz="1400" dirty="0" err="1">
-                <a:solidFill>
-                  <a:srgbClr val="2369BE"/>
-                </a:solidFill>
-                <a:latin typeface="FiraSans-Light"/>
-              </a:rPr>
-              <a:t>Zurell</a:t>
-            </a:r>
-            <a:r>
-              <a:rPr lang="en-US" sz="1400" dirty="0">
-                <a:solidFill>
-                  <a:srgbClr val="2369BE"/>
-                </a:solidFill>
-                <a:latin typeface="FiraSans-Light"/>
-              </a:rPr>
-              <a:t> et al. (2020)</a:t>
-            </a:r>
-            <a:endParaRPr lang="en-US" sz="1400" dirty="0"/>
-          </a:p>
-        </p:txBody>
-      </p:sp>
-    </p:spTree>
-    <p:extLst>
-      <p:ext uri="{BB962C8B-B14F-4D97-AF65-F5344CB8AC3E}">
-        <p14:creationId xmlns:p14="http://schemas.microsoft.com/office/powerpoint/2010/main" val="4278137136"/>
-      </p:ext>
-    </p:extLst>
-  </p:cSld>
-  <p:clrMapOvr>
-    <a:masterClrMapping/>
-  </p:clrMapOvr>
-</p:sld>
-</file>
-
-<file path=ppt/slides/slide5.xml><?xml version="1.0" encoding="utf-8"?>
-<p:sld xmlns:a="http://schemas.openxmlformats.org/drawingml/2006/main" xmlns:r="http://schemas.openxmlformats.org/officeDocument/2006/relationships" xmlns:p="http://schemas.openxmlformats.org/presentationml/2006/main">
-  <p:cSld>
-    <p:spTree>
-      <p:nvGrpSpPr>
-        <p:cNvPr id="1" name=""/>
-        <p:cNvGrpSpPr/>
-        <p:nvPr/>
-      </p:nvGrpSpPr>
-      <p:grpSpPr>
-        <a:xfrm>
-          <a:off x="0" y="0"/>
-          <a:ext cx="0" cy="0"/>
-          <a:chOff x="0" y="0"/>
-          <a:chExt cx="0" cy="0"/>
-        </a:xfrm>
-      </p:grpSpPr>
-      <p:sp>
-        <p:nvSpPr>
-          <p:cNvPr id="2" name="Title 1">
-            <a:extLst>
-              <a:ext uri="{FF2B5EF4-FFF2-40B4-BE49-F238E27FC236}">
-                <a16:creationId xmlns:a16="http://schemas.microsoft.com/office/drawing/2014/main" id="{F598A613-19F2-0CDA-EBA7-21D8BFFE2118}"/>
-              </a:ext>
-            </a:extLst>
-          </p:cNvPr>
-          <p:cNvSpPr>
-            <a:spLocks noGrp="1"/>
-          </p:cNvSpPr>
-          <p:nvPr>
-            <p:ph type="title"/>
-          </p:nvPr>
-        </p:nvSpPr>
-        <p:spPr/>
-        <p:txBody>
-          <a:bodyPr>
-            <a:normAutofit/>
-          </a:bodyPr>
-          <a:lstStyle/>
-          <a:p>
-            <a:pPr algn="l"/>
-            <a:r>
-              <a:rPr lang="pt-BR" b="0" i="0" noProof="0" dirty="0">
-                <a:solidFill>
-                  <a:srgbClr val="1A292C"/>
-                </a:solidFill>
-                <a:effectLst/>
-                <a:latin typeface="Fira Sans" panose="020B0503050000020004" pitchFamily="34" charset="0"/>
-              </a:rPr>
-              <a:t>Espaço seguro e amigável</a:t>
-            </a:r>
-            <a:endParaRPr lang="pt-BR" noProof="0" dirty="0"/>
-          </a:p>
-        </p:txBody>
-      </p:sp>
-      <p:sp>
-        <p:nvSpPr>
-          <p:cNvPr id="3" name="Content Placeholder 2">
-            <a:extLst>
-              <a:ext uri="{FF2B5EF4-FFF2-40B4-BE49-F238E27FC236}">
-                <a16:creationId xmlns:a16="http://schemas.microsoft.com/office/drawing/2014/main" id="{273221B0-A0EA-A8D3-F82F-BA4D079C9B9D}"/>
-              </a:ext>
-            </a:extLst>
-          </p:cNvPr>
-          <p:cNvSpPr>
-            <a:spLocks noGrp="1"/>
-          </p:cNvSpPr>
-          <p:nvPr>
-            <p:ph idx="1"/>
-          </p:nvPr>
-        </p:nvSpPr>
-        <p:spPr/>
-        <p:txBody>
-          <a:bodyPr/>
-          <a:lstStyle/>
-          <a:p>
-            <a:pPr algn="l"/>
-            <a:r>
-              <a:rPr lang="pt-BR" b="0" i="0" noProof="0" dirty="0">
-                <a:solidFill>
-                  <a:srgbClr val="1A292C"/>
-                </a:solidFill>
-                <a:effectLst/>
-                <a:latin typeface="Fira Sans" panose="020B0503050000020004" pitchFamily="34" charset="0"/>
-              </a:rPr>
-              <a:t>Sintam-se à vontade para nos interromper e tirar dúvidas</a:t>
-            </a:r>
-          </a:p>
-          <a:p>
-            <a:pPr algn="l"/>
-            <a:r>
-              <a:rPr lang="pt-BR" noProof="0" dirty="0">
-                <a:solidFill>
-                  <a:srgbClr val="1A292C"/>
-                </a:solidFill>
-                <a:latin typeface="Fira Sans" panose="020B0503050000020004" pitchFamily="34" charset="0"/>
-              </a:rPr>
-              <a:t>Se formos muito rápidos, avisem</a:t>
-            </a:r>
-          </a:p>
-          <a:p>
-            <a:pPr algn="l"/>
-            <a:r>
-              <a:rPr lang="pt-BR" b="0" i="0" noProof="0" dirty="0">
-                <a:solidFill>
-                  <a:srgbClr val="1A292C"/>
-                </a:solidFill>
-                <a:effectLst/>
-                <a:latin typeface="Fira Sans" panose="020B0503050000020004" pitchFamily="34" charset="0"/>
-              </a:rPr>
-              <a:t>Em quanto um esta dando a oficina, </a:t>
-            </a:r>
-            <a:r>
-              <a:rPr lang="pt-BR" dirty="0" err="1">
-                <a:solidFill>
-                  <a:srgbClr val="1A292C"/>
-                </a:solidFill>
-                <a:latin typeface="Fira Sans" panose="020B0503050000020004" pitchFamily="34" charset="0"/>
-              </a:rPr>
-              <a:t>o</a:t>
-            </a:r>
-            <a:r>
-              <a:rPr lang="pt-BR" b="0" i="0" noProof="0" dirty="0" smtClean="0">
-                <a:solidFill>
-                  <a:srgbClr val="1A292C"/>
-                </a:solidFill>
-                <a:effectLst/>
-                <a:latin typeface="Fira Sans" panose="020B0503050000020004" pitchFamily="34" charset="0"/>
-              </a:rPr>
-              <a:t> </a:t>
-            </a:r>
-            <a:r>
-              <a:rPr lang="pt-BR" b="0" i="0" noProof="0" dirty="0">
-                <a:solidFill>
-                  <a:srgbClr val="1A292C"/>
-                </a:solidFill>
-                <a:effectLst/>
-                <a:latin typeface="Fira Sans" panose="020B0503050000020004" pitchFamily="34" charset="0"/>
-              </a:rPr>
-              <a:t>outro ajuda no </a:t>
-            </a:r>
-            <a:r>
-              <a:rPr lang="pt-BR" b="0" i="1" noProof="0" dirty="0">
-                <a:solidFill>
-                  <a:srgbClr val="1A292C"/>
-                </a:solidFill>
-                <a:effectLst/>
-                <a:latin typeface="Fira Sans" panose="020B0503050000020004" pitchFamily="34" charset="0"/>
-              </a:rPr>
-              <a:t>trouble</a:t>
-            </a:r>
-            <a:r>
-              <a:rPr lang="pt-BR" b="0" i="0" noProof="0" dirty="0">
-                <a:solidFill>
-                  <a:srgbClr val="1A292C"/>
-                </a:solidFill>
-                <a:effectLst/>
-                <a:latin typeface="Fira Sans" panose="020B0503050000020004" pitchFamily="34" charset="0"/>
-              </a:rPr>
-              <a:t> </a:t>
-            </a:r>
-            <a:r>
-              <a:rPr lang="pt-BR" b="0" i="1" noProof="0" dirty="0">
-                <a:solidFill>
-                  <a:srgbClr val="1A292C"/>
-                </a:solidFill>
-                <a:effectLst/>
-                <a:latin typeface="Fira Sans" panose="020B0503050000020004" pitchFamily="34" charset="0"/>
-              </a:rPr>
-              <a:t>shoot</a:t>
-            </a:r>
-          </a:p>
-          <a:p>
-            <a:pPr lvl="1"/>
-            <a:r>
-              <a:rPr lang="pt-BR" b="0" i="0" noProof="0" dirty="0">
-                <a:solidFill>
-                  <a:srgbClr val="1A292C"/>
-                </a:solidFill>
-                <a:effectLst/>
-                <a:latin typeface="Fira Sans" panose="020B0503050000020004" pitchFamily="34" charset="0"/>
-              </a:rPr>
-              <a:t>Dinâmica de </a:t>
-            </a:r>
-            <a:r>
-              <a:rPr lang="pt-BR" b="0" i="1" noProof="0" dirty="0" err="1">
-                <a:solidFill>
-                  <a:srgbClr val="1A292C"/>
-                </a:solidFill>
-                <a:effectLst/>
-                <a:latin typeface="Fira Sans" panose="020B0503050000020004" pitchFamily="34" charset="0"/>
-              </a:rPr>
-              <a:t>postics</a:t>
-            </a:r>
-            <a:r>
-              <a:rPr lang="pt-BR" b="0" i="0" noProof="0" dirty="0">
-                <a:solidFill>
-                  <a:srgbClr val="1A292C"/>
-                </a:solidFill>
-                <a:effectLst/>
-                <a:latin typeface="Fira Sans" panose="020B0503050000020004" pitchFamily="34" charset="0"/>
-              </a:rPr>
-              <a:t> </a:t>
-            </a:r>
-          </a:p>
-          <a:p>
-            <a:endParaRPr lang="pt-BR" noProof="0" dirty="0"/>
-          </a:p>
-        </p:txBody>
-      </p:sp>
-    </p:spTree>
-    <p:extLst>
-      <p:ext uri="{BB962C8B-B14F-4D97-AF65-F5344CB8AC3E}">
-        <p14:creationId xmlns:p14="http://schemas.microsoft.com/office/powerpoint/2010/main" val="680897175"/>
-      </p:ext>
-    </p:extLst>
-  </p:cSld>
-  <p:clrMapOvr>
-    <a:masterClrMapping/>
-  </p:clrMapOvr>
-</p:sld>
-</file>
-
-<file path=ppt/slides/slide6.xml><?xml version="1.0" encoding="utf-8"?>
-<p:sld xmlns:a="http://schemas.openxmlformats.org/drawingml/2006/main" xmlns:r="http://schemas.openxmlformats.org/officeDocument/2006/relationships" xmlns:p="http://schemas.openxmlformats.org/presentationml/2006/main">
-  <p:cSld>
-    <p:spTree>
-      <p:nvGrpSpPr>
-        <p:cNvPr id="1" name=""/>
-        <p:cNvGrpSpPr/>
-        <p:nvPr/>
-      </p:nvGrpSpPr>
-      <p:grpSpPr>
-        <a:xfrm>
-          <a:off x="0" y="0"/>
-          <a:ext cx="0" cy="0"/>
-          <a:chOff x="0" y="0"/>
-          <a:chExt cx="0" cy="0"/>
-        </a:xfrm>
-      </p:grpSpPr>
-      <p:sp>
-        <p:nvSpPr>
-          <p:cNvPr id="2" name="Title 1">
-            <a:extLst>
-              <a:ext uri="{FF2B5EF4-FFF2-40B4-BE49-F238E27FC236}">
-                <a16:creationId xmlns:a16="http://schemas.microsoft.com/office/drawing/2014/main" id="{F12F3D47-4401-84AE-95A1-A8E550DDA42C}"/>
-              </a:ext>
-            </a:extLst>
-          </p:cNvPr>
-          <p:cNvSpPr>
-            <a:spLocks noGrp="1"/>
-          </p:cNvSpPr>
-          <p:nvPr>
-            <p:ph type="title"/>
-          </p:nvPr>
-        </p:nvSpPr>
-        <p:spPr>
-          <a:xfrm>
-            <a:off x="838200" y="1440"/>
-            <a:ext cx="10515600" cy="933745"/>
-          </a:xfrm>
-        </p:spPr>
-        <p:txBody>
-          <a:bodyPr/>
-          <a:lstStyle/>
-          <a:p>
-            <a:r>
-              <a:rPr lang="pt-BR" dirty="0"/>
-              <a:t>Conteúdo </a:t>
-            </a:r>
-            <a:r>
-              <a:rPr lang="pt-BR" dirty="0">
-                <a:solidFill>
-                  <a:schemeClr val="accent1"/>
-                </a:solidFill>
-              </a:rPr>
-              <a:t>teórico</a:t>
-            </a:r>
-            <a:r>
-              <a:rPr lang="pt-BR" dirty="0"/>
-              <a:t> e </a:t>
-            </a:r>
-            <a:r>
-              <a:rPr lang="pt-BR" dirty="0">
-                <a:solidFill>
-                  <a:schemeClr val="accent2"/>
-                </a:solidFill>
-              </a:rPr>
-              <a:t>prático</a:t>
-            </a:r>
-          </a:p>
-        </p:txBody>
-      </p:sp>
-      <p:graphicFrame>
-        <p:nvGraphicFramePr>
-          <p:cNvPr id="7" name="Content Placeholder 6">
-            <a:extLst>
-              <a:ext uri="{FF2B5EF4-FFF2-40B4-BE49-F238E27FC236}">
-                <a16:creationId xmlns:a16="http://schemas.microsoft.com/office/drawing/2014/main" id="{A8296CB9-CF90-E3F3-6C4B-80D86430D97C}"/>
-              </a:ext>
-            </a:extLst>
-          </p:cNvPr>
-          <p:cNvGraphicFramePr>
-            <a:graphicFrameLocks noGrp="1"/>
-          </p:cNvGraphicFramePr>
-          <p:nvPr>
-            <p:ph idx="1"/>
-            <p:extLst>
-              <p:ext uri="{D42A27DB-BD31-4B8C-83A1-F6EECF244321}">
-                <p14:modId xmlns:p14="http://schemas.microsoft.com/office/powerpoint/2010/main" val="747973684"/>
-              </p:ext>
-            </p:extLst>
-          </p:nvPr>
-        </p:nvGraphicFramePr>
-        <p:xfrm>
-          <a:off x="0" y="935185"/>
-          <a:ext cx="12192000" cy="2670657"/>
-        </p:xfrm>
-        <a:graphic>
-          <a:graphicData uri="http://schemas.openxmlformats.org/drawingml/2006/diagram">
-            <dgm:relIds xmlns:dgm="http://schemas.openxmlformats.org/drawingml/2006/diagram" xmlns:r="http://schemas.openxmlformats.org/officeDocument/2006/relationships" r:dm="rId3" r:lo="rId4" r:qs="rId5" r:cs="rId6"/>
-          </a:graphicData>
-        </a:graphic>
-      </p:graphicFrame>
-      <p:graphicFrame>
-        <p:nvGraphicFramePr>
-          <p:cNvPr id="8" name="Content Placeholder 6">
-            <a:extLst>
-              <a:ext uri="{FF2B5EF4-FFF2-40B4-BE49-F238E27FC236}">
-                <a16:creationId xmlns:a16="http://schemas.microsoft.com/office/drawing/2014/main" id="{501188FD-F437-FBB1-CAFF-20B887DABC0F}"/>
-              </a:ext>
-            </a:extLst>
-          </p:cNvPr>
-          <p:cNvGraphicFramePr>
-            <a:graphicFrameLocks/>
-          </p:cNvGraphicFramePr>
-          <p:nvPr>
-            <p:extLst>
-              <p:ext uri="{D42A27DB-BD31-4B8C-83A1-F6EECF244321}">
-                <p14:modId xmlns:p14="http://schemas.microsoft.com/office/powerpoint/2010/main" val="3258435303"/>
-              </p:ext>
-            </p:extLst>
-          </p:nvPr>
-        </p:nvGraphicFramePr>
-        <p:xfrm>
-          <a:off x="0" y="3728896"/>
-          <a:ext cx="12192000" cy="3129104"/>
-        </p:xfrm>
-        <a:graphic>
-          <a:graphicData uri="http://schemas.openxmlformats.org/drawingml/2006/diagram">
-            <dgm:relIds xmlns:dgm="http://schemas.openxmlformats.org/drawingml/2006/diagram" xmlns:r="http://schemas.openxmlformats.org/officeDocument/2006/relationships" r:dm="rId8" r:lo="rId9" r:qs="rId10" r:cs="rId11"/>
-          </a:graphicData>
-        </a:graphic>
-      </p:graphicFrame>
-    </p:spTree>
-    <p:extLst>
-      <p:ext uri="{BB962C8B-B14F-4D97-AF65-F5344CB8AC3E}">
-        <p14:creationId xmlns:p14="http://schemas.microsoft.com/office/powerpoint/2010/main" val="2102833900"/>
-      </p:ext>
-    </p:extLst>
-  </p:cSld>
-  <p:clrMapOvr>
-    <a:masterClrMapping/>
-  </p:clrMapOvr>
-</p:sld>
-</file>
-
-<file path=ppt/slides/slide7.xml><?xml version="1.0" encoding="utf-8"?>
-<p:sld xmlns:a="http://schemas.openxmlformats.org/drawingml/2006/main" xmlns:r="http://schemas.openxmlformats.org/officeDocument/2006/relationships" xmlns:p="http://schemas.openxmlformats.org/presentationml/2006/main">
-  <p:cSld>
-    <p:spTree>
-      <p:nvGrpSpPr>
-        <p:cNvPr id="1" name=""/>
-        <p:cNvGrpSpPr/>
-        <p:nvPr/>
-      </p:nvGrpSpPr>
-      <p:grpSpPr>
-        <a:xfrm>
-          <a:off x="0" y="0"/>
-          <a:ext cx="0" cy="0"/>
-          <a:chOff x="0" y="0"/>
-          <a:chExt cx="0" cy="0"/>
-        </a:xfrm>
-      </p:grpSpPr>
-      <p:sp>
-        <p:nvSpPr>
-          <p:cNvPr id="2" name="Title 1">
-            <a:extLst>
-              <a:ext uri="{FF2B5EF4-FFF2-40B4-BE49-F238E27FC236}">
-                <a16:creationId xmlns:a16="http://schemas.microsoft.com/office/drawing/2014/main" id="{B43FB398-6E7C-179E-00F7-2B9CE16CF72D}"/>
-              </a:ext>
-            </a:extLst>
-          </p:cNvPr>
-          <p:cNvSpPr>
-            <a:spLocks noGrp="1"/>
-          </p:cNvSpPr>
-          <p:nvPr>
-            <p:ph type="title"/>
-          </p:nvPr>
-        </p:nvSpPr>
-        <p:spPr/>
-        <p:txBody>
-          <a:bodyPr/>
-          <a:lstStyle/>
-          <a:p>
-            <a:r>
-              <a:rPr lang="pt-BR" dirty="0"/>
-              <a:t>Dúvidas?</a:t>
-            </a:r>
-          </a:p>
-        </p:txBody>
-      </p:sp>
-      <p:pic>
-        <p:nvPicPr>
-          <p:cNvPr id="2050" name="Picture 2" descr="How To Ask Questions Effectively. When we have a question, our first… | by  Soundarya Balasubramani | Agile Insider | Medium">
-            <a:extLst>
-              <a:ext uri="{FF2B5EF4-FFF2-40B4-BE49-F238E27FC236}">
-                <a16:creationId xmlns:a16="http://schemas.microsoft.com/office/drawing/2014/main" id="{E9A05246-02C9-054B-6E28-4A3138C02602}"/>
-              </a:ext>
-            </a:extLst>
-          </p:cNvPr>
-          <p:cNvPicPr>
-            <a:picLocks noChangeAspect="1" noChangeArrowheads="1"/>
-          </p:cNvPicPr>
-          <p:nvPr/>
-        </p:nvPicPr>
-        <p:blipFill>
-          <a:blip r:embed="rId2">
-            <a:extLst>
-              <a:ext uri="{28A0092B-C50C-407E-A947-70E740481C1C}">
-                <a14:useLocalDpi xmlns:a14="http://schemas.microsoft.com/office/drawing/2010/main" val="0"/>
-              </a:ext>
-            </a:extLst>
-          </a:blip>
-          <a:srcRect/>
-          <a:stretch>
-            <a:fillRect/>
-          </a:stretch>
-        </p:blipFill>
-        <p:spPr bwMode="auto">
-          <a:xfrm>
-            <a:off x="4144068" y="1825625"/>
-            <a:ext cx="3903864" cy="4488873"/>
-          </a:xfrm>
-          <a:prstGeom prst="rect">
-            <a:avLst/>
-          </a:prstGeom>
-          <a:noFill/>
-          <a:extLst>
-            <a:ext uri="{909E8E84-426E-40DD-AFC4-6F175D3DCCD1}">
-              <a14:hiddenFill xmlns:a14="http://schemas.microsoft.com/office/drawing/2010/main">
-                <a:solidFill>
-                  <a:srgbClr val="FFFFFF"/>
-                </a:solidFill>
-              </a14:hiddenFill>
-            </a:ext>
-          </a:extLst>
-        </p:spPr>
-      </p:pic>
-    </p:spTree>
-    <p:extLst>
-      <p:ext uri="{BB962C8B-B14F-4D97-AF65-F5344CB8AC3E}">
-        <p14:creationId xmlns:p14="http://schemas.microsoft.com/office/powerpoint/2010/main" val="1426494804"/>
-      </p:ext>
-    </p:extLst>
-  </p:cSld>
-  <p:clrMapOvr>
-    <a:masterClrMapping/>
-  </p:clrMapOvr>
-</p:sld>
-</file>
-
-<file path=ppt/slides/slide8.xml><?xml version="1.0" encoding="utf-8"?>
-<p:sld xmlns:a="http://schemas.openxmlformats.org/drawingml/2006/main" xmlns:r="http://schemas.openxmlformats.org/officeDocument/2006/relationships" xmlns:p="http://schemas.openxmlformats.org/presentationml/2006/main">
-  <p:cSld>
-    <p:spTree>
-      <p:nvGrpSpPr>
-        <p:cNvPr id="1" name=""/>
-        <p:cNvGrpSpPr/>
-        <p:nvPr/>
-      </p:nvGrpSpPr>
-      <p:grpSpPr>
-        <a:xfrm>
-          <a:off x="0" y="0"/>
-          <a:ext cx="0" cy="0"/>
-          <a:chOff x="0" y="0"/>
-          <a:chExt cx="0" cy="0"/>
-        </a:xfrm>
-      </p:grpSpPr>
-      <p:sp>
-        <p:nvSpPr>
-          <p:cNvPr id="2" name="Title 1">
-            <a:extLst>
-              <a:ext uri="{FF2B5EF4-FFF2-40B4-BE49-F238E27FC236}">
-                <a16:creationId xmlns:a16="http://schemas.microsoft.com/office/drawing/2014/main" id="{F0016ACE-4230-86ED-C153-AA502029035F}"/>
-              </a:ext>
-            </a:extLst>
-          </p:cNvPr>
-          <p:cNvSpPr>
-            <a:spLocks noGrp="1"/>
-          </p:cNvSpPr>
-          <p:nvPr>
-            <p:ph type="title"/>
-          </p:nvPr>
-        </p:nvSpPr>
-        <p:spPr/>
-        <p:txBody>
-          <a:bodyPr/>
-          <a:lstStyle/>
-          <a:p>
-            <a:r>
-              <a:rPr lang="pt-BR" dirty="0"/>
-              <a:t>Vamos nos conhecer </a:t>
-            </a:r>
-          </a:p>
-        </p:txBody>
-      </p:sp>
-      <p:sp>
-        <p:nvSpPr>
-          <p:cNvPr id="3" name="Content Placeholder 2">
-            <a:extLst>
-              <a:ext uri="{FF2B5EF4-FFF2-40B4-BE49-F238E27FC236}">
-                <a16:creationId xmlns:a16="http://schemas.microsoft.com/office/drawing/2014/main" id="{16397883-D8E0-3C8F-E649-119809688EB4}"/>
-              </a:ext>
-            </a:extLst>
-          </p:cNvPr>
-          <p:cNvSpPr>
-            <a:spLocks noGrp="1"/>
-          </p:cNvSpPr>
-          <p:nvPr>
-            <p:ph idx="1"/>
-          </p:nvPr>
-        </p:nvSpPr>
-        <p:spPr>
-          <a:xfrm>
-            <a:off x="838200" y="1825625"/>
-            <a:ext cx="8243455" cy="4351338"/>
-          </a:xfrm>
-        </p:spPr>
-        <p:txBody>
-          <a:bodyPr/>
-          <a:lstStyle/>
-          <a:p>
-            <a:pPr algn="l"/>
-            <a:r>
-              <a:rPr lang="pt-BR" b="0" i="0" dirty="0">
-                <a:solidFill>
-                  <a:srgbClr val="1A292C"/>
-                </a:solidFill>
-                <a:effectLst/>
-                <a:latin typeface="+mj-lt"/>
-              </a:rPr>
-              <a:t>Nome</a:t>
-            </a:r>
-          </a:p>
-          <a:p>
-            <a:pPr algn="l"/>
-            <a:r>
-              <a:rPr lang="pt-BR" b="0" i="0" dirty="0">
-                <a:solidFill>
-                  <a:srgbClr val="1A292C"/>
-                </a:solidFill>
-                <a:effectLst/>
-                <a:latin typeface="+mj-lt"/>
-              </a:rPr>
-              <a:t>Formação</a:t>
-            </a:r>
-          </a:p>
-          <a:p>
-            <a:pPr algn="l"/>
-            <a:r>
-              <a:rPr lang="pt-BR" b="0" i="0" dirty="0">
-                <a:solidFill>
-                  <a:srgbClr val="1A292C"/>
-                </a:solidFill>
-                <a:effectLst/>
-                <a:latin typeface="+mj-lt"/>
-              </a:rPr>
-              <a:t>O que faz ou pensa em fazer da vida?</a:t>
-            </a:r>
-          </a:p>
-          <a:p>
-            <a:pPr algn="l"/>
-            <a:r>
-              <a:rPr lang="pt-BR" b="0" i="0" dirty="0">
-                <a:solidFill>
-                  <a:srgbClr val="1A292C"/>
-                </a:solidFill>
-                <a:effectLst/>
-                <a:latin typeface="+mj-lt"/>
-              </a:rPr>
-              <a:t>Experiencia com Modelos de Distribuição de Espécies?</a:t>
-            </a:r>
-          </a:p>
-          <a:p>
-            <a:pPr algn="l"/>
-            <a:r>
-              <a:rPr lang="pt-BR" dirty="0">
-                <a:solidFill>
-                  <a:srgbClr val="1A292C"/>
-                </a:solidFill>
-                <a:latin typeface="+mj-lt"/>
-              </a:rPr>
-              <a:t>O</a:t>
-            </a:r>
-            <a:r>
-              <a:rPr lang="pt-BR" b="0" i="0" dirty="0">
-                <a:solidFill>
-                  <a:srgbClr val="1A292C"/>
-                </a:solidFill>
-                <a:effectLst/>
-                <a:latin typeface="+mj-lt"/>
-              </a:rPr>
-              <a:t> que espera do curso? </a:t>
-            </a:r>
-          </a:p>
-          <a:p>
-            <a:pPr algn="l"/>
-            <a:r>
-              <a:rPr lang="pt-BR" dirty="0">
-                <a:solidFill>
-                  <a:srgbClr val="1A292C"/>
-                </a:solidFill>
-                <a:latin typeface="+mj-lt"/>
-              </a:rPr>
-              <a:t>Duas verdades uma mentira*</a:t>
-            </a:r>
-            <a:endParaRPr lang="pt-BR" b="0" i="0" dirty="0">
-              <a:solidFill>
-                <a:srgbClr val="1A292C"/>
-              </a:solidFill>
-              <a:effectLst/>
-              <a:latin typeface="+mj-lt"/>
-            </a:endParaRPr>
-          </a:p>
-          <a:p>
-            <a:pPr marL="0" indent="0">
-              <a:buNone/>
-            </a:pPr>
-            <a:endParaRPr lang="pt-BR" dirty="0"/>
-          </a:p>
-        </p:txBody>
-      </p:sp>
-    </p:spTree>
-    <p:extLst>
-      <p:ext uri="{BB962C8B-B14F-4D97-AF65-F5344CB8AC3E}">
-        <p14:creationId xmlns:p14="http://schemas.microsoft.com/office/powerpoint/2010/main" val="957641924"/>
-      </p:ext>
-    </p:extLst>
-  </p:cSld>
-  <p:clrMapOvr>
-    <a:masterClrMapping/>
-  </p:clrMapOvr>
-</p:sld>
-</file>
-
-<file path=ppt/slides/slide9.xml><?xml version="1.0" encoding="utf-8"?>
+<file path=ppt/slides/slide11.xml><?xml version="1.0" encoding="utf-8"?>
 <p:sld xmlns:a="http://schemas.openxmlformats.org/drawingml/2006/main" xmlns:r="http://schemas.openxmlformats.org/officeDocument/2006/relationships" xmlns:p="http://schemas.openxmlformats.org/presentationml/2006/main">
   <p:cSld>
     <p:spTree>
@@ -13850,7 +12536,7 @@
           <a:p>
             <a:r>
               <a:rPr lang="pt-BR" dirty="0"/>
-              <a:t>Juliano... </a:t>
+              <a:t>Brunno... </a:t>
             </a:r>
           </a:p>
         </p:txBody>
@@ -14150,7 +12836,7 @@
               <a:rPr lang="pt-BR" dirty="0">
                 <a:latin typeface="+mj-lt"/>
               </a:rPr>
-              <a:t>Tenho uma cadela de nome Zara Maria Carlota das Minas Gerais</a:t>
+              <a:t>Tiver que casar para não ter que me separar</a:t>
             </a:r>
           </a:p>
           <a:p>
@@ -14159,7 +12845,7 @@
               <a:rPr lang="pt-BR" dirty="0">
                 <a:latin typeface="+mj-lt"/>
               </a:rPr>
-              <a:t>Morei num barco que afundou</a:t>
+              <a:t>Sou escalador</a:t>
             </a:r>
           </a:p>
           <a:p>
@@ -14168,43 +12854,19 @@
               <a:rPr lang="pt-BR" dirty="0">
                 <a:latin typeface="+mj-lt"/>
               </a:rPr>
-              <a:t>Sei trabalhar com </a:t>
-            </a:r>
-            <a:r>
-              <a:rPr lang="pt-BR" dirty="0" err="1">
+              <a:t>Já toquei em 3 bandas de rock punk/hardcore</a:t>
+            </a:r>
+            <a:r>
+              <a:rPr lang="pt-BR">
                 <a:latin typeface="+mj-lt"/>
               </a:rPr>
-              <a:t>R</a:t>
+              <a:t>, em uma </a:t>
             </a:r>
             <a:r>
               <a:rPr lang="pt-BR" dirty="0">
                 <a:latin typeface="+mj-lt"/>
               </a:rPr>
-              <a:t>, </a:t>
-            </a:r>
-            <a:r>
-              <a:rPr lang="pt-BR" dirty="0" err="1">
-                <a:latin typeface="+mj-lt"/>
-              </a:rPr>
-              <a:t>Matlab</a:t>
-            </a:r>
-            <a:r>
-              <a:rPr lang="pt-BR" dirty="0">
-                <a:latin typeface="+mj-lt"/>
-              </a:rPr>
-              <a:t>, </a:t>
-            </a:r>
-            <a:r>
-              <a:rPr lang="pt-BR" dirty="0" err="1">
-                <a:latin typeface="+mj-lt"/>
-              </a:rPr>
-              <a:t>Phyton</a:t>
-            </a:r>
-            <a:r>
-              <a:rPr lang="pt-BR" dirty="0">
-                <a:latin typeface="+mj-lt"/>
-              </a:rPr>
-              <a:t> e C++</a:t>
+              <a:t>delas sendo o único membro da banda</a:t>
             </a:r>
           </a:p>
           <a:p>
@@ -14234,7 +12896,1427 @@
     </p:spTree>
     <p:extLst>
       <p:ext uri="{BB962C8B-B14F-4D97-AF65-F5344CB8AC3E}">
-        <p14:creationId xmlns:p14="http://schemas.microsoft.com/office/powerpoint/2010/main" val="461741582"/>
+        <p14:creationId xmlns:p14="http://schemas.microsoft.com/office/powerpoint/2010/main" val="238446441"/>
+      </p:ext>
+    </p:extLst>
+  </p:cSld>
+  <p:clrMapOvr>
+    <a:masterClrMapping/>
+  </p:clrMapOvr>
+</p:sld>
+</file>
+
+<file path=ppt/slides/slide2.xml><?xml version="1.0" encoding="utf-8"?>
+<p:sld xmlns:a="http://schemas.openxmlformats.org/drawingml/2006/main" xmlns:r="http://schemas.openxmlformats.org/officeDocument/2006/relationships" xmlns:p="http://schemas.openxmlformats.org/presentationml/2006/main">
+  <p:cSld>
+    <p:spTree>
+      <p:nvGrpSpPr>
+        <p:cNvPr id="1" name=""/>
+        <p:cNvGrpSpPr/>
+        <p:nvPr/>
+      </p:nvGrpSpPr>
+      <p:grpSpPr>
+        <a:xfrm>
+          <a:off x="0" y="0"/>
+          <a:ext cx="0" cy="0"/>
+          <a:chOff x="0" y="0"/>
+          <a:chExt cx="0" cy="0"/>
+        </a:xfrm>
+      </p:grpSpPr>
+      <p:sp>
+        <p:nvSpPr>
+          <p:cNvPr id="2" name="Title 1">
+            <a:extLst>
+              <a:ext uri="{FF2B5EF4-FFF2-40B4-BE49-F238E27FC236}">
+                <a16:creationId xmlns:a16="http://schemas.microsoft.com/office/drawing/2014/main" id="{A8587219-FA29-5D69-7192-5E217F3FA012}"/>
+              </a:ext>
+            </a:extLst>
+          </p:cNvPr>
+          <p:cNvSpPr>
+            <a:spLocks noGrp="1"/>
+          </p:cNvSpPr>
+          <p:nvPr>
+            <p:ph type="title"/>
+          </p:nvPr>
+        </p:nvSpPr>
+        <p:spPr/>
+        <p:txBody>
+          <a:bodyPr/>
+          <a:lstStyle/>
+          <a:p>
+            <a:r>
+              <a:rPr lang="pt-BR" dirty="0"/>
+              <a:t>Introduções</a:t>
+            </a:r>
+          </a:p>
+        </p:txBody>
+      </p:sp>
+      <p:sp>
+        <p:nvSpPr>
+          <p:cNvPr id="3" name="Content Placeholder 2">
+            <a:extLst>
+              <a:ext uri="{FF2B5EF4-FFF2-40B4-BE49-F238E27FC236}">
+                <a16:creationId xmlns:a16="http://schemas.microsoft.com/office/drawing/2014/main" id="{5DE86898-D3B6-8659-51F5-8DA573572514}"/>
+              </a:ext>
+            </a:extLst>
+          </p:cNvPr>
+          <p:cNvSpPr>
+            <a:spLocks noGrp="1"/>
+          </p:cNvSpPr>
+          <p:nvPr>
+            <p:ph sz="half" idx="1"/>
+          </p:nvPr>
+        </p:nvSpPr>
+        <p:spPr>
+          <a:xfrm>
+            <a:off x="838200" y="1592712"/>
+            <a:ext cx="5181600" cy="4351338"/>
+          </a:xfrm>
+        </p:spPr>
+        <p:txBody>
+          <a:bodyPr/>
+          <a:lstStyle/>
+          <a:p>
+            <a:r>
+              <a:rPr lang="pt-BR" dirty="0">
+                <a:latin typeface="+mj-lt"/>
+              </a:rPr>
+              <a:t>Brunno Oliveira</a:t>
+            </a:r>
+          </a:p>
+          <a:p>
+            <a:pPr lvl="1"/>
+            <a:r>
+              <a:rPr lang="pt-BR" dirty="0">
+                <a:latin typeface="+mj-lt"/>
+              </a:rPr>
+              <a:t>Ecólogo</a:t>
+            </a:r>
+          </a:p>
+          <a:p>
+            <a:pPr lvl="1"/>
+            <a:r>
+              <a:rPr lang="pt-BR" dirty="0">
+                <a:latin typeface="+mj-lt"/>
+              </a:rPr>
+              <a:t>PosDoc. Centro de Sínteses e Analáses em Biodiversidade, França (CESAB)</a:t>
+            </a:r>
+          </a:p>
+          <a:p>
+            <a:pPr lvl="1"/>
+            <a:r>
+              <a:rPr lang="pt-BR" dirty="0">
+                <a:latin typeface="+mj-lt"/>
+              </a:rPr>
+              <a:t>Macroecologia, Macroevolução, e mudanças climáticas e ecológicas</a:t>
+            </a:r>
+          </a:p>
+          <a:p>
+            <a:endParaRPr lang="pt-BR" dirty="0">
+              <a:latin typeface="+mj-lt"/>
+            </a:endParaRPr>
+          </a:p>
+          <a:p>
+            <a:pPr marL="457200" lvl="1" indent="0">
+              <a:buNone/>
+            </a:pPr>
+            <a:endParaRPr lang="pt-BR" dirty="0">
+              <a:latin typeface="+mj-lt"/>
+            </a:endParaRPr>
+          </a:p>
+        </p:txBody>
+      </p:sp>
+      <p:sp>
+        <p:nvSpPr>
+          <p:cNvPr id="5" name="Content Placeholder 4">
+            <a:extLst>
+              <a:ext uri="{FF2B5EF4-FFF2-40B4-BE49-F238E27FC236}">
+                <a16:creationId xmlns:a16="http://schemas.microsoft.com/office/drawing/2014/main" id="{59D0C990-66C7-2293-6DD8-375321E06B0C}"/>
+              </a:ext>
+            </a:extLst>
+          </p:cNvPr>
+          <p:cNvSpPr>
+            <a:spLocks noGrp="1"/>
+          </p:cNvSpPr>
+          <p:nvPr>
+            <p:ph sz="half" idx="2"/>
+          </p:nvPr>
+        </p:nvSpPr>
+        <p:spPr>
+          <a:xfrm>
+            <a:off x="6172200" y="1592712"/>
+            <a:ext cx="5181600" cy="4351338"/>
+          </a:xfrm>
+        </p:spPr>
+        <p:txBody>
+          <a:bodyPr/>
+          <a:lstStyle/>
+          <a:p>
+            <a:r>
+              <a:rPr lang="pt-BR" dirty="0">
+                <a:latin typeface="+mj-lt"/>
+              </a:rPr>
+              <a:t>Juliano Palacios Abrantes</a:t>
+            </a:r>
+          </a:p>
+          <a:p>
+            <a:pPr lvl="1"/>
+            <a:r>
+              <a:rPr lang="pt-BR" dirty="0">
+                <a:latin typeface="+mj-lt"/>
+              </a:rPr>
+              <a:t>Biólogo (marinho)</a:t>
+            </a:r>
+          </a:p>
+          <a:p>
+            <a:pPr lvl="1"/>
+            <a:r>
+              <a:rPr lang="pt-BR" dirty="0" err="1">
+                <a:latin typeface="+mj-lt"/>
+              </a:rPr>
+              <a:t>PosDoc</a:t>
+            </a:r>
+            <a:r>
+              <a:rPr lang="pt-BR" dirty="0">
+                <a:latin typeface="+mj-lt"/>
+              </a:rPr>
+              <a:t>. </a:t>
+            </a:r>
+            <a:r>
+              <a:rPr lang="pt-BR" dirty="0" err="1">
+                <a:latin typeface="+mj-lt"/>
+              </a:rPr>
+              <a:t>University</a:t>
+            </a:r>
+            <a:r>
+              <a:rPr lang="pt-BR" dirty="0">
+                <a:latin typeface="+mj-lt"/>
+              </a:rPr>
+              <a:t> </a:t>
+            </a:r>
+            <a:r>
+              <a:rPr lang="pt-BR" dirty="0" err="1">
+                <a:latin typeface="+mj-lt"/>
+              </a:rPr>
+              <a:t>of</a:t>
+            </a:r>
+            <a:r>
+              <a:rPr lang="pt-BR" dirty="0">
+                <a:latin typeface="+mj-lt"/>
+              </a:rPr>
+              <a:t> British Columbia, Canada</a:t>
+            </a:r>
+          </a:p>
+          <a:p>
+            <a:pPr lvl="1"/>
+            <a:r>
+              <a:rPr lang="pt-BR" dirty="0">
+                <a:latin typeface="+mj-lt"/>
+              </a:rPr>
+              <a:t>Mudanças climáticas nos oceanos, principalmente pesca e conservação </a:t>
+            </a:r>
+          </a:p>
+        </p:txBody>
+      </p:sp>
+      <p:pic>
+        <p:nvPicPr>
+          <p:cNvPr id="7" name="Picture 6">
+            <a:extLst>
+              <a:ext uri="{FF2B5EF4-FFF2-40B4-BE49-F238E27FC236}">
+                <a16:creationId xmlns:a16="http://schemas.microsoft.com/office/drawing/2014/main" id="{52710359-4D63-3127-9669-4C68E5096857}"/>
+              </a:ext>
+            </a:extLst>
+          </p:cNvPr>
+          <p:cNvPicPr>
+            <a:picLocks noChangeAspect="1"/>
+          </p:cNvPicPr>
+          <p:nvPr/>
+        </p:nvPicPr>
+        <p:blipFill>
+          <a:blip r:embed="rId2"/>
+          <a:stretch>
+            <a:fillRect/>
+          </a:stretch>
+        </p:blipFill>
+        <p:spPr>
+          <a:xfrm>
+            <a:off x="7981372" y="4490027"/>
+            <a:ext cx="2212109" cy="2212109"/>
+          </a:xfrm>
+          <a:prstGeom prst="rect">
+            <a:avLst/>
+          </a:prstGeom>
+        </p:spPr>
+      </p:pic>
+      <p:pic>
+        <p:nvPicPr>
+          <p:cNvPr id="4" name="Image 3"/>
+          <p:cNvPicPr>
+            <a:picLocks noChangeAspect="1"/>
+          </p:cNvPicPr>
+          <p:nvPr/>
+        </p:nvPicPr>
+        <p:blipFill rotWithShape="1">
+          <a:blip r:embed="rId3">
+            <a:extLst>
+              <a:ext uri="{28A0092B-C50C-407E-A947-70E740481C1C}">
+                <a14:useLocalDpi xmlns:a14="http://schemas.microsoft.com/office/drawing/2010/main" val="0"/>
+              </a:ext>
+            </a:extLst>
+          </a:blip>
+          <a:srcRect l="32129" t="31841" r="38331" b="27622"/>
+          <a:stretch/>
+        </p:blipFill>
+        <p:spPr>
+          <a:xfrm>
+            <a:off x="2216989" y="4490026"/>
+            <a:ext cx="2149304" cy="2212109"/>
+          </a:xfrm>
+          <a:prstGeom prst="rect">
+            <a:avLst/>
+          </a:prstGeom>
+        </p:spPr>
+      </p:pic>
+    </p:spTree>
+    <p:extLst>
+      <p:ext uri="{BB962C8B-B14F-4D97-AF65-F5344CB8AC3E}">
+        <p14:creationId xmlns:p14="http://schemas.microsoft.com/office/powerpoint/2010/main" val="1203215970"/>
+      </p:ext>
+    </p:extLst>
+  </p:cSld>
+  <p:clrMapOvr>
+    <a:masterClrMapping/>
+  </p:clrMapOvr>
+</p:sld>
+</file>
+
+<file path=ppt/slides/slide3.xml><?xml version="1.0" encoding="utf-8"?>
+<p:sld xmlns:a="http://schemas.openxmlformats.org/drawingml/2006/main" xmlns:r="http://schemas.openxmlformats.org/officeDocument/2006/relationships" xmlns:p="http://schemas.openxmlformats.org/presentationml/2006/main">
+  <p:cSld>
+    <p:spTree>
+      <p:nvGrpSpPr>
+        <p:cNvPr id="1" name=""/>
+        <p:cNvGrpSpPr/>
+        <p:nvPr/>
+      </p:nvGrpSpPr>
+      <p:grpSpPr>
+        <a:xfrm>
+          <a:off x="0" y="0"/>
+          <a:ext cx="0" cy="0"/>
+          <a:chOff x="0" y="0"/>
+          <a:chExt cx="0" cy="0"/>
+        </a:xfrm>
+      </p:grpSpPr>
+      <p:sp>
+        <p:nvSpPr>
+          <p:cNvPr id="2" name="Title 1">
+            <a:extLst>
+              <a:ext uri="{FF2B5EF4-FFF2-40B4-BE49-F238E27FC236}">
+                <a16:creationId xmlns:a16="http://schemas.microsoft.com/office/drawing/2014/main" id="{9ADCB4FC-2414-AF6F-C96A-606D05E2CDC9}"/>
+              </a:ext>
+            </a:extLst>
+          </p:cNvPr>
+          <p:cNvSpPr>
+            <a:spLocks noGrp="1"/>
+          </p:cNvSpPr>
+          <p:nvPr>
+            <p:ph type="title"/>
+          </p:nvPr>
+        </p:nvSpPr>
+        <p:spPr/>
+        <p:txBody>
+          <a:bodyPr/>
+          <a:lstStyle/>
+          <a:p>
+            <a:r>
+              <a:rPr lang="pt-BR" dirty="0"/>
+              <a:t>Estrutura do curso</a:t>
+            </a:r>
+          </a:p>
+        </p:txBody>
+      </p:sp>
+      <p:sp>
+        <p:nvSpPr>
+          <p:cNvPr id="3" name="Content Placeholder 2">
+            <a:extLst>
+              <a:ext uri="{FF2B5EF4-FFF2-40B4-BE49-F238E27FC236}">
+                <a16:creationId xmlns:a16="http://schemas.microsoft.com/office/drawing/2014/main" id="{5F8E1408-D0F9-3DD3-B556-303D4F4D8027}"/>
+              </a:ext>
+            </a:extLst>
+          </p:cNvPr>
+          <p:cNvSpPr>
+            <a:spLocks noGrp="1"/>
+          </p:cNvSpPr>
+          <p:nvPr>
+            <p:ph idx="1"/>
+          </p:nvPr>
+        </p:nvSpPr>
+        <p:spPr/>
+        <p:txBody>
+          <a:bodyPr/>
+          <a:lstStyle/>
+          <a:p>
+            <a:r>
+              <a:rPr lang="pt-BR" dirty="0">
+                <a:latin typeface="+mj-lt"/>
+              </a:rPr>
+              <a:t>Data e sala:</a:t>
+            </a:r>
+          </a:p>
+          <a:p>
+            <a:pPr lvl="1"/>
+            <a:r>
+              <a:rPr lang="pt-BR" dirty="0">
+                <a:latin typeface="+mj-lt"/>
+              </a:rPr>
+              <a:t>4 ao 8 de novembro </a:t>
+            </a:r>
+          </a:p>
+          <a:p>
+            <a:r>
+              <a:rPr lang="pt-BR" dirty="0">
+                <a:latin typeface="+mj-lt"/>
+              </a:rPr>
+              <a:t>Estrutura do dia:</a:t>
+            </a:r>
+          </a:p>
+          <a:p>
+            <a:pPr lvl="1"/>
+            <a:r>
+              <a:rPr lang="pt-BR" dirty="0">
+                <a:latin typeface="+mj-lt"/>
+              </a:rPr>
+              <a:t>8:00 - 9:30 </a:t>
+            </a:r>
+            <a:r>
+              <a:rPr lang="pt-BR" dirty="0" err="1">
+                <a:latin typeface="+mj-lt"/>
+              </a:rPr>
+              <a:t>am</a:t>
+            </a:r>
+            <a:r>
+              <a:rPr lang="pt-BR" dirty="0">
+                <a:latin typeface="+mj-lt"/>
+              </a:rPr>
+              <a:t> - Teoria</a:t>
+            </a:r>
+          </a:p>
+          <a:p>
+            <a:pPr lvl="1"/>
+            <a:r>
+              <a:rPr lang="pt-BR" dirty="0">
+                <a:latin typeface="+mj-lt"/>
+              </a:rPr>
+              <a:t>9:40 - 12.00 Pratica (</a:t>
+            </a:r>
+            <a:r>
+              <a:rPr lang="pt-BR" dirty="0" err="1">
+                <a:latin typeface="+mj-lt"/>
+              </a:rPr>
+              <a:t>R</a:t>
+            </a:r>
+            <a:r>
+              <a:rPr lang="pt-BR" dirty="0">
+                <a:latin typeface="+mj-lt"/>
+              </a:rPr>
+              <a:t>)</a:t>
+            </a:r>
+          </a:p>
+          <a:p>
+            <a:pPr lvl="1"/>
+            <a:r>
+              <a:rPr lang="pt-BR" dirty="0">
+                <a:latin typeface="+mj-lt"/>
+              </a:rPr>
+              <a:t>13:30 – 16:30 Laboratório pratico (Duração variável)</a:t>
+            </a:r>
+          </a:p>
+          <a:p>
+            <a:r>
+              <a:rPr lang="pt-BR" dirty="0">
+                <a:latin typeface="+mj-lt"/>
+              </a:rPr>
+              <a:t>Material principalmente no GitHub</a:t>
+            </a:r>
+          </a:p>
+          <a:p>
+            <a:pPr lvl="1"/>
+            <a:r>
+              <a:rPr lang="pt-BR" dirty="0">
+                <a:latin typeface="+mj-lt"/>
+              </a:rPr>
+              <a:t>Vamos trabalhar o mais possível no GitHub (Primeira aula!)</a:t>
+            </a:r>
+          </a:p>
+        </p:txBody>
+      </p:sp>
+    </p:spTree>
+    <p:extLst>
+      <p:ext uri="{BB962C8B-B14F-4D97-AF65-F5344CB8AC3E}">
+        <p14:creationId xmlns:p14="http://schemas.microsoft.com/office/powerpoint/2010/main" val="652814140"/>
+      </p:ext>
+    </p:extLst>
+  </p:cSld>
+  <p:clrMapOvr>
+    <a:masterClrMapping/>
+  </p:clrMapOvr>
+</p:sld>
+</file>
+
+<file path=ppt/slides/slide4.xml><?xml version="1.0" encoding="utf-8"?>
+<p:sld xmlns:a="http://schemas.openxmlformats.org/drawingml/2006/main" xmlns:r="http://schemas.openxmlformats.org/officeDocument/2006/relationships" xmlns:p="http://schemas.openxmlformats.org/presentationml/2006/main">
+  <p:cSld>
+    <p:spTree>
+      <p:nvGrpSpPr>
+        <p:cNvPr id="1" name=""/>
+        <p:cNvGrpSpPr/>
+        <p:nvPr/>
+      </p:nvGrpSpPr>
+      <p:grpSpPr>
+        <a:xfrm>
+          <a:off x="0" y="0"/>
+          <a:ext cx="0" cy="0"/>
+          <a:chOff x="0" y="0"/>
+          <a:chExt cx="0" cy="0"/>
+        </a:xfrm>
+      </p:grpSpPr>
+      <p:sp>
+        <p:nvSpPr>
+          <p:cNvPr id="2" name="Title 1">
+            <a:extLst>
+              <a:ext uri="{FF2B5EF4-FFF2-40B4-BE49-F238E27FC236}">
+                <a16:creationId xmlns:a16="http://schemas.microsoft.com/office/drawing/2014/main" id="{F5F295D8-C1AD-2649-2B5D-C727EC10F02D}"/>
+              </a:ext>
+            </a:extLst>
+          </p:cNvPr>
+          <p:cNvSpPr>
+            <a:spLocks noGrp="1"/>
+          </p:cNvSpPr>
+          <p:nvPr>
+            <p:ph type="title"/>
+          </p:nvPr>
+        </p:nvSpPr>
+        <p:spPr/>
+        <p:txBody>
+          <a:bodyPr/>
+          <a:lstStyle/>
+          <a:p>
+            <a:r>
+              <a:rPr lang="pt-BR" dirty="0"/>
+              <a:t>Objetivos do curso</a:t>
+            </a:r>
+          </a:p>
+        </p:txBody>
+      </p:sp>
+      <p:sp>
+        <p:nvSpPr>
+          <p:cNvPr id="3" name="Content Placeholder 2">
+            <a:extLst>
+              <a:ext uri="{FF2B5EF4-FFF2-40B4-BE49-F238E27FC236}">
+                <a16:creationId xmlns:a16="http://schemas.microsoft.com/office/drawing/2014/main" id="{3E9BAACF-1108-E879-2DD3-EDEC8A30C340}"/>
+              </a:ext>
+            </a:extLst>
+          </p:cNvPr>
+          <p:cNvSpPr>
+            <a:spLocks noGrp="1"/>
+          </p:cNvSpPr>
+          <p:nvPr>
+            <p:ph idx="1"/>
+          </p:nvPr>
+        </p:nvSpPr>
+        <p:spPr/>
+        <p:txBody>
+          <a:bodyPr/>
+          <a:lstStyle/>
+          <a:p>
+            <a:r>
+              <a:rPr lang="pt-BR" noProof="0" dirty="0">
+                <a:latin typeface="+mj-lt"/>
+              </a:rPr>
+              <a:t>Compreender os fundamentos dos modelos de distribuição de espécies</a:t>
+            </a:r>
+          </a:p>
+          <a:p>
+            <a:r>
+              <a:rPr lang="pt-BR" noProof="0" dirty="0">
+                <a:latin typeface="+mj-lt"/>
+              </a:rPr>
+              <a:t>Explorar as principais bases da dados climáticas e observacionais para ecologia </a:t>
+            </a:r>
+          </a:p>
+          <a:p>
+            <a:r>
+              <a:rPr lang="pt-BR" noProof="0" dirty="0">
+                <a:latin typeface="+mj-lt"/>
+              </a:rPr>
+              <a:t>Desenvolver habilidades em manipulação de sados</a:t>
+            </a:r>
+          </a:p>
+          <a:p>
+            <a:r>
+              <a:rPr lang="pt-BR" noProof="0" dirty="0">
+                <a:latin typeface="+mj-lt"/>
+              </a:rPr>
+              <a:t>Explorar técnicas de visualização de dados</a:t>
+            </a:r>
+          </a:p>
+          <a:p>
+            <a:endParaRPr lang="pt-BR" noProof="0" dirty="0">
+              <a:latin typeface="+mj-lt"/>
+            </a:endParaRPr>
+          </a:p>
+        </p:txBody>
+      </p:sp>
+    </p:spTree>
+    <p:extLst>
+      <p:ext uri="{BB962C8B-B14F-4D97-AF65-F5344CB8AC3E}">
+        <p14:creationId xmlns:p14="http://schemas.microsoft.com/office/powerpoint/2010/main" val="4278137136"/>
+      </p:ext>
+    </p:extLst>
+  </p:cSld>
+  <p:clrMapOvr>
+    <a:masterClrMapping/>
+  </p:clrMapOvr>
+</p:sld>
+</file>
+
+<file path=ppt/slides/slide5.xml><?xml version="1.0" encoding="utf-8"?>
+<p:sld xmlns:a="http://schemas.openxmlformats.org/drawingml/2006/main" xmlns:r="http://schemas.openxmlformats.org/officeDocument/2006/relationships" xmlns:p="http://schemas.openxmlformats.org/presentationml/2006/main">
+  <p:cSld>
+    <p:spTree>
+      <p:nvGrpSpPr>
+        <p:cNvPr id="1" name=""/>
+        <p:cNvGrpSpPr/>
+        <p:nvPr/>
+      </p:nvGrpSpPr>
+      <p:grpSpPr>
+        <a:xfrm>
+          <a:off x="0" y="0"/>
+          <a:ext cx="0" cy="0"/>
+          <a:chOff x="0" y="0"/>
+          <a:chExt cx="0" cy="0"/>
+        </a:xfrm>
+      </p:grpSpPr>
+      <p:sp>
+        <p:nvSpPr>
+          <p:cNvPr id="2" name="Title 1">
+            <a:extLst>
+              <a:ext uri="{FF2B5EF4-FFF2-40B4-BE49-F238E27FC236}">
+                <a16:creationId xmlns:a16="http://schemas.microsoft.com/office/drawing/2014/main" id="{F5F295D8-C1AD-2649-2B5D-C727EC10F02D}"/>
+              </a:ext>
+            </a:extLst>
+          </p:cNvPr>
+          <p:cNvSpPr>
+            <a:spLocks noGrp="1"/>
+          </p:cNvSpPr>
+          <p:nvPr>
+            <p:ph type="title"/>
+          </p:nvPr>
+        </p:nvSpPr>
+        <p:spPr>
+          <a:xfrm>
+            <a:off x="838200" y="0"/>
+            <a:ext cx="10515600" cy="1325563"/>
+          </a:xfrm>
+        </p:spPr>
+        <p:txBody>
+          <a:bodyPr/>
+          <a:lstStyle/>
+          <a:p>
+            <a:r>
+              <a:rPr lang="pt-BR" dirty="0"/>
+              <a:t>Objetivos do curso</a:t>
+            </a:r>
+          </a:p>
+        </p:txBody>
+      </p:sp>
+      <p:pic>
+        <p:nvPicPr>
+          <p:cNvPr id="4" name="Espace réservé du contenu 6"/>
+          <p:cNvPicPr>
+            <a:picLocks noGrp="1" noChangeAspect="1"/>
+          </p:cNvPicPr>
+          <p:nvPr>
+            <p:ph idx="1"/>
+          </p:nvPr>
+        </p:nvPicPr>
+        <p:blipFill>
+          <a:blip r:embed="rId2"/>
+          <a:stretch>
+            <a:fillRect/>
+          </a:stretch>
+        </p:blipFill>
+        <p:spPr>
+          <a:xfrm>
+            <a:off x="2992949" y="2080874"/>
+            <a:ext cx="6206101" cy="3840840"/>
+          </a:xfrm>
+          <a:prstGeom prst="rect">
+            <a:avLst/>
+          </a:prstGeom>
+        </p:spPr>
+      </p:pic>
+      <p:sp>
+        <p:nvSpPr>
+          <p:cNvPr id="5" name="Rectangle 4"/>
+          <p:cNvSpPr/>
+          <p:nvPr/>
+        </p:nvSpPr>
+        <p:spPr>
+          <a:xfrm>
+            <a:off x="201598" y="6363091"/>
+            <a:ext cx="1635384" cy="307777"/>
+          </a:xfrm>
+          <a:prstGeom prst="rect">
+            <a:avLst/>
+          </a:prstGeom>
+        </p:spPr>
+        <p:txBody>
+          <a:bodyPr wrap="none">
+            <a:spAutoFit/>
+          </a:bodyPr>
+          <a:lstStyle/>
+          <a:p>
+            <a:r>
+              <a:rPr lang="en-US" sz="1400" dirty="0" err="1">
+                <a:solidFill>
+                  <a:srgbClr val="2369BE"/>
+                </a:solidFill>
+                <a:latin typeface="FiraSans-Light"/>
+              </a:rPr>
+              <a:t>Zurell</a:t>
+            </a:r>
+            <a:r>
+              <a:rPr lang="en-US" sz="1400" dirty="0">
+                <a:solidFill>
+                  <a:srgbClr val="2369BE"/>
+                </a:solidFill>
+                <a:latin typeface="FiraSans-Light"/>
+              </a:rPr>
+              <a:t> et al. (2020)</a:t>
+            </a:r>
+            <a:endParaRPr lang="en-US" sz="1400" dirty="0"/>
+          </a:p>
+        </p:txBody>
+      </p:sp>
+    </p:spTree>
+    <p:extLst>
+      <p:ext uri="{BB962C8B-B14F-4D97-AF65-F5344CB8AC3E}">
+        <p14:creationId xmlns:p14="http://schemas.microsoft.com/office/powerpoint/2010/main" val="123841455"/>
+      </p:ext>
+    </p:extLst>
+  </p:cSld>
+  <p:clrMapOvr>
+    <a:masterClrMapping/>
+  </p:clrMapOvr>
+</p:sld>
+</file>
+
+<file path=ppt/slides/slide6.xml><?xml version="1.0" encoding="utf-8"?>
+<p:sld xmlns:a="http://schemas.openxmlformats.org/drawingml/2006/main" xmlns:r="http://schemas.openxmlformats.org/officeDocument/2006/relationships" xmlns:p="http://schemas.openxmlformats.org/presentationml/2006/main">
+  <p:cSld>
+    <p:spTree>
+      <p:nvGrpSpPr>
+        <p:cNvPr id="1" name=""/>
+        <p:cNvGrpSpPr/>
+        <p:nvPr/>
+      </p:nvGrpSpPr>
+      <p:grpSpPr>
+        <a:xfrm>
+          <a:off x="0" y="0"/>
+          <a:ext cx="0" cy="0"/>
+          <a:chOff x="0" y="0"/>
+          <a:chExt cx="0" cy="0"/>
+        </a:xfrm>
+      </p:grpSpPr>
+      <p:sp>
+        <p:nvSpPr>
+          <p:cNvPr id="2" name="Title 1">
+            <a:extLst>
+              <a:ext uri="{FF2B5EF4-FFF2-40B4-BE49-F238E27FC236}">
+                <a16:creationId xmlns:a16="http://schemas.microsoft.com/office/drawing/2014/main" id="{F598A613-19F2-0CDA-EBA7-21D8BFFE2118}"/>
+              </a:ext>
+            </a:extLst>
+          </p:cNvPr>
+          <p:cNvSpPr>
+            <a:spLocks noGrp="1"/>
+          </p:cNvSpPr>
+          <p:nvPr>
+            <p:ph type="title"/>
+          </p:nvPr>
+        </p:nvSpPr>
+        <p:spPr/>
+        <p:txBody>
+          <a:bodyPr>
+            <a:normAutofit/>
+          </a:bodyPr>
+          <a:lstStyle/>
+          <a:p>
+            <a:pPr algn="l"/>
+            <a:r>
+              <a:rPr lang="pt-BR" b="0" i="0" noProof="0" dirty="0">
+                <a:solidFill>
+                  <a:srgbClr val="1A292C"/>
+                </a:solidFill>
+                <a:effectLst/>
+                <a:latin typeface="Fira Sans" panose="020B0503050000020004" pitchFamily="34" charset="0"/>
+              </a:rPr>
+              <a:t>Espaço seguro e amigável</a:t>
+            </a:r>
+            <a:endParaRPr lang="pt-BR" noProof="0" dirty="0"/>
+          </a:p>
+        </p:txBody>
+      </p:sp>
+      <p:sp>
+        <p:nvSpPr>
+          <p:cNvPr id="3" name="Content Placeholder 2">
+            <a:extLst>
+              <a:ext uri="{FF2B5EF4-FFF2-40B4-BE49-F238E27FC236}">
+                <a16:creationId xmlns:a16="http://schemas.microsoft.com/office/drawing/2014/main" id="{273221B0-A0EA-A8D3-F82F-BA4D079C9B9D}"/>
+              </a:ext>
+            </a:extLst>
+          </p:cNvPr>
+          <p:cNvSpPr>
+            <a:spLocks noGrp="1"/>
+          </p:cNvSpPr>
+          <p:nvPr>
+            <p:ph idx="1"/>
+          </p:nvPr>
+        </p:nvSpPr>
+        <p:spPr/>
+        <p:txBody>
+          <a:bodyPr/>
+          <a:lstStyle/>
+          <a:p>
+            <a:pPr algn="l"/>
+            <a:r>
+              <a:rPr lang="pt-BR" b="0" i="0" noProof="0" dirty="0">
+                <a:solidFill>
+                  <a:srgbClr val="1A292C"/>
+                </a:solidFill>
+                <a:effectLst/>
+                <a:latin typeface="+mj-lt"/>
+              </a:rPr>
+              <a:t>Sintam-se à vontade para nos interromper e tirar dúvidas</a:t>
+            </a:r>
+          </a:p>
+          <a:p>
+            <a:pPr algn="l"/>
+            <a:r>
+              <a:rPr lang="pt-BR" noProof="0" dirty="0">
+                <a:solidFill>
+                  <a:srgbClr val="1A292C"/>
+                </a:solidFill>
+                <a:latin typeface="+mj-lt"/>
+              </a:rPr>
+              <a:t>Se formos muito rápidos, avisem</a:t>
+            </a:r>
+          </a:p>
+          <a:p>
+            <a:pPr algn="l"/>
+            <a:r>
+              <a:rPr lang="pt-BR" b="0" i="0" noProof="0" dirty="0">
+                <a:solidFill>
+                  <a:srgbClr val="1A292C"/>
+                </a:solidFill>
+                <a:effectLst/>
+                <a:latin typeface="+mj-lt"/>
+              </a:rPr>
+              <a:t>Em quanto um esta dando a oficina, </a:t>
+            </a:r>
+            <a:r>
+              <a:rPr lang="pt-BR" dirty="0" err="1">
+                <a:solidFill>
+                  <a:srgbClr val="1A292C"/>
+                </a:solidFill>
+                <a:latin typeface="+mj-lt"/>
+              </a:rPr>
+              <a:t>u</a:t>
+            </a:r>
+            <a:r>
+              <a:rPr lang="pt-BR" b="0" i="0" noProof="0" dirty="0">
+                <a:solidFill>
+                  <a:srgbClr val="1A292C"/>
+                </a:solidFill>
+                <a:effectLst/>
+                <a:latin typeface="+mj-lt"/>
+              </a:rPr>
+              <a:t> outro ajuda no </a:t>
+            </a:r>
+            <a:r>
+              <a:rPr lang="pt-BR" b="0" i="1" noProof="0" dirty="0">
+                <a:solidFill>
+                  <a:srgbClr val="1A292C"/>
+                </a:solidFill>
+                <a:effectLst/>
+                <a:latin typeface="+mj-lt"/>
+              </a:rPr>
+              <a:t>trouble</a:t>
+            </a:r>
+            <a:r>
+              <a:rPr lang="pt-BR" b="0" i="0" noProof="0" dirty="0">
+                <a:solidFill>
+                  <a:srgbClr val="1A292C"/>
+                </a:solidFill>
+                <a:effectLst/>
+                <a:latin typeface="+mj-lt"/>
+              </a:rPr>
+              <a:t> </a:t>
+            </a:r>
+            <a:r>
+              <a:rPr lang="pt-BR" b="0" i="1" noProof="0" dirty="0">
+                <a:solidFill>
+                  <a:srgbClr val="1A292C"/>
+                </a:solidFill>
+                <a:effectLst/>
+                <a:latin typeface="+mj-lt"/>
+              </a:rPr>
+              <a:t>shoot</a:t>
+            </a:r>
+          </a:p>
+          <a:p>
+            <a:pPr lvl="1"/>
+            <a:r>
+              <a:rPr lang="pt-BR" b="0" i="0" noProof="0" dirty="0">
+                <a:solidFill>
+                  <a:srgbClr val="1A292C"/>
+                </a:solidFill>
+                <a:effectLst/>
+                <a:latin typeface="+mj-lt"/>
+              </a:rPr>
+              <a:t>Dinâmica de </a:t>
+            </a:r>
+            <a:r>
+              <a:rPr lang="pt-BR" i="1" dirty="0" err="1">
+                <a:solidFill>
+                  <a:srgbClr val="1A292C"/>
+                </a:solidFill>
+                <a:latin typeface="+mj-lt"/>
+              </a:rPr>
+              <a:t>P</a:t>
+            </a:r>
+            <a:r>
+              <a:rPr lang="pt-BR" b="0" i="1" noProof="0" dirty="0" err="1">
+                <a:solidFill>
+                  <a:srgbClr val="1A292C"/>
+                </a:solidFill>
+                <a:effectLst/>
+                <a:latin typeface="+mj-lt"/>
+              </a:rPr>
+              <a:t>ost</a:t>
+            </a:r>
+            <a:r>
+              <a:rPr lang="pt-BR" b="0" i="1" noProof="0" dirty="0">
+                <a:solidFill>
+                  <a:srgbClr val="1A292C"/>
+                </a:solidFill>
+                <a:effectLst/>
+                <a:latin typeface="+mj-lt"/>
+              </a:rPr>
+              <a:t>-its</a:t>
+            </a:r>
+            <a:r>
+              <a:rPr lang="pt-BR" b="0" i="0" noProof="0" dirty="0">
+                <a:solidFill>
+                  <a:srgbClr val="1A292C"/>
+                </a:solidFill>
+                <a:effectLst/>
+                <a:latin typeface="+mj-lt"/>
+              </a:rPr>
+              <a:t> </a:t>
+            </a:r>
+          </a:p>
+          <a:p>
+            <a:endParaRPr lang="pt-BR" noProof="0" dirty="0">
+              <a:latin typeface="+mj-lt"/>
+            </a:endParaRPr>
+          </a:p>
+        </p:txBody>
+      </p:sp>
+      <p:pic>
+        <p:nvPicPr>
+          <p:cNvPr id="1026" name="Picture 2" descr="It's A Safe Space… : r/utahtreasurehunt">
+            <a:extLst>
+              <a:ext uri="{FF2B5EF4-FFF2-40B4-BE49-F238E27FC236}">
+                <a16:creationId xmlns:a16="http://schemas.microsoft.com/office/drawing/2014/main" id="{7AEAB9A9-CEA8-564B-66D3-74D8946AAADC}"/>
+              </a:ext>
+            </a:extLst>
+          </p:cNvPr>
+          <p:cNvPicPr>
+            <a:picLocks noChangeAspect="1" noChangeArrowheads="1"/>
+          </p:cNvPicPr>
+          <p:nvPr/>
+        </p:nvPicPr>
+        <p:blipFill>
+          <a:blip r:embed="rId2">
+            <a:extLst>
+              <a:ext uri="{28A0092B-C50C-407E-A947-70E740481C1C}">
+                <a14:useLocalDpi xmlns:a14="http://schemas.microsoft.com/office/drawing/2010/main" val="0"/>
+              </a:ext>
+            </a:extLst>
+          </a:blip>
+          <a:srcRect/>
+          <a:stretch>
+            <a:fillRect/>
+          </a:stretch>
+        </p:blipFill>
+        <p:spPr bwMode="auto">
+          <a:xfrm>
+            <a:off x="3715328" y="4071309"/>
+            <a:ext cx="3880427" cy="2595035"/>
+          </a:xfrm>
+          <a:prstGeom prst="rect">
+            <a:avLst/>
+          </a:prstGeom>
+          <a:noFill/>
+          <a:extLst>
+            <a:ext uri="{909E8E84-426E-40DD-AFC4-6F175D3DCCD1}">
+              <a14:hiddenFill xmlns:a14="http://schemas.microsoft.com/office/drawing/2010/main">
+                <a:solidFill>
+                  <a:srgbClr val="FFFFFF"/>
+                </a:solidFill>
+              </a14:hiddenFill>
+            </a:ext>
+          </a:extLst>
+        </p:spPr>
+      </p:pic>
+    </p:spTree>
+    <p:extLst>
+      <p:ext uri="{BB962C8B-B14F-4D97-AF65-F5344CB8AC3E}">
+        <p14:creationId xmlns:p14="http://schemas.microsoft.com/office/powerpoint/2010/main" val="680897175"/>
+      </p:ext>
+    </p:extLst>
+  </p:cSld>
+  <p:clrMapOvr>
+    <a:masterClrMapping/>
+  </p:clrMapOvr>
+</p:sld>
+</file>
+
+<file path=ppt/slides/slide7.xml><?xml version="1.0" encoding="utf-8"?>
+<p:sld xmlns:a="http://schemas.openxmlformats.org/drawingml/2006/main" xmlns:r="http://schemas.openxmlformats.org/officeDocument/2006/relationships" xmlns:p="http://schemas.openxmlformats.org/presentationml/2006/main">
+  <p:cSld>
+    <p:spTree>
+      <p:nvGrpSpPr>
+        <p:cNvPr id="1" name=""/>
+        <p:cNvGrpSpPr/>
+        <p:nvPr/>
+      </p:nvGrpSpPr>
+      <p:grpSpPr>
+        <a:xfrm>
+          <a:off x="0" y="0"/>
+          <a:ext cx="0" cy="0"/>
+          <a:chOff x="0" y="0"/>
+          <a:chExt cx="0" cy="0"/>
+        </a:xfrm>
+      </p:grpSpPr>
+      <p:sp>
+        <p:nvSpPr>
+          <p:cNvPr id="2" name="Title 1">
+            <a:extLst>
+              <a:ext uri="{FF2B5EF4-FFF2-40B4-BE49-F238E27FC236}">
+                <a16:creationId xmlns:a16="http://schemas.microsoft.com/office/drawing/2014/main" id="{F12F3D47-4401-84AE-95A1-A8E550DDA42C}"/>
+              </a:ext>
+            </a:extLst>
+          </p:cNvPr>
+          <p:cNvSpPr>
+            <a:spLocks noGrp="1"/>
+          </p:cNvSpPr>
+          <p:nvPr>
+            <p:ph type="title"/>
+          </p:nvPr>
+        </p:nvSpPr>
+        <p:spPr>
+          <a:xfrm>
+            <a:off x="838200" y="1440"/>
+            <a:ext cx="10515600" cy="1325563"/>
+          </a:xfrm>
+        </p:spPr>
+        <p:txBody>
+          <a:bodyPr/>
+          <a:lstStyle/>
+          <a:p>
+            <a:r>
+              <a:rPr lang="pt-BR" dirty="0"/>
+              <a:t>Conteúdo </a:t>
+            </a:r>
+            <a:r>
+              <a:rPr lang="pt-BR" dirty="0">
+                <a:solidFill>
+                  <a:schemeClr val="accent1"/>
+                </a:solidFill>
+              </a:rPr>
+              <a:t>teórico</a:t>
+            </a:r>
+            <a:r>
+              <a:rPr lang="pt-BR" dirty="0"/>
+              <a:t> e </a:t>
+            </a:r>
+            <a:r>
+              <a:rPr lang="pt-BR" dirty="0">
+                <a:solidFill>
+                  <a:schemeClr val="accent2"/>
+                </a:solidFill>
+              </a:rPr>
+              <a:t>prático</a:t>
+            </a:r>
+          </a:p>
+        </p:txBody>
+      </p:sp>
+      <p:graphicFrame>
+        <p:nvGraphicFramePr>
+          <p:cNvPr id="7" name="Content Placeholder 6">
+            <a:extLst>
+              <a:ext uri="{FF2B5EF4-FFF2-40B4-BE49-F238E27FC236}">
+                <a16:creationId xmlns:a16="http://schemas.microsoft.com/office/drawing/2014/main" id="{A8296CB9-CF90-E3F3-6C4B-80D86430D97C}"/>
+              </a:ext>
+            </a:extLst>
+          </p:cNvPr>
+          <p:cNvGraphicFramePr>
+            <a:graphicFrameLocks noGrp="1"/>
+          </p:cNvGraphicFramePr>
+          <p:nvPr>
+            <p:ph idx="1"/>
+            <p:extLst>
+              <p:ext uri="{D42A27DB-BD31-4B8C-83A1-F6EECF244321}">
+                <p14:modId xmlns:p14="http://schemas.microsoft.com/office/powerpoint/2010/main" val="2330986053"/>
+              </p:ext>
+            </p:extLst>
+          </p:nvPr>
+        </p:nvGraphicFramePr>
+        <p:xfrm>
+          <a:off x="0" y="935185"/>
+          <a:ext cx="12192000" cy="3408218"/>
+        </p:xfrm>
+        <a:graphic>
+          <a:graphicData uri="http://schemas.openxmlformats.org/drawingml/2006/diagram">
+            <dgm:relIds xmlns:dgm="http://schemas.openxmlformats.org/drawingml/2006/diagram" xmlns:r="http://schemas.openxmlformats.org/officeDocument/2006/relationships" r:dm="rId3" r:lo="rId4" r:qs="rId5" r:cs="rId6"/>
+          </a:graphicData>
+        </a:graphic>
+      </p:graphicFrame>
+      <p:graphicFrame>
+        <p:nvGraphicFramePr>
+          <p:cNvPr id="8" name="Content Placeholder 6">
+            <a:extLst>
+              <a:ext uri="{FF2B5EF4-FFF2-40B4-BE49-F238E27FC236}">
+                <a16:creationId xmlns:a16="http://schemas.microsoft.com/office/drawing/2014/main" id="{501188FD-F437-FBB1-CAFF-20B887DABC0F}"/>
+              </a:ext>
+            </a:extLst>
+          </p:cNvPr>
+          <p:cNvGraphicFramePr>
+            <a:graphicFrameLocks/>
+          </p:cNvGraphicFramePr>
+          <p:nvPr>
+            <p:extLst>
+              <p:ext uri="{D42A27DB-BD31-4B8C-83A1-F6EECF244321}">
+                <p14:modId xmlns:p14="http://schemas.microsoft.com/office/powerpoint/2010/main" val="3642326768"/>
+              </p:ext>
+            </p:extLst>
+          </p:nvPr>
+        </p:nvGraphicFramePr>
+        <p:xfrm>
+          <a:off x="0" y="3728896"/>
+          <a:ext cx="12192000" cy="3408218"/>
+        </p:xfrm>
+        <a:graphic>
+          <a:graphicData uri="http://schemas.openxmlformats.org/drawingml/2006/diagram">
+            <dgm:relIds xmlns:dgm="http://schemas.openxmlformats.org/drawingml/2006/diagram" xmlns:r="http://schemas.openxmlformats.org/officeDocument/2006/relationships" r:dm="rId8" r:lo="rId9" r:qs="rId10" r:cs="rId11"/>
+          </a:graphicData>
+        </a:graphic>
+      </p:graphicFrame>
+    </p:spTree>
+    <p:extLst>
+      <p:ext uri="{BB962C8B-B14F-4D97-AF65-F5344CB8AC3E}">
+        <p14:creationId xmlns:p14="http://schemas.microsoft.com/office/powerpoint/2010/main" val="2102833900"/>
+      </p:ext>
+    </p:extLst>
+  </p:cSld>
+  <p:clrMapOvr>
+    <a:masterClrMapping/>
+  </p:clrMapOvr>
+</p:sld>
+</file>
+
+<file path=ppt/slides/slide8.xml><?xml version="1.0" encoding="utf-8"?>
+<p:sld xmlns:a="http://schemas.openxmlformats.org/drawingml/2006/main" xmlns:r="http://schemas.openxmlformats.org/officeDocument/2006/relationships" xmlns:p="http://schemas.openxmlformats.org/presentationml/2006/main">
+  <p:cSld>
+    <p:spTree>
+      <p:nvGrpSpPr>
+        <p:cNvPr id="1" name=""/>
+        <p:cNvGrpSpPr/>
+        <p:nvPr/>
+      </p:nvGrpSpPr>
+      <p:grpSpPr>
+        <a:xfrm>
+          <a:off x="0" y="0"/>
+          <a:ext cx="0" cy="0"/>
+          <a:chOff x="0" y="0"/>
+          <a:chExt cx="0" cy="0"/>
+        </a:xfrm>
+      </p:grpSpPr>
+      <p:sp>
+        <p:nvSpPr>
+          <p:cNvPr id="2" name="Title 1">
+            <a:extLst>
+              <a:ext uri="{FF2B5EF4-FFF2-40B4-BE49-F238E27FC236}">
+                <a16:creationId xmlns:a16="http://schemas.microsoft.com/office/drawing/2014/main" id="{B43FB398-6E7C-179E-00F7-2B9CE16CF72D}"/>
+              </a:ext>
+            </a:extLst>
+          </p:cNvPr>
+          <p:cNvSpPr>
+            <a:spLocks noGrp="1"/>
+          </p:cNvSpPr>
+          <p:nvPr>
+            <p:ph type="title"/>
+          </p:nvPr>
+        </p:nvSpPr>
+        <p:spPr/>
+        <p:txBody>
+          <a:bodyPr/>
+          <a:lstStyle/>
+          <a:p>
+            <a:r>
+              <a:rPr lang="pt-BR" dirty="0"/>
+              <a:t>Dúvidas?</a:t>
+            </a:r>
+          </a:p>
+        </p:txBody>
+      </p:sp>
+      <p:pic>
+        <p:nvPicPr>
+          <p:cNvPr id="2050" name="Picture 2" descr="How To Ask Questions Effectively. When we have a question, our first… | by  Soundarya Balasubramani | Agile Insider | Medium">
+            <a:extLst>
+              <a:ext uri="{FF2B5EF4-FFF2-40B4-BE49-F238E27FC236}">
+                <a16:creationId xmlns:a16="http://schemas.microsoft.com/office/drawing/2014/main" id="{E9A05246-02C9-054B-6E28-4A3138C02602}"/>
+              </a:ext>
+            </a:extLst>
+          </p:cNvPr>
+          <p:cNvPicPr>
+            <a:picLocks noChangeAspect="1" noChangeArrowheads="1"/>
+          </p:cNvPicPr>
+          <p:nvPr/>
+        </p:nvPicPr>
+        <p:blipFill>
+          <a:blip r:embed="rId2">
+            <a:extLst>
+              <a:ext uri="{28A0092B-C50C-407E-A947-70E740481C1C}">
+                <a14:useLocalDpi xmlns:a14="http://schemas.microsoft.com/office/drawing/2010/main" val="0"/>
+              </a:ext>
+            </a:extLst>
+          </a:blip>
+          <a:srcRect/>
+          <a:stretch>
+            <a:fillRect/>
+          </a:stretch>
+        </p:blipFill>
+        <p:spPr bwMode="auto">
+          <a:xfrm>
+            <a:off x="4144068" y="1825625"/>
+            <a:ext cx="3903864" cy="4488873"/>
+          </a:xfrm>
+          <a:prstGeom prst="rect">
+            <a:avLst/>
+          </a:prstGeom>
+          <a:noFill/>
+          <a:extLst>
+            <a:ext uri="{909E8E84-426E-40DD-AFC4-6F175D3DCCD1}">
+              <a14:hiddenFill xmlns:a14="http://schemas.microsoft.com/office/drawing/2010/main">
+                <a:solidFill>
+                  <a:srgbClr val="FFFFFF"/>
+                </a:solidFill>
+              </a14:hiddenFill>
+            </a:ext>
+          </a:extLst>
+        </p:spPr>
+      </p:pic>
+    </p:spTree>
+    <p:extLst>
+      <p:ext uri="{BB962C8B-B14F-4D97-AF65-F5344CB8AC3E}">
+        <p14:creationId xmlns:p14="http://schemas.microsoft.com/office/powerpoint/2010/main" val="1426494804"/>
+      </p:ext>
+    </p:extLst>
+  </p:cSld>
+  <p:clrMapOvr>
+    <a:masterClrMapping/>
+  </p:clrMapOvr>
+</p:sld>
+</file>
+
+<file path=ppt/slides/slide9.xml><?xml version="1.0" encoding="utf-8"?>
+<p:sld xmlns:a="http://schemas.openxmlformats.org/drawingml/2006/main" xmlns:r="http://schemas.openxmlformats.org/officeDocument/2006/relationships" xmlns:p="http://schemas.openxmlformats.org/presentationml/2006/main">
+  <p:cSld>
+    <p:spTree>
+      <p:nvGrpSpPr>
+        <p:cNvPr id="1" name=""/>
+        <p:cNvGrpSpPr/>
+        <p:nvPr/>
+      </p:nvGrpSpPr>
+      <p:grpSpPr>
+        <a:xfrm>
+          <a:off x="0" y="0"/>
+          <a:ext cx="0" cy="0"/>
+          <a:chOff x="0" y="0"/>
+          <a:chExt cx="0" cy="0"/>
+        </a:xfrm>
+      </p:grpSpPr>
+      <p:sp>
+        <p:nvSpPr>
+          <p:cNvPr id="2" name="Title 1">
+            <a:extLst>
+              <a:ext uri="{FF2B5EF4-FFF2-40B4-BE49-F238E27FC236}">
+                <a16:creationId xmlns:a16="http://schemas.microsoft.com/office/drawing/2014/main" id="{F0016ACE-4230-86ED-C153-AA502029035F}"/>
+              </a:ext>
+            </a:extLst>
+          </p:cNvPr>
+          <p:cNvSpPr>
+            <a:spLocks noGrp="1"/>
+          </p:cNvSpPr>
+          <p:nvPr>
+            <p:ph type="title"/>
+          </p:nvPr>
+        </p:nvSpPr>
+        <p:spPr/>
+        <p:txBody>
+          <a:bodyPr/>
+          <a:lstStyle/>
+          <a:p>
+            <a:r>
+              <a:rPr lang="pt-BR" dirty="0"/>
+              <a:t>Vamos nos conhecer </a:t>
+            </a:r>
+          </a:p>
+        </p:txBody>
+      </p:sp>
+      <p:sp>
+        <p:nvSpPr>
+          <p:cNvPr id="3" name="Content Placeholder 2">
+            <a:extLst>
+              <a:ext uri="{FF2B5EF4-FFF2-40B4-BE49-F238E27FC236}">
+                <a16:creationId xmlns:a16="http://schemas.microsoft.com/office/drawing/2014/main" id="{16397883-D8E0-3C8F-E649-119809688EB4}"/>
+              </a:ext>
+            </a:extLst>
+          </p:cNvPr>
+          <p:cNvSpPr>
+            <a:spLocks noGrp="1"/>
+          </p:cNvSpPr>
+          <p:nvPr>
+            <p:ph idx="1"/>
+          </p:nvPr>
+        </p:nvSpPr>
+        <p:spPr>
+          <a:xfrm>
+            <a:off x="838200" y="1825625"/>
+            <a:ext cx="8243455" cy="4351338"/>
+          </a:xfrm>
+        </p:spPr>
+        <p:txBody>
+          <a:bodyPr/>
+          <a:lstStyle/>
+          <a:p>
+            <a:pPr algn="l"/>
+            <a:r>
+              <a:rPr lang="pt-BR" b="0" i="0" dirty="0">
+                <a:solidFill>
+                  <a:srgbClr val="1A292C"/>
+                </a:solidFill>
+                <a:effectLst/>
+                <a:latin typeface="+mj-lt"/>
+              </a:rPr>
+              <a:t>Nome</a:t>
+            </a:r>
+          </a:p>
+          <a:p>
+            <a:pPr algn="l"/>
+            <a:r>
+              <a:rPr lang="pt-BR" b="0" i="0" dirty="0">
+                <a:solidFill>
+                  <a:srgbClr val="1A292C"/>
+                </a:solidFill>
+                <a:effectLst/>
+                <a:latin typeface="+mj-lt"/>
+              </a:rPr>
+              <a:t>Formação</a:t>
+            </a:r>
+          </a:p>
+          <a:p>
+            <a:pPr algn="l"/>
+            <a:r>
+              <a:rPr lang="pt-BR" b="0" i="0" dirty="0">
+                <a:solidFill>
+                  <a:srgbClr val="1A292C"/>
+                </a:solidFill>
+                <a:effectLst/>
+                <a:latin typeface="+mj-lt"/>
+              </a:rPr>
+              <a:t>O que faz ou pensa em fazer da vida?</a:t>
+            </a:r>
+          </a:p>
+          <a:p>
+            <a:pPr algn="l"/>
+            <a:r>
+              <a:rPr lang="pt-BR" b="0" i="0" dirty="0">
+                <a:solidFill>
+                  <a:srgbClr val="1A292C"/>
+                </a:solidFill>
+                <a:effectLst/>
+                <a:latin typeface="+mj-lt"/>
+              </a:rPr>
+              <a:t>Experiencia com Modelos de Distribuição de Espécies?</a:t>
+            </a:r>
+          </a:p>
+          <a:p>
+            <a:pPr algn="l"/>
+            <a:r>
+              <a:rPr lang="pt-BR" dirty="0">
+                <a:solidFill>
+                  <a:srgbClr val="1A292C"/>
+                </a:solidFill>
+                <a:latin typeface="+mj-lt"/>
+              </a:rPr>
+              <a:t>O</a:t>
+            </a:r>
+            <a:r>
+              <a:rPr lang="pt-BR" b="0" i="0" dirty="0">
+                <a:solidFill>
+                  <a:srgbClr val="1A292C"/>
+                </a:solidFill>
+                <a:effectLst/>
+                <a:latin typeface="+mj-lt"/>
+              </a:rPr>
+              <a:t> que espera do curso? </a:t>
+            </a:r>
+          </a:p>
+          <a:p>
+            <a:pPr algn="l"/>
+            <a:r>
+              <a:rPr lang="pt-BR" dirty="0">
+                <a:solidFill>
+                  <a:srgbClr val="1A292C"/>
+                </a:solidFill>
+                <a:latin typeface="+mj-lt"/>
+              </a:rPr>
+              <a:t>Duas verdades uma mentira*</a:t>
+            </a:r>
+            <a:endParaRPr lang="pt-BR" b="0" i="0" dirty="0">
+              <a:solidFill>
+                <a:srgbClr val="1A292C"/>
+              </a:solidFill>
+              <a:effectLst/>
+              <a:latin typeface="+mj-lt"/>
+            </a:endParaRPr>
+          </a:p>
+          <a:p>
+            <a:pPr marL="0" indent="0">
+              <a:buNone/>
+            </a:pPr>
+            <a:endParaRPr lang="pt-BR" dirty="0"/>
+          </a:p>
+        </p:txBody>
+      </p:sp>
+    </p:spTree>
+    <p:extLst>
+      <p:ext uri="{BB962C8B-B14F-4D97-AF65-F5344CB8AC3E}">
+        <p14:creationId xmlns:p14="http://schemas.microsoft.com/office/powerpoint/2010/main" val="957641924"/>
       </p:ext>
     </p:extLst>
   </p:cSld>
